--- a/Promilo_Assignment(BA).pptx
+++ b/Promilo_Assignment(BA).pptx
@@ -5,10 +5,10 @@
     <p:sldMasterId id="2147483684" r:id="rId4"/>
   </p:sldMasterIdLst>
   <p:notesMasterIdLst>
-    <p:notesMasterId r:id="rId35"/>
+    <p:notesMasterId r:id="rId60"/>
   </p:notesMasterIdLst>
   <p:handoutMasterIdLst>
-    <p:handoutMasterId r:id="rId36"/>
+    <p:handoutMasterId r:id="rId61"/>
   </p:handoutMasterIdLst>
   <p:sldIdLst>
     <p:sldId id="256" r:id="rId5"/>
@@ -41,6 +41,31 @@
     <p:sldId id="284" r:id="rId32"/>
     <p:sldId id="285" r:id="rId33"/>
     <p:sldId id="286" r:id="rId34"/>
+    <p:sldId id="288" r:id="rId35"/>
+    <p:sldId id="289" r:id="rId36"/>
+    <p:sldId id="290" r:id="rId37"/>
+    <p:sldId id="291" r:id="rId38"/>
+    <p:sldId id="292" r:id="rId39"/>
+    <p:sldId id="293" r:id="rId40"/>
+    <p:sldId id="294" r:id="rId41"/>
+    <p:sldId id="295" r:id="rId42"/>
+    <p:sldId id="296" r:id="rId43"/>
+    <p:sldId id="297" r:id="rId44"/>
+    <p:sldId id="298" r:id="rId45"/>
+    <p:sldId id="299" r:id="rId46"/>
+    <p:sldId id="300" r:id="rId47"/>
+    <p:sldId id="301" r:id="rId48"/>
+    <p:sldId id="302" r:id="rId49"/>
+    <p:sldId id="303" r:id="rId50"/>
+    <p:sldId id="304" r:id="rId51"/>
+    <p:sldId id="305" r:id="rId52"/>
+    <p:sldId id="306" r:id="rId53"/>
+    <p:sldId id="307" r:id="rId54"/>
+    <p:sldId id="308" r:id="rId55"/>
+    <p:sldId id="309" r:id="rId56"/>
+    <p:sldId id="313" r:id="rId57"/>
+    <p:sldId id="314" r:id="rId58"/>
+    <p:sldId id="312" r:id="rId59"/>
   </p:sldIdLst>
   <p:sldSz cx="12192000" cy="6858000"/>
   <p:notesSz cx="6858000" cy="9144000"/>
@@ -19057,6 +19082,2607 @@
 </p:sld>
 </file>
 
+<file path=ppt/slides/slide31.xml><?xml version="1.0" encoding="utf-8"?>
+<p:sld xmlns:a="http://schemas.openxmlformats.org/drawingml/2006/main" xmlns:r="http://schemas.openxmlformats.org/officeDocument/2006/relationships" xmlns:p="http://schemas.openxmlformats.org/presentationml/2006/main">
+  <p:cSld>
+    <p:spTree>
+      <p:nvGrpSpPr>
+        <p:cNvPr id="1" name=""/>
+        <p:cNvGrpSpPr/>
+        <p:nvPr/>
+      </p:nvGrpSpPr>
+      <p:grpSpPr>
+        <a:xfrm>
+          <a:off x="0" y="0"/>
+          <a:ext cx="0" cy="0"/>
+          <a:chOff x="0" y="0"/>
+          <a:chExt cx="0" cy="0"/>
+        </a:xfrm>
+      </p:grpSpPr>
+      <p:sp>
+        <p:nvSpPr>
+          <p:cNvPr id="4" name="Title 3">
+            <a:extLst>
+              <a:ext uri="{FF2B5EF4-FFF2-40B4-BE49-F238E27FC236}">
+                <a16:creationId xmlns:a16="http://schemas.microsoft.com/office/drawing/2014/main" id="{2E9A7C78-91FD-4B88-953D-5A4363761BD1}"/>
+              </a:ext>
+            </a:extLst>
+          </p:cNvPr>
+          <p:cNvSpPr>
+            <a:spLocks noGrp="1"/>
+          </p:cNvSpPr>
+          <p:nvPr>
+            <p:ph type="ctrTitle"/>
+          </p:nvPr>
+        </p:nvSpPr>
+        <p:spPr>
+          <a:xfrm>
+            <a:off x="1524000" y="2607223"/>
+            <a:ext cx="9144000" cy="1290522"/>
+          </a:xfrm>
+        </p:spPr>
+        <p:txBody>
+          <a:bodyPr anchor="b" anchorCtr="0">
+            <a:normAutofit/>
+          </a:bodyPr>
+          <a:lstStyle/>
+          <a:p>
+            <a:pPr algn="ctr">
+              <a:lnSpc>
+                <a:spcPts val="9748"/>
+              </a:lnSpc>
+            </a:pPr>
+            <a:r>
+              <a:rPr lang="en-US" sz="5400" spc="692" dirty="0">
+                <a:latin typeface="Oswald Bold"/>
+              </a:rPr>
+              <a:t>CITIWISE REPORT</a:t>
+            </a:r>
+            <a:endParaRPr lang="en-US" sz="5400" spc="692" dirty="0">
+              <a:solidFill>
+                <a:srgbClr val="231F20"/>
+              </a:solidFill>
+              <a:latin typeface="Oswald Bold"/>
+            </a:endParaRPr>
+          </a:p>
+        </p:txBody>
+      </p:sp>
+    </p:spTree>
+    <p:extLst>
+      <p:ext uri="{BB962C8B-B14F-4D97-AF65-F5344CB8AC3E}">
+        <p14:creationId xmlns:p14="http://schemas.microsoft.com/office/powerpoint/2010/main" val="2775492175"/>
+      </p:ext>
+    </p:extLst>
+  </p:cSld>
+  <p:clrMapOvr>
+    <a:masterClrMapping/>
+  </p:clrMapOvr>
+</p:sld>
+</file>
+
+<file path=ppt/slides/slide32.xml><?xml version="1.0" encoding="utf-8"?>
+<p:sld xmlns:a="http://schemas.openxmlformats.org/drawingml/2006/main" xmlns:r="http://schemas.openxmlformats.org/officeDocument/2006/relationships" xmlns:p="http://schemas.openxmlformats.org/presentationml/2006/main">
+  <p:cSld>
+    <p:spTree>
+      <p:nvGrpSpPr>
+        <p:cNvPr id="1" name=""/>
+        <p:cNvGrpSpPr/>
+        <p:nvPr/>
+      </p:nvGrpSpPr>
+      <p:grpSpPr>
+        <a:xfrm>
+          <a:off x="0" y="0"/>
+          <a:ext cx="0" cy="0"/>
+          <a:chOff x="0" y="0"/>
+          <a:chExt cx="0" cy="0"/>
+        </a:xfrm>
+      </p:grpSpPr>
+      <p:sp>
+        <p:nvSpPr>
+          <p:cNvPr id="4" name="Title 3">
+            <a:extLst>
+              <a:ext uri="{FF2B5EF4-FFF2-40B4-BE49-F238E27FC236}">
+                <a16:creationId xmlns:a16="http://schemas.microsoft.com/office/drawing/2014/main" id="{2E9A7C78-91FD-4B88-953D-5A4363761BD1}"/>
+              </a:ext>
+            </a:extLst>
+          </p:cNvPr>
+          <p:cNvSpPr>
+            <a:spLocks noGrp="1"/>
+          </p:cNvSpPr>
+          <p:nvPr>
+            <p:ph type="ctrTitle"/>
+          </p:nvPr>
+        </p:nvSpPr>
+        <p:spPr>
+          <a:xfrm>
+            <a:off x="73891" y="120073"/>
+            <a:ext cx="12044217" cy="895927"/>
+          </a:xfrm>
+        </p:spPr>
+        <p:txBody>
+          <a:bodyPr anchor="b" anchorCtr="0">
+            <a:normAutofit fontScale="90000"/>
+          </a:bodyPr>
+          <a:lstStyle/>
+          <a:p>
+            <a:pPr algn="ctr">
+              <a:lnSpc>
+                <a:spcPts val="9748"/>
+              </a:lnSpc>
+            </a:pPr>
+            <a:br>
+              <a:rPr lang="en-US" sz="5400" spc="692" dirty="0">
+                <a:latin typeface="Oswald Bold"/>
+              </a:rPr>
+            </a:br>
+            <a:br>
+              <a:rPr lang="en-US" sz="5400" spc="692" dirty="0">
+                <a:latin typeface="Oswald Bold"/>
+              </a:rPr>
+            </a:br>
+            <a:br>
+              <a:rPr lang="en-US" sz="5400" spc="692" dirty="0">
+                <a:solidFill>
+                  <a:srgbClr val="231F20"/>
+                </a:solidFill>
+                <a:latin typeface="Oswald Bold"/>
+              </a:rPr>
+            </a:br>
+            <a:r>
+              <a:rPr lang="en-US" sz="4900" spc="692" dirty="0">
+                <a:latin typeface="Oswald Bold"/>
+              </a:rPr>
+              <a:t>CITIWISE REPORT</a:t>
+            </a:r>
+            <a:endParaRPr lang="en-US" sz="4900" spc="692" dirty="0">
+              <a:solidFill>
+                <a:srgbClr val="231F20"/>
+              </a:solidFill>
+              <a:latin typeface="Oswald Bold"/>
+            </a:endParaRPr>
+          </a:p>
+        </p:txBody>
+      </p:sp>
+      <p:sp>
+        <p:nvSpPr>
+          <p:cNvPr id="5" name="Subtitle 4">
+            <a:extLst>
+              <a:ext uri="{FF2B5EF4-FFF2-40B4-BE49-F238E27FC236}">
+                <a16:creationId xmlns:a16="http://schemas.microsoft.com/office/drawing/2014/main" id="{AD04BED3-CF2E-4CAD-8CE8-ED3ED12AEBD6}"/>
+              </a:ext>
+            </a:extLst>
+          </p:cNvPr>
+          <p:cNvSpPr>
+            <a:spLocks noGrp="1"/>
+          </p:cNvSpPr>
+          <p:nvPr>
+            <p:ph type="body" sz="quarter" idx="15"/>
+          </p:nvPr>
+        </p:nvSpPr>
+        <p:spPr>
+          <a:xfrm>
+            <a:off x="73892" y="1182255"/>
+            <a:ext cx="12044216" cy="5555672"/>
+          </a:xfrm>
+        </p:spPr>
+        <p:txBody>
+          <a:bodyPr>
+            <a:normAutofit/>
+          </a:bodyPr>
+          <a:lstStyle/>
+          <a:p>
+            <a:pPr marL="492537" lvl="1" indent="-246268">
+              <a:lnSpc>
+                <a:spcPts val="3148"/>
+              </a:lnSpc>
+              <a:buFont typeface="Arial"/>
+              <a:buChar char="•"/>
+            </a:pPr>
+            <a:r>
+              <a:rPr lang="en-US" sz="1800" spc="223" dirty="0" err="1">
+                <a:solidFill>
+                  <a:schemeClr val="bg1"/>
+                </a:solidFill>
+                <a:latin typeface="Montserrat Classic Bold" panose="020B0604020202020204" charset="0"/>
+              </a:rPr>
+              <a:t>Citywise</a:t>
+            </a:r>
+            <a:r>
+              <a:rPr lang="en-US" sz="1800" spc="223" dirty="0">
+                <a:solidFill>
+                  <a:schemeClr val="bg1"/>
+                </a:solidFill>
+                <a:latin typeface="Montserrat Classic Bold" panose="020B0604020202020204" charset="0"/>
+              </a:rPr>
+              <a:t> reports is an essential component of analysis that focuses on dissecting user data and performance metrics based on geographic locations. </a:t>
+            </a:r>
+          </a:p>
+          <a:p>
+            <a:pPr marL="492537" lvl="1" indent="-246268">
+              <a:lnSpc>
+                <a:spcPts val="3148"/>
+              </a:lnSpc>
+              <a:buFont typeface="Arial"/>
+              <a:buChar char="•"/>
+            </a:pPr>
+            <a:r>
+              <a:rPr lang="en-US" sz="1800" spc="223" dirty="0">
+                <a:solidFill>
+                  <a:schemeClr val="bg1"/>
+                </a:solidFill>
+                <a:latin typeface="Montserrat Classic Bold" panose="020B0604020202020204" charset="0"/>
+              </a:rPr>
+              <a:t>This detailed breakdown allows businesses to understand how users from different cities interact with their online platforms. </a:t>
+            </a:r>
+          </a:p>
+          <a:p>
+            <a:pPr marL="492537" lvl="1" indent="-246268">
+              <a:lnSpc>
+                <a:spcPts val="3148"/>
+              </a:lnSpc>
+              <a:buFont typeface="Arial"/>
+              <a:buChar char="•"/>
+            </a:pPr>
+            <a:r>
+              <a:rPr lang="en-US" sz="1800" spc="223" dirty="0">
+                <a:solidFill>
+                  <a:schemeClr val="bg1"/>
+                </a:solidFill>
+                <a:latin typeface="Montserrat Classic Bold" panose="020B0604020202020204" charset="0"/>
+              </a:rPr>
+              <a:t>By examining factors such as user engagement, traffic sources, and conversion rates on a city-by-city basis, organizations gain valuable insights into regional preferences and behaviors. </a:t>
+            </a:r>
+          </a:p>
+          <a:p>
+            <a:pPr marL="492537" lvl="1" indent="-246268">
+              <a:lnSpc>
+                <a:spcPts val="3148"/>
+              </a:lnSpc>
+              <a:buFont typeface="Arial"/>
+              <a:buChar char="•"/>
+            </a:pPr>
+            <a:r>
+              <a:rPr lang="en-US" sz="1800" spc="223" dirty="0">
+                <a:solidFill>
+                  <a:schemeClr val="bg1"/>
+                </a:solidFill>
+                <a:latin typeface="Montserrat Classic Bold" panose="020B0604020202020204" charset="0"/>
+              </a:rPr>
+              <a:t>This information is invaluable for tailoring marketing strategies, optimizing content, and enhancing the overall user experience to better resonate with diverse audiences across various geographical locations. </a:t>
+            </a:r>
+          </a:p>
+        </p:txBody>
+      </p:sp>
+    </p:spTree>
+    <p:extLst>
+      <p:ext uri="{BB962C8B-B14F-4D97-AF65-F5344CB8AC3E}">
+        <p14:creationId xmlns:p14="http://schemas.microsoft.com/office/powerpoint/2010/main" val="2637184367"/>
+      </p:ext>
+    </p:extLst>
+  </p:cSld>
+  <p:clrMapOvr>
+    <a:masterClrMapping/>
+  </p:clrMapOvr>
+</p:sld>
+</file>
+
+<file path=ppt/slides/slide33.xml><?xml version="1.0" encoding="utf-8"?>
+<p:sld xmlns:a="http://schemas.openxmlformats.org/drawingml/2006/main" xmlns:r="http://schemas.openxmlformats.org/officeDocument/2006/relationships" xmlns:p="http://schemas.openxmlformats.org/presentationml/2006/main">
+  <p:cSld>
+    <p:spTree>
+      <p:nvGrpSpPr>
+        <p:cNvPr id="1" name=""/>
+        <p:cNvGrpSpPr/>
+        <p:nvPr/>
+      </p:nvGrpSpPr>
+      <p:grpSpPr>
+        <a:xfrm>
+          <a:off x="0" y="0"/>
+          <a:ext cx="0" cy="0"/>
+          <a:chOff x="0" y="0"/>
+          <a:chExt cx="0" cy="0"/>
+        </a:xfrm>
+      </p:grpSpPr>
+      <p:sp>
+        <p:nvSpPr>
+          <p:cNvPr id="4" name="Title 3">
+            <a:extLst>
+              <a:ext uri="{FF2B5EF4-FFF2-40B4-BE49-F238E27FC236}">
+                <a16:creationId xmlns:a16="http://schemas.microsoft.com/office/drawing/2014/main" id="{2E9A7C78-91FD-4B88-953D-5A4363761BD1}"/>
+              </a:ext>
+            </a:extLst>
+          </p:cNvPr>
+          <p:cNvSpPr>
+            <a:spLocks noGrp="1"/>
+          </p:cNvSpPr>
+          <p:nvPr>
+            <p:ph type="ctrTitle"/>
+          </p:nvPr>
+        </p:nvSpPr>
+        <p:spPr>
+          <a:xfrm>
+            <a:off x="73891" y="120073"/>
+            <a:ext cx="12044217" cy="895927"/>
+          </a:xfrm>
+        </p:spPr>
+        <p:txBody>
+          <a:bodyPr anchor="b" anchorCtr="0">
+            <a:noAutofit/>
+          </a:bodyPr>
+          <a:lstStyle/>
+          <a:p>
+            <a:pPr algn="ctr">
+              <a:lnSpc>
+                <a:spcPts val="9748"/>
+              </a:lnSpc>
+            </a:pPr>
+            <a:br>
+              <a:rPr lang="en-US" sz="4000" spc="692" dirty="0">
+                <a:latin typeface="Oswald Bold"/>
+              </a:rPr>
+            </a:br>
+            <a:br>
+              <a:rPr lang="en-US" sz="4000" spc="692" dirty="0">
+                <a:latin typeface="Oswald Bold"/>
+              </a:rPr>
+            </a:br>
+            <a:br>
+              <a:rPr lang="en-US" sz="4000" spc="692" dirty="0">
+                <a:solidFill>
+                  <a:srgbClr val="231F20"/>
+                </a:solidFill>
+                <a:latin typeface="Oswald Bold"/>
+              </a:rPr>
+            </a:br>
+            <a:r>
+              <a:rPr lang="en-US" sz="3200" spc="692" dirty="0">
+                <a:latin typeface="Oswald Bold"/>
+              </a:rPr>
+              <a:t>TOP USERS ACROSS CITIES</a:t>
+            </a:r>
+            <a:endParaRPr lang="en-US" sz="3200" spc="692" dirty="0">
+              <a:solidFill>
+                <a:srgbClr val="231F20"/>
+              </a:solidFill>
+              <a:latin typeface="Oswald Bold"/>
+            </a:endParaRPr>
+          </a:p>
+        </p:txBody>
+      </p:sp>
+      <p:sp>
+        <p:nvSpPr>
+          <p:cNvPr id="5" name="Subtitle 4">
+            <a:extLst>
+              <a:ext uri="{FF2B5EF4-FFF2-40B4-BE49-F238E27FC236}">
+                <a16:creationId xmlns:a16="http://schemas.microsoft.com/office/drawing/2014/main" id="{AD04BED3-CF2E-4CAD-8CE8-ED3ED12AEBD6}"/>
+              </a:ext>
+            </a:extLst>
+          </p:cNvPr>
+          <p:cNvSpPr>
+            <a:spLocks noGrp="1"/>
+          </p:cNvSpPr>
+          <p:nvPr>
+            <p:ph type="body" sz="quarter" idx="15"/>
+          </p:nvPr>
+        </p:nvSpPr>
+        <p:spPr>
+          <a:xfrm>
+            <a:off x="73891" y="1182256"/>
+            <a:ext cx="11842821" cy="895928"/>
+          </a:xfrm>
+        </p:spPr>
+        <p:txBody>
+          <a:bodyPr>
+            <a:noAutofit/>
+          </a:bodyPr>
+          <a:lstStyle/>
+          <a:p>
+            <a:pPr algn="l">
+              <a:lnSpc>
+                <a:spcPts val="3160"/>
+              </a:lnSpc>
+            </a:pPr>
+            <a:r>
+              <a:rPr lang="en-US" sz="1200" spc="224" dirty="0">
+                <a:latin typeface="Montserrat Classic Bold" panose="020B0604020202020204" charset="0"/>
+              </a:rPr>
+              <a:t>Top users across cities represent the most actively engaged individuals in different geographic locations, providing insights into the regions where user interactions and online activities are most pronounced on our website.</a:t>
+            </a:r>
+          </a:p>
+        </p:txBody>
+      </p:sp>
+      <p:sp>
+        <p:nvSpPr>
+          <p:cNvPr id="6" name="Subtitle 4">
+            <a:extLst>
+              <a:ext uri="{FF2B5EF4-FFF2-40B4-BE49-F238E27FC236}">
+                <a16:creationId xmlns:a16="http://schemas.microsoft.com/office/drawing/2014/main" id="{0356272A-03A5-F6CC-7142-4062342DC523}"/>
+              </a:ext>
+            </a:extLst>
+          </p:cNvPr>
+          <p:cNvSpPr txBox="1">
+            <a:spLocks/>
+          </p:cNvSpPr>
+          <p:nvPr/>
+        </p:nvSpPr>
+        <p:spPr>
+          <a:xfrm>
+            <a:off x="0" y="2078183"/>
+            <a:ext cx="6687127" cy="4659743"/>
+          </a:xfrm>
+          <a:prstGeom prst="rect">
+            <a:avLst/>
+          </a:prstGeom>
+        </p:spPr>
+        <p:txBody>
+          <a:bodyPr vert="horz" lIns="91440" tIns="45720" rIns="91440" bIns="45720" rtlCol="0">
+            <a:normAutofit/>
+          </a:bodyPr>
+          <a:lstStyle>
+            <a:lvl1pPr marL="0" indent="0" algn="ctr" defTabSz="914400" rtl="0" eaLnBrk="1" latinLnBrk="0" hangingPunct="1">
+              <a:lnSpc>
+                <a:spcPct val="110000"/>
+              </a:lnSpc>
+              <a:spcBef>
+                <a:spcPts val="1000"/>
+              </a:spcBef>
+              <a:buClr>
+                <a:schemeClr val="tx2">
+                  <a:lumMod val="10000"/>
+                  <a:lumOff val="90000"/>
+                </a:schemeClr>
+              </a:buClr>
+              <a:buSzPct val="80000"/>
+              <a:buFont typeface="Wingdings" panose="05000000000000000000" pitchFamily="2" charset="2"/>
+              <a:buNone/>
+              <a:defRPr sz="2800" kern="1200">
+                <a:solidFill>
+                  <a:schemeClr val="bg1"/>
+                </a:solidFill>
+                <a:effectLst/>
+                <a:latin typeface="+mn-lt"/>
+                <a:ea typeface="+mn-ea"/>
+                <a:cs typeface="+mn-cs"/>
+              </a:defRPr>
+            </a:lvl1pPr>
+            <a:lvl2pPr marL="800100" indent="-228600" algn="l" defTabSz="914400" rtl="0" eaLnBrk="1" latinLnBrk="0" hangingPunct="1">
+              <a:lnSpc>
+                <a:spcPct val="110000"/>
+              </a:lnSpc>
+              <a:spcBef>
+                <a:spcPts val="500"/>
+              </a:spcBef>
+              <a:buClr>
+                <a:schemeClr val="tx2">
+                  <a:lumMod val="10000"/>
+                  <a:lumOff val="90000"/>
+                </a:schemeClr>
+              </a:buClr>
+              <a:buSzPct val="80000"/>
+              <a:buFont typeface="Wingdings" panose="05000000000000000000" pitchFamily="2" charset="2"/>
+              <a:buChar char="§"/>
+              <a:defRPr sz="2800" kern="1200">
+                <a:solidFill>
+                  <a:schemeClr val="tx2">
+                    <a:alpha val="70000"/>
+                  </a:schemeClr>
+                </a:solidFill>
+                <a:latin typeface="+mn-lt"/>
+                <a:ea typeface="+mn-ea"/>
+                <a:cs typeface="+mn-cs"/>
+              </a:defRPr>
+            </a:lvl2pPr>
+            <a:lvl3pPr marL="1257300" indent="-228600" algn="l" defTabSz="914400" rtl="0" eaLnBrk="1" latinLnBrk="0" hangingPunct="1">
+              <a:lnSpc>
+                <a:spcPct val="110000"/>
+              </a:lnSpc>
+              <a:spcBef>
+                <a:spcPts val="500"/>
+              </a:spcBef>
+              <a:buClr>
+                <a:schemeClr val="tx2">
+                  <a:lumMod val="10000"/>
+                  <a:lumOff val="90000"/>
+                </a:schemeClr>
+              </a:buClr>
+              <a:buSzPct val="80000"/>
+              <a:buFont typeface="Wingdings" panose="05000000000000000000" pitchFamily="2" charset="2"/>
+              <a:buChar char="§"/>
+              <a:defRPr sz="2400" kern="1200">
+                <a:solidFill>
+                  <a:schemeClr val="tx2">
+                    <a:alpha val="70000"/>
+                  </a:schemeClr>
+                </a:solidFill>
+                <a:latin typeface="+mn-lt"/>
+                <a:ea typeface="+mn-ea"/>
+                <a:cs typeface="+mn-cs"/>
+              </a:defRPr>
+            </a:lvl3pPr>
+            <a:lvl4pPr marL="1657350" indent="-228600" algn="l" defTabSz="914400" rtl="0" eaLnBrk="1" latinLnBrk="0" hangingPunct="1">
+              <a:lnSpc>
+                <a:spcPct val="110000"/>
+              </a:lnSpc>
+              <a:spcBef>
+                <a:spcPts val="500"/>
+              </a:spcBef>
+              <a:buClr>
+                <a:schemeClr val="tx2">
+                  <a:lumMod val="10000"/>
+                  <a:lumOff val="90000"/>
+                </a:schemeClr>
+              </a:buClr>
+              <a:buSzPct val="80000"/>
+              <a:buFont typeface="Wingdings" panose="05000000000000000000" pitchFamily="2" charset="2"/>
+              <a:buChar char="§"/>
+              <a:defRPr sz="2000" kern="1200">
+                <a:solidFill>
+                  <a:schemeClr val="tx2">
+                    <a:alpha val="70000"/>
+                  </a:schemeClr>
+                </a:solidFill>
+                <a:latin typeface="+mn-lt"/>
+                <a:ea typeface="+mn-ea"/>
+                <a:cs typeface="+mn-cs"/>
+              </a:defRPr>
+            </a:lvl4pPr>
+            <a:lvl5pPr marL="2114550" indent="-228600" algn="l" defTabSz="914400" rtl="0" eaLnBrk="1" latinLnBrk="0" hangingPunct="1">
+              <a:lnSpc>
+                <a:spcPct val="110000"/>
+              </a:lnSpc>
+              <a:spcBef>
+                <a:spcPts val="500"/>
+              </a:spcBef>
+              <a:buClr>
+                <a:schemeClr val="tx2">
+                  <a:lumMod val="10000"/>
+                  <a:lumOff val="90000"/>
+                </a:schemeClr>
+              </a:buClr>
+              <a:buSzPct val="80000"/>
+              <a:buFont typeface="Wingdings" panose="05000000000000000000" pitchFamily="2" charset="2"/>
+              <a:buChar char="§"/>
+              <a:defRPr sz="2000" kern="1200">
+                <a:solidFill>
+                  <a:schemeClr val="tx2">
+                    <a:alpha val="70000"/>
+                  </a:schemeClr>
+                </a:solidFill>
+                <a:latin typeface="+mn-lt"/>
+                <a:ea typeface="+mn-ea"/>
+                <a:cs typeface="+mn-cs"/>
+              </a:defRPr>
+            </a:lvl5pPr>
+            <a:lvl6pPr marL="2514600" indent="-228600" algn="l" defTabSz="914400" rtl="0" eaLnBrk="1" latinLnBrk="0" hangingPunct="1">
+              <a:lnSpc>
+                <a:spcPct val="90000"/>
+              </a:lnSpc>
+              <a:spcBef>
+                <a:spcPts val="500"/>
+              </a:spcBef>
+              <a:buFont typeface="Arial" panose="020B0604020202020204" pitchFamily="34" charset="0"/>
+              <a:buChar char="•"/>
+              <a:defRPr sz="1800" kern="1200">
+                <a:solidFill>
+                  <a:schemeClr val="tx1"/>
+                </a:solidFill>
+                <a:latin typeface="+mn-lt"/>
+                <a:ea typeface="+mn-ea"/>
+                <a:cs typeface="+mn-cs"/>
+              </a:defRPr>
+            </a:lvl6pPr>
+            <a:lvl7pPr marL="2971800" indent="-228600" algn="l" defTabSz="914400" rtl="0" eaLnBrk="1" latinLnBrk="0" hangingPunct="1">
+              <a:lnSpc>
+                <a:spcPct val="90000"/>
+              </a:lnSpc>
+              <a:spcBef>
+                <a:spcPts val="500"/>
+              </a:spcBef>
+              <a:buFont typeface="Arial" panose="020B0604020202020204" pitchFamily="34" charset="0"/>
+              <a:buChar char="•"/>
+              <a:defRPr sz="1800" kern="1200">
+                <a:solidFill>
+                  <a:schemeClr val="tx1"/>
+                </a:solidFill>
+                <a:latin typeface="+mn-lt"/>
+                <a:ea typeface="+mn-ea"/>
+                <a:cs typeface="+mn-cs"/>
+              </a:defRPr>
+            </a:lvl7pPr>
+            <a:lvl8pPr marL="3429000" indent="-228600" algn="l" defTabSz="914400" rtl="0" eaLnBrk="1" latinLnBrk="0" hangingPunct="1">
+              <a:lnSpc>
+                <a:spcPct val="90000"/>
+              </a:lnSpc>
+              <a:spcBef>
+                <a:spcPts val="500"/>
+              </a:spcBef>
+              <a:buFont typeface="Arial" panose="020B0604020202020204" pitchFamily="34" charset="0"/>
+              <a:buChar char="•"/>
+              <a:defRPr sz="1800" kern="1200">
+                <a:solidFill>
+                  <a:schemeClr val="tx1"/>
+                </a:solidFill>
+                <a:latin typeface="+mn-lt"/>
+                <a:ea typeface="+mn-ea"/>
+                <a:cs typeface="+mn-cs"/>
+              </a:defRPr>
+            </a:lvl8pPr>
+            <a:lvl9pPr marL="3886200" indent="-228600" algn="l" defTabSz="914400" rtl="0" eaLnBrk="1" latinLnBrk="0" hangingPunct="1">
+              <a:lnSpc>
+                <a:spcPct val="90000"/>
+              </a:lnSpc>
+              <a:spcBef>
+                <a:spcPts val="500"/>
+              </a:spcBef>
+              <a:buFont typeface="Arial" panose="020B0604020202020204" pitchFamily="34" charset="0"/>
+              <a:buChar char="•"/>
+              <a:defRPr sz="1800" kern="1200">
+                <a:solidFill>
+                  <a:schemeClr val="tx1"/>
+                </a:solidFill>
+                <a:latin typeface="+mn-lt"/>
+                <a:ea typeface="+mn-ea"/>
+                <a:cs typeface="+mn-cs"/>
+              </a:defRPr>
+            </a:lvl9pPr>
+          </a:lstStyle>
+          <a:p>
+            <a:pPr>
+              <a:lnSpc>
+                <a:spcPts val="3160"/>
+              </a:lnSpc>
+            </a:pPr>
+            <a:r>
+              <a:rPr lang="en-US" sz="1200" spc="224" dirty="0">
+                <a:latin typeface="Montserrat Classic Bold" panose="020B0604020202020204" charset="0"/>
+              </a:rPr>
+              <a:t>THE FINDINGS:</a:t>
+            </a:r>
+          </a:p>
+          <a:p>
+            <a:pPr marL="494517" lvl="1" indent="-247259">
+              <a:lnSpc>
+                <a:spcPts val="3160"/>
+              </a:lnSpc>
+              <a:buFont typeface="Arial"/>
+              <a:buChar char="•"/>
+            </a:pPr>
+            <a:r>
+              <a:rPr lang="en-US" sz="1200" spc="224" dirty="0">
+                <a:solidFill>
+                  <a:schemeClr val="bg1"/>
+                </a:solidFill>
+                <a:latin typeface="Montserrat Classic Bold" panose="020B0604020202020204" charset="0"/>
+              </a:rPr>
+              <a:t>The most amount of Users were found in the city of Bengaluru.</a:t>
+            </a:r>
+          </a:p>
+          <a:p>
+            <a:pPr marL="494517" lvl="1" indent="-247259">
+              <a:lnSpc>
+                <a:spcPts val="3160"/>
+              </a:lnSpc>
+              <a:buFont typeface="Arial"/>
+              <a:buChar char="•"/>
+            </a:pPr>
+            <a:r>
+              <a:rPr lang="en-US" sz="1200" spc="224" dirty="0">
+                <a:solidFill>
+                  <a:schemeClr val="bg1"/>
+                </a:solidFill>
+                <a:latin typeface="Montserrat Classic Bold" panose="020B0604020202020204" charset="0"/>
+              </a:rPr>
+              <a:t>The second most amount of Users were found in the city of Patna.</a:t>
+            </a:r>
+          </a:p>
+          <a:p>
+            <a:pPr marL="494517" lvl="1" indent="-247259">
+              <a:lnSpc>
+                <a:spcPts val="3160"/>
+              </a:lnSpc>
+              <a:buFont typeface="Arial"/>
+              <a:buChar char="•"/>
+            </a:pPr>
+            <a:r>
+              <a:rPr lang="en-US" sz="1200" spc="224" dirty="0">
+                <a:solidFill>
+                  <a:schemeClr val="bg1"/>
+                </a:solidFill>
+                <a:latin typeface="Montserrat Classic Bold" panose="020B0604020202020204" charset="0"/>
+              </a:rPr>
+              <a:t>The third-most profitable city in terms of Users was Hyderabad.</a:t>
+            </a:r>
+          </a:p>
+          <a:p>
+            <a:pPr marL="494517" lvl="1" indent="-247259">
+              <a:lnSpc>
+                <a:spcPts val="3160"/>
+              </a:lnSpc>
+              <a:buFont typeface="Arial"/>
+              <a:buChar char="•"/>
+            </a:pPr>
+            <a:r>
+              <a:rPr lang="en-US" sz="1200" spc="224" dirty="0">
+                <a:solidFill>
+                  <a:schemeClr val="bg1"/>
+                </a:solidFill>
+                <a:latin typeface="Montserrat Classic Bold" panose="020B0604020202020204" charset="0"/>
+              </a:rPr>
+              <a:t>Indore generated the fourth-most amount of users.</a:t>
+            </a:r>
+          </a:p>
+          <a:p>
+            <a:pPr marL="494517" lvl="1" indent="-247259">
+              <a:lnSpc>
+                <a:spcPts val="3160"/>
+              </a:lnSpc>
+              <a:buFont typeface="Arial"/>
+              <a:buChar char="•"/>
+            </a:pPr>
+            <a:r>
+              <a:rPr lang="en-US" sz="1200" spc="224" dirty="0">
+                <a:solidFill>
+                  <a:schemeClr val="bg1"/>
+                </a:solidFill>
+                <a:latin typeface="Montserrat Classic Bold" panose="020B0604020202020204" charset="0"/>
+              </a:rPr>
+              <a:t>Lucknow generated the fifth-most amount of users</a:t>
+            </a:r>
+          </a:p>
+        </p:txBody>
+      </p:sp>
+      <p:sp>
+        <p:nvSpPr>
+          <p:cNvPr id="3" name="Freeform 5">
+            <a:extLst>
+              <a:ext uri="{FF2B5EF4-FFF2-40B4-BE49-F238E27FC236}">
+                <a16:creationId xmlns:a16="http://schemas.microsoft.com/office/drawing/2014/main" id="{AC881B6A-81AA-9628-8F03-36B2B3FD535D}"/>
+              </a:ext>
+            </a:extLst>
+          </p:cNvPr>
+          <p:cNvSpPr/>
+          <p:nvPr/>
+        </p:nvSpPr>
+        <p:spPr>
+          <a:xfrm>
+            <a:off x="6806153" y="2639504"/>
+            <a:ext cx="5186848" cy="3339543"/>
+          </a:xfrm>
+          <a:custGeom>
+            <a:avLst/>
+            <a:gdLst/>
+            <a:ahLst/>
+            <a:cxnLst/>
+            <a:rect l="l" t="t" r="r" b="b"/>
+            <a:pathLst>
+              <a:path w="8863302" h="3791384">
+                <a:moveTo>
+                  <a:pt x="0" y="0"/>
+                </a:moveTo>
+                <a:lnTo>
+                  <a:pt x="8863302" y="0"/>
+                </a:lnTo>
+                <a:lnTo>
+                  <a:pt x="8863302" y="3791385"/>
+                </a:lnTo>
+                <a:lnTo>
+                  <a:pt x="0" y="3791385"/>
+                </a:lnTo>
+                <a:lnTo>
+                  <a:pt x="0" y="0"/>
+                </a:lnTo>
+                <a:close/>
+              </a:path>
+            </a:pathLst>
+          </a:custGeom>
+          <a:blipFill>
+            <a:blip r:embed="rId2"/>
+            <a:stretch>
+              <a:fillRect/>
+            </a:stretch>
+          </a:blipFill>
+        </p:spPr>
+      </p:sp>
+    </p:spTree>
+    <p:extLst>
+      <p:ext uri="{BB962C8B-B14F-4D97-AF65-F5344CB8AC3E}">
+        <p14:creationId xmlns:p14="http://schemas.microsoft.com/office/powerpoint/2010/main" val="2995322641"/>
+      </p:ext>
+    </p:extLst>
+  </p:cSld>
+  <p:clrMapOvr>
+    <a:masterClrMapping/>
+  </p:clrMapOvr>
+</p:sld>
+</file>
+
+<file path=ppt/slides/slide34.xml><?xml version="1.0" encoding="utf-8"?>
+<p:sld xmlns:a="http://schemas.openxmlformats.org/drawingml/2006/main" xmlns:r="http://schemas.openxmlformats.org/officeDocument/2006/relationships" xmlns:p="http://schemas.openxmlformats.org/presentationml/2006/main">
+  <p:cSld>
+    <p:spTree>
+      <p:nvGrpSpPr>
+        <p:cNvPr id="1" name=""/>
+        <p:cNvGrpSpPr/>
+        <p:nvPr/>
+      </p:nvGrpSpPr>
+      <p:grpSpPr>
+        <a:xfrm>
+          <a:off x="0" y="0"/>
+          <a:ext cx="0" cy="0"/>
+          <a:chOff x="0" y="0"/>
+          <a:chExt cx="0" cy="0"/>
+        </a:xfrm>
+      </p:grpSpPr>
+      <p:sp>
+        <p:nvSpPr>
+          <p:cNvPr id="4" name="Title 3">
+            <a:extLst>
+              <a:ext uri="{FF2B5EF4-FFF2-40B4-BE49-F238E27FC236}">
+                <a16:creationId xmlns:a16="http://schemas.microsoft.com/office/drawing/2014/main" id="{2E9A7C78-91FD-4B88-953D-5A4363761BD1}"/>
+              </a:ext>
+            </a:extLst>
+          </p:cNvPr>
+          <p:cNvSpPr>
+            <a:spLocks noGrp="1"/>
+          </p:cNvSpPr>
+          <p:nvPr>
+            <p:ph type="ctrTitle"/>
+          </p:nvPr>
+        </p:nvSpPr>
+        <p:spPr>
+          <a:xfrm>
+            <a:off x="73891" y="120073"/>
+            <a:ext cx="12044217" cy="895927"/>
+          </a:xfrm>
+        </p:spPr>
+        <p:txBody>
+          <a:bodyPr anchor="b" anchorCtr="0">
+            <a:noAutofit/>
+          </a:bodyPr>
+          <a:lstStyle/>
+          <a:p>
+            <a:pPr algn="ctr">
+              <a:lnSpc>
+                <a:spcPts val="9748"/>
+              </a:lnSpc>
+            </a:pPr>
+            <a:br>
+              <a:rPr lang="en-US" sz="4000" spc="692" dirty="0">
+                <a:latin typeface="Oswald Bold"/>
+              </a:rPr>
+            </a:br>
+            <a:br>
+              <a:rPr lang="en-US" sz="4000" spc="692" dirty="0">
+                <a:latin typeface="Oswald Bold"/>
+              </a:rPr>
+            </a:br>
+            <a:br>
+              <a:rPr lang="en-US" sz="4000" spc="692" dirty="0">
+                <a:solidFill>
+                  <a:srgbClr val="231F20"/>
+                </a:solidFill>
+                <a:latin typeface="Oswald Bold"/>
+              </a:rPr>
+            </a:br>
+            <a:r>
+              <a:rPr lang="en-US" sz="3200" spc="692" dirty="0">
+                <a:latin typeface="Oswald Bold"/>
+              </a:rPr>
+              <a:t>NEW USERS ACROSS CITIES</a:t>
+            </a:r>
+            <a:endParaRPr lang="en-US" sz="3200" spc="692" dirty="0">
+              <a:solidFill>
+                <a:srgbClr val="231F20"/>
+              </a:solidFill>
+              <a:latin typeface="Oswald Bold"/>
+            </a:endParaRPr>
+          </a:p>
+        </p:txBody>
+      </p:sp>
+      <p:sp>
+        <p:nvSpPr>
+          <p:cNvPr id="5" name="Subtitle 4">
+            <a:extLst>
+              <a:ext uri="{FF2B5EF4-FFF2-40B4-BE49-F238E27FC236}">
+                <a16:creationId xmlns:a16="http://schemas.microsoft.com/office/drawing/2014/main" id="{AD04BED3-CF2E-4CAD-8CE8-ED3ED12AEBD6}"/>
+              </a:ext>
+            </a:extLst>
+          </p:cNvPr>
+          <p:cNvSpPr>
+            <a:spLocks noGrp="1"/>
+          </p:cNvSpPr>
+          <p:nvPr>
+            <p:ph type="body" sz="quarter" idx="15"/>
+          </p:nvPr>
+        </p:nvSpPr>
+        <p:spPr>
+          <a:xfrm>
+            <a:off x="73891" y="1182256"/>
+            <a:ext cx="11842821" cy="895928"/>
+          </a:xfrm>
+        </p:spPr>
+        <p:txBody>
+          <a:bodyPr>
+            <a:noAutofit/>
+          </a:bodyPr>
+          <a:lstStyle/>
+          <a:p>
+            <a:pPr>
+              <a:lnSpc>
+                <a:spcPts val="3160"/>
+              </a:lnSpc>
+            </a:pPr>
+            <a:r>
+              <a:rPr lang="en-US" sz="1200" spc="224" dirty="0">
+                <a:latin typeface="Montserrat Classic Bold" panose="020B0604020202020204" charset="0"/>
+              </a:rPr>
+              <a:t>New users across cities highlight the geographic distribution of individuals who have recently joined our website </a:t>
+            </a:r>
+          </a:p>
+        </p:txBody>
+      </p:sp>
+      <p:sp>
+        <p:nvSpPr>
+          <p:cNvPr id="6" name="Subtitle 4">
+            <a:extLst>
+              <a:ext uri="{FF2B5EF4-FFF2-40B4-BE49-F238E27FC236}">
+                <a16:creationId xmlns:a16="http://schemas.microsoft.com/office/drawing/2014/main" id="{0356272A-03A5-F6CC-7142-4062342DC523}"/>
+              </a:ext>
+            </a:extLst>
+          </p:cNvPr>
+          <p:cNvSpPr txBox="1">
+            <a:spLocks/>
+          </p:cNvSpPr>
+          <p:nvPr/>
+        </p:nvSpPr>
+        <p:spPr>
+          <a:xfrm>
+            <a:off x="0" y="2078183"/>
+            <a:ext cx="6687127" cy="4659743"/>
+          </a:xfrm>
+          <a:prstGeom prst="rect">
+            <a:avLst/>
+          </a:prstGeom>
+        </p:spPr>
+        <p:txBody>
+          <a:bodyPr vert="horz" lIns="91440" tIns="45720" rIns="91440" bIns="45720" rtlCol="0">
+            <a:normAutofit/>
+          </a:bodyPr>
+          <a:lstStyle>
+            <a:lvl1pPr marL="0" indent="0" algn="ctr" defTabSz="914400" rtl="0" eaLnBrk="1" latinLnBrk="0" hangingPunct="1">
+              <a:lnSpc>
+                <a:spcPct val="110000"/>
+              </a:lnSpc>
+              <a:spcBef>
+                <a:spcPts val="1000"/>
+              </a:spcBef>
+              <a:buClr>
+                <a:schemeClr val="tx2">
+                  <a:lumMod val="10000"/>
+                  <a:lumOff val="90000"/>
+                </a:schemeClr>
+              </a:buClr>
+              <a:buSzPct val="80000"/>
+              <a:buFont typeface="Wingdings" panose="05000000000000000000" pitchFamily="2" charset="2"/>
+              <a:buNone/>
+              <a:defRPr sz="2800" kern="1200">
+                <a:solidFill>
+                  <a:schemeClr val="bg1"/>
+                </a:solidFill>
+                <a:effectLst/>
+                <a:latin typeface="+mn-lt"/>
+                <a:ea typeface="+mn-ea"/>
+                <a:cs typeface="+mn-cs"/>
+              </a:defRPr>
+            </a:lvl1pPr>
+            <a:lvl2pPr marL="800100" indent="-228600" algn="l" defTabSz="914400" rtl="0" eaLnBrk="1" latinLnBrk="0" hangingPunct="1">
+              <a:lnSpc>
+                <a:spcPct val="110000"/>
+              </a:lnSpc>
+              <a:spcBef>
+                <a:spcPts val="500"/>
+              </a:spcBef>
+              <a:buClr>
+                <a:schemeClr val="tx2">
+                  <a:lumMod val="10000"/>
+                  <a:lumOff val="90000"/>
+                </a:schemeClr>
+              </a:buClr>
+              <a:buSzPct val="80000"/>
+              <a:buFont typeface="Wingdings" panose="05000000000000000000" pitchFamily="2" charset="2"/>
+              <a:buChar char="§"/>
+              <a:defRPr sz="2800" kern="1200">
+                <a:solidFill>
+                  <a:schemeClr val="tx2">
+                    <a:alpha val="70000"/>
+                  </a:schemeClr>
+                </a:solidFill>
+                <a:latin typeface="+mn-lt"/>
+                <a:ea typeface="+mn-ea"/>
+                <a:cs typeface="+mn-cs"/>
+              </a:defRPr>
+            </a:lvl2pPr>
+            <a:lvl3pPr marL="1257300" indent="-228600" algn="l" defTabSz="914400" rtl="0" eaLnBrk="1" latinLnBrk="0" hangingPunct="1">
+              <a:lnSpc>
+                <a:spcPct val="110000"/>
+              </a:lnSpc>
+              <a:spcBef>
+                <a:spcPts val="500"/>
+              </a:spcBef>
+              <a:buClr>
+                <a:schemeClr val="tx2">
+                  <a:lumMod val="10000"/>
+                  <a:lumOff val="90000"/>
+                </a:schemeClr>
+              </a:buClr>
+              <a:buSzPct val="80000"/>
+              <a:buFont typeface="Wingdings" panose="05000000000000000000" pitchFamily="2" charset="2"/>
+              <a:buChar char="§"/>
+              <a:defRPr sz="2400" kern="1200">
+                <a:solidFill>
+                  <a:schemeClr val="tx2">
+                    <a:alpha val="70000"/>
+                  </a:schemeClr>
+                </a:solidFill>
+                <a:latin typeface="+mn-lt"/>
+                <a:ea typeface="+mn-ea"/>
+                <a:cs typeface="+mn-cs"/>
+              </a:defRPr>
+            </a:lvl3pPr>
+            <a:lvl4pPr marL="1657350" indent="-228600" algn="l" defTabSz="914400" rtl="0" eaLnBrk="1" latinLnBrk="0" hangingPunct="1">
+              <a:lnSpc>
+                <a:spcPct val="110000"/>
+              </a:lnSpc>
+              <a:spcBef>
+                <a:spcPts val="500"/>
+              </a:spcBef>
+              <a:buClr>
+                <a:schemeClr val="tx2">
+                  <a:lumMod val="10000"/>
+                  <a:lumOff val="90000"/>
+                </a:schemeClr>
+              </a:buClr>
+              <a:buSzPct val="80000"/>
+              <a:buFont typeface="Wingdings" panose="05000000000000000000" pitchFamily="2" charset="2"/>
+              <a:buChar char="§"/>
+              <a:defRPr sz="2000" kern="1200">
+                <a:solidFill>
+                  <a:schemeClr val="tx2">
+                    <a:alpha val="70000"/>
+                  </a:schemeClr>
+                </a:solidFill>
+                <a:latin typeface="+mn-lt"/>
+                <a:ea typeface="+mn-ea"/>
+                <a:cs typeface="+mn-cs"/>
+              </a:defRPr>
+            </a:lvl4pPr>
+            <a:lvl5pPr marL="2114550" indent="-228600" algn="l" defTabSz="914400" rtl="0" eaLnBrk="1" latinLnBrk="0" hangingPunct="1">
+              <a:lnSpc>
+                <a:spcPct val="110000"/>
+              </a:lnSpc>
+              <a:spcBef>
+                <a:spcPts val="500"/>
+              </a:spcBef>
+              <a:buClr>
+                <a:schemeClr val="tx2">
+                  <a:lumMod val="10000"/>
+                  <a:lumOff val="90000"/>
+                </a:schemeClr>
+              </a:buClr>
+              <a:buSzPct val="80000"/>
+              <a:buFont typeface="Wingdings" panose="05000000000000000000" pitchFamily="2" charset="2"/>
+              <a:buChar char="§"/>
+              <a:defRPr sz="2000" kern="1200">
+                <a:solidFill>
+                  <a:schemeClr val="tx2">
+                    <a:alpha val="70000"/>
+                  </a:schemeClr>
+                </a:solidFill>
+                <a:latin typeface="+mn-lt"/>
+                <a:ea typeface="+mn-ea"/>
+                <a:cs typeface="+mn-cs"/>
+              </a:defRPr>
+            </a:lvl5pPr>
+            <a:lvl6pPr marL="2514600" indent="-228600" algn="l" defTabSz="914400" rtl="0" eaLnBrk="1" latinLnBrk="0" hangingPunct="1">
+              <a:lnSpc>
+                <a:spcPct val="90000"/>
+              </a:lnSpc>
+              <a:spcBef>
+                <a:spcPts val="500"/>
+              </a:spcBef>
+              <a:buFont typeface="Arial" panose="020B0604020202020204" pitchFamily="34" charset="0"/>
+              <a:buChar char="•"/>
+              <a:defRPr sz="1800" kern="1200">
+                <a:solidFill>
+                  <a:schemeClr val="tx1"/>
+                </a:solidFill>
+                <a:latin typeface="+mn-lt"/>
+                <a:ea typeface="+mn-ea"/>
+                <a:cs typeface="+mn-cs"/>
+              </a:defRPr>
+            </a:lvl6pPr>
+            <a:lvl7pPr marL="2971800" indent="-228600" algn="l" defTabSz="914400" rtl="0" eaLnBrk="1" latinLnBrk="0" hangingPunct="1">
+              <a:lnSpc>
+                <a:spcPct val="90000"/>
+              </a:lnSpc>
+              <a:spcBef>
+                <a:spcPts val="500"/>
+              </a:spcBef>
+              <a:buFont typeface="Arial" panose="020B0604020202020204" pitchFamily="34" charset="0"/>
+              <a:buChar char="•"/>
+              <a:defRPr sz="1800" kern="1200">
+                <a:solidFill>
+                  <a:schemeClr val="tx1"/>
+                </a:solidFill>
+                <a:latin typeface="+mn-lt"/>
+                <a:ea typeface="+mn-ea"/>
+                <a:cs typeface="+mn-cs"/>
+              </a:defRPr>
+            </a:lvl7pPr>
+            <a:lvl8pPr marL="3429000" indent="-228600" algn="l" defTabSz="914400" rtl="0" eaLnBrk="1" latinLnBrk="0" hangingPunct="1">
+              <a:lnSpc>
+                <a:spcPct val="90000"/>
+              </a:lnSpc>
+              <a:spcBef>
+                <a:spcPts val="500"/>
+              </a:spcBef>
+              <a:buFont typeface="Arial" panose="020B0604020202020204" pitchFamily="34" charset="0"/>
+              <a:buChar char="•"/>
+              <a:defRPr sz="1800" kern="1200">
+                <a:solidFill>
+                  <a:schemeClr val="tx1"/>
+                </a:solidFill>
+                <a:latin typeface="+mn-lt"/>
+                <a:ea typeface="+mn-ea"/>
+                <a:cs typeface="+mn-cs"/>
+              </a:defRPr>
+            </a:lvl8pPr>
+            <a:lvl9pPr marL="3886200" indent="-228600" algn="l" defTabSz="914400" rtl="0" eaLnBrk="1" latinLnBrk="0" hangingPunct="1">
+              <a:lnSpc>
+                <a:spcPct val="90000"/>
+              </a:lnSpc>
+              <a:spcBef>
+                <a:spcPts val="500"/>
+              </a:spcBef>
+              <a:buFont typeface="Arial" panose="020B0604020202020204" pitchFamily="34" charset="0"/>
+              <a:buChar char="•"/>
+              <a:defRPr sz="1800" kern="1200">
+                <a:solidFill>
+                  <a:schemeClr val="tx1"/>
+                </a:solidFill>
+                <a:latin typeface="+mn-lt"/>
+                <a:ea typeface="+mn-ea"/>
+                <a:cs typeface="+mn-cs"/>
+              </a:defRPr>
+            </a:lvl9pPr>
+          </a:lstStyle>
+          <a:p>
+            <a:pPr>
+              <a:lnSpc>
+                <a:spcPts val="3160"/>
+              </a:lnSpc>
+            </a:pPr>
+            <a:r>
+              <a:rPr lang="en-US" sz="1200" spc="224" dirty="0">
+                <a:latin typeface="Montserrat Classic Bold" panose="020B0604020202020204" charset="0"/>
+              </a:rPr>
+              <a:t>THE FINDINGS:</a:t>
+            </a:r>
+          </a:p>
+          <a:p>
+            <a:pPr marL="494517" lvl="1" indent="-247259">
+              <a:lnSpc>
+                <a:spcPts val="3160"/>
+              </a:lnSpc>
+              <a:buFont typeface="Arial"/>
+              <a:buChar char="•"/>
+            </a:pPr>
+            <a:r>
+              <a:rPr lang="en-US" sz="1200" spc="224" dirty="0">
+                <a:solidFill>
+                  <a:schemeClr val="bg1"/>
+                </a:solidFill>
+                <a:latin typeface="Montserrat Classic Bold" panose="020B0604020202020204" charset="0"/>
+              </a:rPr>
+              <a:t>Bengaluru generated the most amount of new users.</a:t>
+            </a:r>
+          </a:p>
+          <a:p>
+            <a:pPr marL="494517" lvl="1" indent="-247259">
+              <a:lnSpc>
+                <a:spcPts val="3160"/>
+              </a:lnSpc>
+              <a:buFont typeface="Arial"/>
+              <a:buChar char="•"/>
+            </a:pPr>
+            <a:r>
+              <a:rPr lang="en-US" sz="1200" spc="224" dirty="0">
+                <a:solidFill>
+                  <a:schemeClr val="bg1"/>
+                </a:solidFill>
+                <a:latin typeface="Montserrat Classic Bold" panose="020B0604020202020204" charset="0"/>
+              </a:rPr>
+              <a:t>Patna generated the second-most amount of new Users.</a:t>
+            </a:r>
+          </a:p>
+          <a:p>
+            <a:pPr marL="494517" lvl="1" indent="-247259">
+              <a:lnSpc>
+                <a:spcPts val="3160"/>
+              </a:lnSpc>
+              <a:buFont typeface="Arial"/>
+              <a:buChar char="•"/>
+            </a:pPr>
+            <a:r>
+              <a:rPr lang="en-US" sz="1200" spc="224" dirty="0">
+                <a:solidFill>
+                  <a:schemeClr val="bg1"/>
+                </a:solidFill>
+                <a:latin typeface="Montserrat Classic Bold" panose="020B0604020202020204" charset="0"/>
+              </a:rPr>
+              <a:t>Hyderabad stood third in terms of generating New Users.</a:t>
+            </a:r>
+          </a:p>
+          <a:p>
+            <a:pPr marL="494517" lvl="1" indent="-247259">
+              <a:lnSpc>
+                <a:spcPts val="3160"/>
+              </a:lnSpc>
+              <a:buFont typeface="Arial"/>
+              <a:buChar char="•"/>
+            </a:pPr>
+            <a:r>
+              <a:rPr lang="en-US" sz="1200" spc="224" dirty="0">
+                <a:solidFill>
+                  <a:schemeClr val="bg1"/>
+                </a:solidFill>
+                <a:latin typeface="Montserrat Classic Bold" panose="020B0604020202020204" charset="0"/>
+              </a:rPr>
+              <a:t>Indore generated the fourth-most amount of New Users.</a:t>
+            </a:r>
+          </a:p>
+          <a:p>
+            <a:pPr marL="494517" lvl="1" indent="-247259">
+              <a:lnSpc>
+                <a:spcPts val="3160"/>
+              </a:lnSpc>
+              <a:buFont typeface="Arial"/>
+              <a:buChar char="•"/>
+            </a:pPr>
+            <a:r>
+              <a:rPr lang="en-US" sz="1200" spc="224" dirty="0">
+                <a:solidFill>
+                  <a:schemeClr val="bg1"/>
+                </a:solidFill>
+                <a:latin typeface="Montserrat Classic Bold" panose="020B0604020202020204" charset="0"/>
+              </a:rPr>
+              <a:t>Lucknow stood fifth in terms of generating New Users.</a:t>
+            </a:r>
+          </a:p>
+        </p:txBody>
+      </p:sp>
+      <p:sp>
+        <p:nvSpPr>
+          <p:cNvPr id="2" name="Freeform 5">
+            <a:extLst>
+              <a:ext uri="{FF2B5EF4-FFF2-40B4-BE49-F238E27FC236}">
+                <a16:creationId xmlns:a16="http://schemas.microsoft.com/office/drawing/2014/main" id="{B0850F61-7D17-7001-08CC-49F0B2BE531C}"/>
+              </a:ext>
+            </a:extLst>
+          </p:cNvPr>
+          <p:cNvSpPr/>
+          <p:nvPr/>
+        </p:nvSpPr>
+        <p:spPr>
+          <a:xfrm>
+            <a:off x="6964218" y="2400243"/>
+            <a:ext cx="5034258" cy="4015622"/>
+          </a:xfrm>
+          <a:custGeom>
+            <a:avLst/>
+            <a:gdLst/>
+            <a:ahLst/>
+            <a:cxnLst/>
+            <a:rect l="l" t="t" r="r" b="b"/>
+            <a:pathLst>
+              <a:path w="9086959" h="3867121">
+                <a:moveTo>
+                  <a:pt x="0" y="0"/>
+                </a:moveTo>
+                <a:lnTo>
+                  <a:pt x="9086959" y="0"/>
+                </a:lnTo>
+                <a:lnTo>
+                  <a:pt x="9086959" y="3867120"/>
+                </a:lnTo>
+                <a:lnTo>
+                  <a:pt x="0" y="3867120"/>
+                </a:lnTo>
+                <a:lnTo>
+                  <a:pt x="0" y="0"/>
+                </a:lnTo>
+                <a:close/>
+              </a:path>
+            </a:pathLst>
+          </a:custGeom>
+          <a:blipFill>
+            <a:blip r:embed="rId2"/>
+            <a:stretch>
+              <a:fillRect/>
+            </a:stretch>
+          </a:blipFill>
+        </p:spPr>
+      </p:sp>
+    </p:spTree>
+    <p:extLst>
+      <p:ext uri="{BB962C8B-B14F-4D97-AF65-F5344CB8AC3E}">
+        <p14:creationId xmlns:p14="http://schemas.microsoft.com/office/powerpoint/2010/main" val="2347812060"/>
+      </p:ext>
+    </p:extLst>
+  </p:cSld>
+  <p:clrMapOvr>
+    <a:masterClrMapping/>
+  </p:clrMapOvr>
+</p:sld>
+</file>
+
+<file path=ppt/slides/slide35.xml><?xml version="1.0" encoding="utf-8"?>
+<p:sld xmlns:a="http://schemas.openxmlformats.org/drawingml/2006/main" xmlns:r="http://schemas.openxmlformats.org/officeDocument/2006/relationships" xmlns:p="http://schemas.openxmlformats.org/presentationml/2006/main">
+  <p:cSld>
+    <p:spTree>
+      <p:nvGrpSpPr>
+        <p:cNvPr id="1" name=""/>
+        <p:cNvGrpSpPr/>
+        <p:nvPr/>
+      </p:nvGrpSpPr>
+      <p:grpSpPr>
+        <a:xfrm>
+          <a:off x="0" y="0"/>
+          <a:ext cx="0" cy="0"/>
+          <a:chOff x="0" y="0"/>
+          <a:chExt cx="0" cy="0"/>
+        </a:xfrm>
+      </p:grpSpPr>
+      <p:sp>
+        <p:nvSpPr>
+          <p:cNvPr id="4" name="Title 3">
+            <a:extLst>
+              <a:ext uri="{FF2B5EF4-FFF2-40B4-BE49-F238E27FC236}">
+                <a16:creationId xmlns:a16="http://schemas.microsoft.com/office/drawing/2014/main" id="{2E9A7C78-91FD-4B88-953D-5A4363761BD1}"/>
+              </a:ext>
+            </a:extLst>
+          </p:cNvPr>
+          <p:cNvSpPr>
+            <a:spLocks noGrp="1"/>
+          </p:cNvSpPr>
+          <p:nvPr>
+            <p:ph type="ctrTitle"/>
+          </p:nvPr>
+        </p:nvSpPr>
+        <p:spPr>
+          <a:xfrm>
+            <a:off x="1524000" y="2607223"/>
+            <a:ext cx="9144000" cy="1290522"/>
+          </a:xfrm>
+        </p:spPr>
+        <p:txBody>
+          <a:bodyPr anchor="b" anchorCtr="0">
+            <a:normAutofit/>
+          </a:bodyPr>
+          <a:lstStyle/>
+          <a:p>
+            <a:pPr algn="ctr">
+              <a:lnSpc>
+                <a:spcPts val="9748"/>
+              </a:lnSpc>
+            </a:pPr>
+            <a:r>
+              <a:rPr lang="en-US" sz="5400" spc="692" dirty="0">
+                <a:latin typeface="Oswald Bold"/>
+              </a:rPr>
+              <a:t>GENDER REPORT</a:t>
+            </a:r>
+            <a:endParaRPr lang="en-US" sz="5400" spc="692" dirty="0">
+              <a:solidFill>
+                <a:srgbClr val="231F20"/>
+              </a:solidFill>
+              <a:latin typeface="Oswald Bold"/>
+            </a:endParaRPr>
+          </a:p>
+        </p:txBody>
+      </p:sp>
+    </p:spTree>
+    <p:extLst>
+      <p:ext uri="{BB962C8B-B14F-4D97-AF65-F5344CB8AC3E}">
+        <p14:creationId xmlns:p14="http://schemas.microsoft.com/office/powerpoint/2010/main" val="830249708"/>
+      </p:ext>
+    </p:extLst>
+  </p:cSld>
+  <p:clrMapOvr>
+    <a:masterClrMapping/>
+  </p:clrMapOvr>
+</p:sld>
+</file>
+
+<file path=ppt/slides/slide36.xml><?xml version="1.0" encoding="utf-8"?>
+<p:sld xmlns:a="http://schemas.openxmlformats.org/drawingml/2006/main" xmlns:r="http://schemas.openxmlformats.org/officeDocument/2006/relationships" xmlns:p="http://schemas.openxmlformats.org/presentationml/2006/main">
+  <p:cSld>
+    <p:spTree>
+      <p:nvGrpSpPr>
+        <p:cNvPr id="1" name=""/>
+        <p:cNvGrpSpPr/>
+        <p:nvPr/>
+      </p:nvGrpSpPr>
+      <p:grpSpPr>
+        <a:xfrm>
+          <a:off x="0" y="0"/>
+          <a:ext cx="0" cy="0"/>
+          <a:chOff x="0" y="0"/>
+          <a:chExt cx="0" cy="0"/>
+        </a:xfrm>
+      </p:grpSpPr>
+      <p:sp>
+        <p:nvSpPr>
+          <p:cNvPr id="4" name="Title 3">
+            <a:extLst>
+              <a:ext uri="{FF2B5EF4-FFF2-40B4-BE49-F238E27FC236}">
+                <a16:creationId xmlns:a16="http://schemas.microsoft.com/office/drawing/2014/main" id="{2E9A7C78-91FD-4B88-953D-5A4363761BD1}"/>
+              </a:ext>
+            </a:extLst>
+          </p:cNvPr>
+          <p:cNvSpPr>
+            <a:spLocks noGrp="1"/>
+          </p:cNvSpPr>
+          <p:nvPr>
+            <p:ph type="ctrTitle"/>
+          </p:nvPr>
+        </p:nvSpPr>
+        <p:spPr>
+          <a:xfrm>
+            <a:off x="73891" y="120073"/>
+            <a:ext cx="12044217" cy="895927"/>
+          </a:xfrm>
+        </p:spPr>
+        <p:txBody>
+          <a:bodyPr anchor="b" anchorCtr="0">
+            <a:normAutofit fontScale="90000"/>
+          </a:bodyPr>
+          <a:lstStyle/>
+          <a:p>
+            <a:pPr algn="ctr">
+              <a:lnSpc>
+                <a:spcPts val="9748"/>
+              </a:lnSpc>
+            </a:pPr>
+            <a:br>
+              <a:rPr lang="en-US" sz="5400" spc="692" dirty="0">
+                <a:latin typeface="Oswald Bold"/>
+              </a:rPr>
+            </a:br>
+            <a:br>
+              <a:rPr lang="en-US" sz="5400" spc="692" dirty="0">
+                <a:latin typeface="Oswald Bold"/>
+              </a:rPr>
+            </a:br>
+            <a:br>
+              <a:rPr lang="en-US" sz="5400" spc="692" dirty="0">
+                <a:solidFill>
+                  <a:srgbClr val="231F20"/>
+                </a:solidFill>
+                <a:latin typeface="Oswald Bold"/>
+              </a:rPr>
+            </a:br>
+            <a:r>
+              <a:rPr lang="en-US" sz="4900" spc="692" dirty="0">
+                <a:latin typeface="Oswald Bold"/>
+              </a:rPr>
+              <a:t>GENDER REPORT</a:t>
+            </a:r>
+            <a:endParaRPr lang="en-US" sz="4900" spc="692" dirty="0">
+              <a:solidFill>
+                <a:srgbClr val="231F20"/>
+              </a:solidFill>
+              <a:latin typeface="Oswald Bold"/>
+            </a:endParaRPr>
+          </a:p>
+        </p:txBody>
+      </p:sp>
+      <p:sp>
+        <p:nvSpPr>
+          <p:cNvPr id="5" name="Subtitle 4">
+            <a:extLst>
+              <a:ext uri="{FF2B5EF4-FFF2-40B4-BE49-F238E27FC236}">
+                <a16:creationId xmlns:a16="http://schemas.microsoft.com/office/drawing/2014/main" id="{AD04BED3-CF2E-4CAD-8CE8-ED3ED12AEBD6}"/>
+              </a:ext>
+            </a:extLst>
+          </p:cNvPr>
+          <p:cNvSpPr>
+            <a:spLocks noGrp="1"/>
+          </p:cNvSpPr>
+          <p:nvPr>
+            <p:ph type="body" sz="quarter" idx="15"/>
+          </p:nvPr>
+        </p:nvSpPr>
+        <p:spPr>
+          <a:xfrm>
+            <a:off x="73892" y="1182255"/>
+            <a:ext cx="12044216" cy="5555672"/>
+          </a:xfrm>
+        </p:spPr>
+        <p:txBody>
+          <a:bodyPr>
+            <a:normAutofit/>
+          </a:bodyPr>
+          <a:lstStyle/>
+          <a:p>
+            <a:pPr marL="492537" lvl="1" indent="-246268">
+              <a:lnSpc>
+                <a:spcPts val="3148"/>
+              </a:lnSpc>
+              <a:buFont typeface="Arial"/>
+              <a:buChar char="•"/>
+            </a:pPr>
+            <a:r>
+              <a:rPr lang="en-US" sz="1800" spc="223" dirty="0">
+                <a:solidFill>
+                  <a:schemeClr val="bg1"/>
+                </a:solidFill>
+                <a:latin typeface="Montserrat Classic Bold" panose="020B0604020202020204" charset="0"/>
+              </a:rPr>
+              <a:t> A gender report is a detailed analysis that sheds light on the demographic distribution of users based on gender within a website. </a:t>
+            </a:r>
+          </a:p>
+          <a:p>
+            <a:pPr marL="492537" lvl="1" indent="-246268">
+              <a:lnSpc>
+                <a:spcPts val="3148"/>
+              </a:lnSpc>
+              <a:buFont typeface="Arial"/>
+              <a:buChar char="•"/>
+            </a:pPr>
+            <a:r>
+              <a:rPr lang="en-US" sz="1800" spc="223" dirty="0">
+                <a:solidFill>
+                  <a:schemeClr val="bg1"/>
+                </a:solidFill>
+                <a:latin typeface="Montserrat Classic Bold" panose="020B0604020202020204" charset="0"/>
+              </a:rPr>
+              <a:t>This insightful report breaks down user engagement, conversions, and other relevant metrics, providing businesses with a comprehensive understanding of their audience composition. </a:t>
+            </a:r>
+          </a:p>
+          <a:p>
+            <a:pPr marL="492537" lvl="1" indent="-246268">
+              <a:lnSpc>
+                <a:spcPts val="3148"/>
+              </a:lnSpc>
+              <a:buFont typeface="Arial"/>
+              <a:buChar char="•"/>
+            </a:pPr>
+            <a:r>
+              <a:rPr lang="en-US" sz="1800" spc="223" dirty="0">
+                <a:solidFill>
+                  <a:schemeClr val="bg1"/>
+                </a:solidFill>
+                <a:latin typeface="Montserrat Classic Bold" panose="020B0604020202020204" charset="0"/>
+              </a:rPr>
+              <a:t>By exploring user behavior through the lens of gender, organizations can tailor their content, marketing strategies, and user experiences to better resonate with diverse demographic groups. </a:t>
+            </a:r>
+          </a:p>
+          <a:p>
+            <a:pPr marL="492537" lvl="1" indent="-246268">
+              <a:lnSpc>
+                <a:spcPts val="3148"/>
+              </a:lnSpc>
+              <a:buFont typeface="Arial"/>
+              <a:buChar char="•"/>
+            </a:pPr>
+            <a:r>
+              <a:rPr lang="en-US" sz="1800" spc="223" dirty="0">
+                <a:solidFill>
+                  <a:schemeClr val="bg1"/>
+                </a:solidFill>
+                <a:latin typeface="Montserrat Classic Bold" panose="020B0604020202020204" charset="0"/>
+              </a:rPr>
+              <a:t>The gender report becomes a valuable tool for making data-driven decisions, optimizing marketing campaigns, and ensuring that products or services are effectively meeting the needs and preferences of both male and female users. Ultimately, it plays a pivotal role in fostering inclusivity and enhancing overall user satisfaction.</a:t>
+            </a:r>
+          </a:p>
+        </p:txBody>
+      </p:sp>
+    </p:spTree>
+    <p:extLst>
+      <p:ext uri="{BB962C8B-B14F-4D97-AF65-F5344CB8AC3E}">
+        <p14:creationId xmlns:p14="http://schemas.microsoft.com/office/powerpoint/2010/main" val="252589829"/>
+      </p:ext>
+    </p:extLst>
+  </p:cSld>
+  <p:clrMapOvr>
+    <a:masterClrMapping/>
+  </p:clrMapOvr>
+</p:sld>
+</file>
+
+<file path=ppt/slides/slide37.xml><?xml version="1.0" encoding="utf-8"?>
+<p:sld xmlns:a="http://schemas.openxmlformats.org/drawingml/2006/main" xmlns:r="http://schemas.openxmlformats.org/officeDocument/2006/relationships" xmlns:p="http://schemas.openxmlformats.org/presentationml/2006/main">
+  <p:cSld>
+    <p:spTree>
+      <p:nvGrpSpPr>
+        <p:cNvPr id="1" name=""/>
+        <p:cNvGrpSpPr/>
+        <p:nvPr/>
+      </p:nvGrpSpPr>
+      <p:grpSpPr>
+        <a:xfrm>
+          <a:off x="0" y="0"/>
+          <a:ext cx="0" cy="0"/>
+          <a:chOff x="0" y="0"/>
+          <a:chExt cx="0" cy="0"/>
+        </a:xfrm>
+      </p:grpSpPr>
+      <p:sp>
+        <p:nvSpPr>
+          <p:cNvPr id="4" name="Title 3">
+            <a:extLst>
+              <a:ext uri="{FF2B5EF4-FFF2-40B4-BE49-F238E27FC236}">
+                <a16:creationId xmlns:a16="http://schemas.microsoft.com/office/drawing/2014/main" id="{2E9A7C78-91FD-4B88-953D-5A4363761BD1}"/>
+              </a:ext>
+            </a:extLst>
+          </p:cNvPr>
+          <p:cNvSpPr>
+            <a:spLocks noGrp="1"/>
+          </p:cNvSpPr>
+          <p:nvPr>
+            <p:ph type="ctrTitle"/>
+          </p:nvPr>
+        </p:nvSpPr>
+        <p:spPr>
+          <a:xfrm>
+            <a:off x="73891" y="120073"/>
+            <a:ext cx="12044217" cy="895927"/>
+          </a:xfrm>
+        </p:spPr>
+        <p:txBody>
+          <a:bodyPr anchor="b" anchorCtr="0">
+            <a:noAutofit/>
+          </a:bodyPr>
+          <a:lstStyle/>
+          <a:p>
+            <a:pPr algn="ctr">
+              <a:lnSpc>
+                <a:spcPts val="9748"/>
+              </a:lnSpc>
+            </a:pPr>
+            <a:br>
+              <a:rPr lang="en-US" sz="4000" spc="692" dirty="0">
+                <a:latin typeface="Oswald Bold"/>
+              </a:rPr>
+            </a:br>
+            <a:br>
+              <a:rPr lang="en-US" sz="4000" spc="692" dirty="0">
+                <a:latin typeface="Oswald Bold"/>
+              </a:rPr>
+            </a:br>
+            <a:br>
+              <a:rPr lang="en-US" sz="4000" spc="692" dirty="0">
+                <a:solidFill>
+                  <a:srgbClr val="231F20"/>
+                </a:solidFill>
+                <a:latin typeface="Oswald Bold"/>
+              </a:rPr>
+            </a:br>
+            <a:r>
+              <a:rPr lang="en-US" sz="3200" spc="692" dirty="0">
+                <a:latin typeface="Oswald Bold"/>
+              </a:rPr>
+              <a:t>DISTRIBUTION OF USERS BY GENDER</a:t>
+            </a:r>
+            <a:endParaRPr lang="en-US" sz="3200" spc="692" dirty="0">
+              <a:solidFill>
+                <a:srgbClr val="231F20"/>
+              </a:solidFill>
+              <a:latin typeface="Oswald Bold"/>
+            </a:endParaRPr>
+          </a:p>
+        </p:txBody>
+      </p:sp>
+      <p:sp>
+        <p:nvSpPr>
+          <p:cNvPr id="6" name="Subtitle 4">
+            <a:extLst>
+              <a:ext uri="{FF2B5EF4-FFF2-40B4-BE49-F238E27FC236}">
+                <a16:creationId xmlns:a16="http://schemas.microsoft.com/office/drawing/2014/main" id="{0356272A-03A5-F6CC-7142-4062342DC523}"/>
+              </a:ext>
+            </a:extLst>
+          </p:cNvPr>
+          <p:cNvSpPr txBox="1">
+            <a:spLocks/>
+          </p:cNvSpPr>
+          <p:nvPr/>
+        </p:nvSpPr>
+        <p:spPr>
+          <a:xfrm>
+            <a:off x="0" y="2078183"/>
+            <a:ext cx="6687127" cy="4659743"/>
+          </a:xfrm>
+          <a:prstGeom prst="rect">
+            <a:avLst/>
+          </a:prstGeom>
+        </p:spPr>
+        <p:txBody>
+          <a:bodyPr vert="horz" lIns="91440" tIns="45720" rIns="91440" bIns="45720" rtlCol="0">
+            <a:normAutofit/>
+          </a:bodyPr>
+          <a:lstStyle>
+            <a:lvl1pPr marL="0" indent="0" algn="ctr" defTabSz="914400" rtl="0" eaLnBrk="1" latinLnBrk="0" hangingPunct="1">
+              <a:lnSpc>
+                <a:spcPct val="110000"/>
+              </a:lnSpc>
+              <a:spcBef>
+                <a:spcPts val="1000"/>
+              </a:spcBef>
+              <a:buClr>
+                <a:schemeClr val="tx2">
+                  <a:lumMod val="10000"/>
+                  <a:lumOff val="90000"/>
+                </a:schemeClr>
+              </a:buClr>
+              <a:buSzPct val="80000"/>
+              <a:buFont typeface="Wingdings" panose="05000000000000000000" pitchFamily="2" charset="2"/>
+              <a:buNone/>
+              <a:defRPr sz="2800" kern="1200">
+                <a:solidFill>
+                  <a:schemeClr val="bg1"/>
+                </a:solidFill>
+                <a:effectLst/>
+                <a:latin typeface="+mn-lt"/>
+                <a:ea typeface="+mn-ea"/>
+                <a:cs typeface="+mn-cs"/>
+              </a:defRPr>
+            </a:lvl1pPr>
+            <a:lvl2pPr marL="800100" indent="-228600" algn="l" defTabSz="914400" rtl="0" eaLnBrk="1" latinLnBrk="0" hangingPunct="1">
+              <a:lnSpc>
+                <a:spcPct val="110000"/>
+              </a:lnSpc>
+              <a:spcBef>
+                <a:spcPts val="500"/>
+              </a:spcBef>
+              <a:buClr>
+                <a:schemeClr val="tx2">
+                  <a:lumMod val="10000"/>
+                  <a:lumOff val="90000"/>
+                </a:schemeClr>
+              </a:buClr>
+              <a:buSzPct val="80000"/>
+              <a:buFont typeface="Wingdings" panose="05000000000000000000" pitchFamily="2" charset="2"/>
+              <a:buChar char="§"/>
+              <a:defRPr sz="2800" kern="1200">
+                <a:solidFill>
+                  <a:schemeClr val="tx2">
+                    <a:alpha val="70000"/>
+                  </a:schemeClr>
+                </a:solidFill>
+                <a:latin typeface="+mn-lt"/>
+                <a:ea typeface="+mn-ea"/>
+                <a:cs typeface="+mn-cs"/>
+              </a:defRPr>
+            </a:lvl2pPr>
+            <a:lvl3pPr marL="1257300" indent="-228600" algn="l" defTabSz="914400" rtl="0" eaLnBrk="1" latinLnBrk="0" hangingPunct="1">
+              <a:lnSpc>
+                <a:spcPct val="110000"/>
+              </a:lnSpc>
+              <a:spcBef>
+                <a:spcPts val="500"/>
+              </a:spcBef>
+              <a:buClr>
+                <a:schemeClr val="tx2">
+                  <a:lumMod val="10000"/>
+                  <a:lumOff val="90000"/>
+                </a:schemeClr>
+              </a:buClr>
+              <a:buSzPct val="80000"/>
+              <a:buFont typeface="Wingdings" panose="05000000000000000000" pitchFamily="2" charset="2"/>
+              <a:buChar char="§"/>
+              <a:defRPr sz="2400" kern="1200">
+                <a:solidFill>
+                  <a:schemeClr val="tx2">
+                    <a:alpha val="70000"/>
+                  </a:schemeClr>
+                </a:solidFill>
+                <a:latin typeface="+mn-lt"/>
+                <a:ea typeface="+mn-ea"/>
+                <a:cs typeface="+mn-cs"/>
+              </a:defRPr>
+            </a:lvl3pPr>
+            <a:lvl4pPr marL="1657350" indent="-228600" algn="l" defTabSz="914400" rtl="0" eaLnBrk="1" latinLnBrk="0" hangingPunct="1">
+              <a:lnSpc>
+                <a:spcPct val="110000"/>
+              </a:lnSpc>
+              <a:spcBef>
+                <a:spcPts val="500"/>
+              </a:spcBef>
+              <a:buClr>
+                <a:schemeClr val="tx2">
+                  <a:lumMod val="10000"/>
+                  <a:lumOff val="90000"/>
+                </a:schemeClr>
+              </a:buClr>
+              <a:buSzPct val="80000"/>
+              <a:buFont typeface="Wingdings" panose="05000000000000000000" pitchFamily="2" charset="2"/>
+              <a:buChar char="§"/>
+              <a:defRPr sz="2000" kern="1200">
+                <a:solidFill>
+                  <a:schemeClr val="tx2">
+                    <a:alpha val="70000"/>
+                  </a:schemeClr>
+                </a:solidFill>
+                <a:latin typeface="+mn-lt"/>
+                <a:ea typeface="+mn-ea"/>
+                <a:cs typeface="+mn-cs"/>
+              </a:defRPr>
+            </a:lvl4pPr>
+            <a:lvl5pPr marL="2114550" indent="-228600" algn="l" defTabSz="914400" rtl="0" eaLnBrk="1" latinLnBrk="0" hangingPunct="1">
+              <a:lnSpc>
+                <a:spcPct val="110000"/>
+              </a:lnSpc>
+              <a:spcBef>
+                <a:spcPts val="500"/>
+              </a:spcBef>
+              <a:buClr>
+                <a:schemeClr val="tx2">
+                  <a:lumMod val="10000"/>
+                  <a:lumOff val="90000"/>
+                </a:schemeClr>
+              </a:buClr>
+              <a:buSzPct val="80000"/>
+              <a:buFont typeface="Wingdings" panose="05000000000000000000" pitchFamily="2" charset="2"/>
+              <a:buChar char="§"/>
+              <a:defRPr sz="2000" kern="1200">
+                <a:solidFill>
+                  <a:schemeClr val="tx2">
+                    <a:alpha val="70000"/>
+                  </a:schemeClr>
+                </a:solidFill>
+                <a:latin typeface="+mn-lt"/>
+                <a:ea typeface="+mn-ea"/>
+                <a:cs typeface="+mn-cs"/>
+              </a:defRPr>
+            </a:lvl5pPr>
+            <a:lvl6pPr marL="2514600" indent="-228600" algn="l" defTabSz="914400" rtl="0" eaLnBrk="1" latinLnBrk="0" hangingPunct="1">
+              <a:lnSpc>
+                <a:spcPct val="90000"/>
+              </a:lnSpc>
+              <a:spcBef>
+                <a:spcPts val="500"/>
+              </a:spcBef>
+              <a:buFont typeface="Arial" panose="020B0604020202020204" pitchFamily="34" charset="0"/>
+              <a:buChar char="•"/>
+              <a:defRPr sz="1800" kern="1200">
+                <a:solidFill>
+                  <a:schemeClr val="tx1"/>
+                </a:solidFill>
+                <a:latin typeface="+mn-lt"/>
+                <a:ea typeface="+mn-ea"/>
+                <a:cs typeface="+mn-cs"/>
+              </a:defRPr>
+            </a:lvl6pPr>
+            <a:lvl7pPr marL="2971800" indent="-228600" algn="l" defTabSz="914400" rtl="0" eaLnBrk="1" latinLnBrk="0" hangingPunct="1">
+              <a:lnSpc>
+                <a:spcPct val="90000"/>
+              </a:lnSpc>
+              <a:spcBef>
+                <a:spcPts val="500"/>
+              </a:spcBef>
+              <a:buFont typeface="Arial" panose="020B0604020202020204" pitchFamily="34" charset="0"/>
+              <a:buChar char="•"/>
+              <a:defRPr sz="1800" kern="1200">
+                <a:solidFill>
+                  <a:schemeClr val="tx1"/>
+                </a:solidFill>
+                <a:latin typeface="+mn-lt"/>
+                <a:ea typeface="+mn-ea"/>
+                <a:cs typeface="+mn-cs"/>
+              </a:defRPr>
+            </a:lvl7pPr>
+            <a:lvl8pPr marL="3429000" indent="-228600" algn="l" defTabSz="914400" rtl="0" eaLnBrk="1" latinLnBrk="0" hangingPunct="1">
+              <a:lnSpc>
+                <a:spcPct val="90000"/>
+              </a:lnSpc>
+              <a:spcBef>
+                <a:spcPts val="500"/>
+              </a:spcBef>
+              <a:buFont typeface="Arial" panose="020B0604020202020204" pitchFamily="34" charset="0"/>
+              <a:buChar char="•"/>
+              <a:defRPr sz="1800" kern="1200">
+                <a:solidFill>
+                  <a:schemeClr val="tx1"/>
+                </a:solidFill>
+                <a:latin typeface="+mn-lt"/>
+                <a:ea typeface="+mn-ea"/>
+                <a:cs typeface="+mn-cs"/>
+              </a:defRPr>
+            </a:lvl8pPr>
+            <a:lvl9pPr marL="3886200" indent="-228600" algn="l" defTabSz="914400" rtl="0" eaLnBrk="1" latinLnBrk="0" hangingPunct="1">
+              <a:lnSpc>
+                <a:spcPct val="90000"/>
+              </a:lnSpc>
+              <a:spcBef>
+                <a:spcPts val="500"/>
+              </a:spcBef>
+              <a:buFont typeface="Arial" panose="020B0604020202020204" pitchFamily="34" charset="0"/>
+              <a:buChar char="•"/>
+              <a:defRPr sz="1800" kern="1200">
+                <a:solidFill>
+                  <a:schemeClr val="tx1"/>
+                </a:solidFill>
+                <a:latin typeface="+mn-lt"/>
+                <a:ea typeface="+mn-ea"/>
+                <a:cs typeface="+mn-cs"/>
+              </a:defRPr>
+            </a:lvl9pPr>
+          </a:lstStyle>
+          <a:p>
+            <a:pPr>
+              <a:lnSpc>
+                <a:spcPts val="3160"/>
+              </a:lnSpc>
+            </a:pPr>
+            <a:r>
+              <a:rPr lang="en-US" sz="1200" spc="224" dirty="0">
+                <a:latin typeface="Montserrat Classic Bold" panose="020B0604020202020204" charset="0"/>
+              </a:rPr>
+              <a:t>THE FINDINGS:</a:t>
+            </a:r>
+          </a:p>
+          <a:p>
+            <a:pPr marL="494517" lvl="1" indent="-247259">
+              <a:lnSpc>
+                <a:spcPts val="3160"/>
+              </a:lnSpc>
+              <a:buFont typeface="Arial"/>
+              <a:buChar char="•"/>
+            </a:pPr>
+            <a:r>
+              <a:rPr lang="en-US" sz="1200" spc="224" dirty="0">
+                <a:solidFill>
+                  <a:schemeClr val="bg1"/>
+                </a:solidFill>
+                <a:latin typeface="Montserrat Classic Bold" panose="020B0604020202020204" charset="0"/>
+              </a:rPr>
+              <a:t>The Distribution in the Pie-Chart gives us an insight that the Gender with the Unknown Category has the highest count.</a:t>
+            </a:r>
+          </a:p>
+          <a:p>
+            <a:pPr marL="494517" lvl="1" indent="-247259">
+              <a:lnSpc>
+                <a:spcPts val="3160"/>
+              </a:lnSpc>
+              <a:buFont typeface="Arial"/>
+              <a:buChar char="•"/>
+            </a:pPr>
+            <a:r>
+              <a:rPr lang="en-US" sz="1200" spc="224" dirty="0">
+                <a:solidFill>
+                  <a:schemeClr val="bg1"/>
+                </a:solidFill>
+                <a:latin typeface="Montserrat Classic Bold" panose="020B0604020202020204" charset="0"/>
+              </a:rPr>
+              <a:t>Male Users contributed to be 28.5%.</a:t>
+            </a:r>
+          </a:p>
+          <a:p>
+            <a:pPr marL="494517" lvl="1" indent="-247259">
+              <a:lnSpc>
+                <a:spcPts val="3160"/>
+              </a:lnSpc>
+              <a:buFont typeface="Arial"/>
+              <a:buChar char="•"/>
+            </a:pPr>
+            <a:r>
+              <a:rPr lang="en-US" sz="1200" spc="224" dirty="0">
+                <a:solidFill>
+                  <a:schemeClr val="bg1"/>
+                </a:solidFill>
+                <a:latin typeface="Montserrat Classic Bold" panose="020B0604020202020204" charset="0"/>
+              </a:rPr>
+              <a:t>Female Users contributed to be the least among the other genders</a:t>
+            </a:r>
+          </a:p>
+        </p:txBody>
+      </p:sp>
+      <p:sp>
+        <p:nvSpPr>
+          <p:cNvPr id="2" name="Freeform 5">
+            <a:extLst>
+              <a:ext uri="{FF2B5EF4-FFF2-40B4-BE49-F238E27FC236}">
+                <a16:creationId xmlns:a16="http://schemas.microsoft.com/office/drawing/2014/main" id="{4F6BC5DB-558F-AF53-C4CB-2878FBD9B631}"/>
+              </a:ext>
+            </a:extLst>
+          </p:cNvPr>
+          <p:cNvSpPr/>
+          <p:nvPr/>
+        </p:nvSpPr>
+        <p:spPr>
+          <a:xfrm>
+            <a:off x="7701229" y="1668043"/>
+            <a:ext cx="3825754" cy="4952117"/>
+          </a:xfrm>
+          <a:custGeom>
+            <a:avLst/>
+            <a:gdLst/>
+            <a:ahLst/>
+            <a:cxnLst/>
+            <a:rect l="l" t="t" r="r" b="b"/>
+            <a:pathLst>
+              <a:path w="5861257" h="5549646">
+                <a:moveTo>
+                  <a:pt x="0" y="0"/>
+                </a:moveTo>
+                <a:lnTo>
+                  <a:pt x="5861257" y="0"/>
+                </a:lnTo>
+                <a:lnTo>
+                  <a:pt x="5861257" y="5549646"/>
+                </a:lnTo>
+                <a:lnTo>
+                  <a:pt x="0" y="5549646"/>
+                </a:lnTo>
+                <a:lnTo>
+                  <a:pt x="0" y="0"/>
+                </a:lnTo>
+                <a:close/>
+              </a:path>
+            </a:pathLst>
+          </a:custGeom>
+          <a:blipFill>
+            <a:blip r:embed="rId2"/>
+            <a:stretch>
+              <a:fillRect/>
+            </a:stretch>
+          </a:blipFill>
+        </p:spPr>
+      </p:sp>
+    </p:spTree>
+    <p:extLst>
+      <p:ext uri="{BB962C8B-B14F-4D97-AF65-F5344CB8AC3E}">
+        <p14:creationId xmlns:p14="http://schemas.microsoft.com/office/powerpoint/2010/main" val="1440495416"/>
+      </p:ext>
+    </p:extLst>
+  </p:cSld>
+  <p:clrMapOvr>
+    <a:masterClrMapping/>
+  </p:clrMapOvr>
+</p:sld>
+</file>
+
+<file path=ppt/slides/slide38.xml><?xml version="1.0" encoding="utf-8"?>
+<p:sld xmlns:a="http://schemas.openxmlformats.org/drawingml/2006/main" xmlns:r="http://schemas.openxmlformats.org/officeDocument/2006/relationships" xmlns:p="http://schemas.openxmlformats.org/presentationml/2006/main">
+  <p:cSld>
+    <p:spTree>
+      <p:nvGrpSpPr>
+        <p:cNvPr id="1" name=""/>
+        <p:cNvGrpSpPr/>
+        <p:nvPr/>
+      </p:nvGrpSpPr>
+      <p:grpSpPr>
+        <a:xfrm>
+          <a:off x="0" y="0"/>
+          <a:ext cx="0" cy="0"/>
+          <a:chOff x="0" y="0"/>
+          <a:chExt cx="0" cy="0"/>
+        </a:xfrm>
+      </p:grpSpPr>
+      <p:sp>
+        <p:nvSpPr>
+          <p:cNvPr id="4" name="Title 3">
+            <a:extLst>
+              <a:ext uri="{FF2B5EF4-FFF2-40B4-BE49-F238E27FC236}">
+                <a16:creationId xmlns:a16="http://schemas.microsoft.com/office/drawing/2014/main" id="{2E9A7C78-91FD-4B88-953D-5A4363761BD1}"/>
+              </a:ext>
+            </a:extLst>
+          </p:cNvPr>
+          <p:cNvSpPr>
+            <a:spLocks noGrp="1"/>
+          </p:cNvSpPr>
+          <p:nvPr>
+            <p:ph type="ctrTitle"/>
+          </p:nvPr>
+        </p:nvSpPr>
+        <p:spPr>
+          <a:xfrm>
+            <a:off x="73891" y="120073"/>
+            <a:ext cx="12044217" cy="895927"/>
+          </a:xfrm>
+        </p:spPr>
+        <p:txBody>
+          <a:bodyPr anchor="b" anchorCtr="0">
+            <a:noAutofit/>
+          </a:bodyPr>
+          <a:lstStyle/>
+          <a:p>
+            <a:pPr algn="ctr">
+              <a:lnSpc>
+                <a:spcPts val="9748"/>
+              </a:lnSpc>
+            </a:pPr>
+            <a:br>
+              <a:rPr lang="en-US" sz="4000" spc="692" dirty="0">
+                <a:latin typeface="Oswald Bold"/>
+              </a:rPr>
+            </a:br>
+            <a:br>
+              <a:rPr lang="en-US" sz="4000" spc="692" dirty="0">
+                <a:latin typeface="Oswald Bold"/>
+              </a:rPr>
+            </a:br>
+            <a:br>
+              <a:rPr lang="en-US" sz="4000" spc="692" dirty="0">
+                <a:solidFill>
+                  <a:srgbClr val="231F20"/>
+                </a:solidFill>
+                <a:latin typeface="Oswald Bold"/>
+              </a:rPr>
+            </a:br>
+            <a:r>
+              <a:rPr lang="en-US" sz="3200" spc="692" dirty="0">
+                <a:latin typeface="Oswald Bold"/>
+              </a:rPr>
+              <a:t>NEW USERS ACROSS GENDER</a:t>
+            </a:r>
+            <a:endParaRPr lang="en-US" sz="3200" spc="692" dirty="0">
+              <a:solidFill>
+                <a:srgbClr val="231F20"/>
+              </a:solidFill>
+              <a:latin typeface="Oswald Bold"/>
+            </a:endParaRPr>
+          </a:p>
+        </p:txBody>
+      </p:sp>
+      <p:sp>
+        <p:nvSpPr>
+          <p:cNvPr id="6" name="Subtitle 4">
+            <a:extLst>
+              <a:ext uri="{FF2B5EF4-FFF2-40B4-BE49-F238E27FC236}">
+                <a16:creationId xmlns:a16="http://schemas.microsoft.com/office/drawing/2014/main" id="{0356272A-03A5-F6CC-7142-4062342DC523}"/>
+              </a:ext>
+            </a:extLst>
+          </p:cNvPr>
+          <p:cNvSpPr txBox="1">
+            <a:spLocks/>
+          </p:cNvSpPr>
+          <p:nvPr/>
+        </p:nvSpPr>
+        <p:spPr>
+          <a:xfrm>
+            <a:off x="0" y="2078183"/>
+            <a:ext cx="6687127" cy="4659743"/>
+          </a:xfrm>
+          <a:prstGeom prst="rect">
+            <a:avLst/>
+          </a:prstGeom>
+        </p:spPr>
+        <p:txBody>
+          <a:bodyPr vert="horz" lIns="91440" tIns="45720" rIns="91440" bIns="45720" rtlCol="0">
+            <a:normAutofit/>
+          </a:bodyPr>
+          <a:lstStyle>
+            <a:lvl1pPr marL="0" indent="0" algn="ctr" defTabSz="914400" rtl="0" eaLnBrk="1" latinLnBrk="0" hangingPunct="1">
+              <a:lnSpc>
+                <a:spcPct val="110000"/>
+              </a:lnSpc>
+              <a:spcBef>
+                <a:spcPts val="1000"/>
+              </a:spcBef>
+              <a:buClr>
+                <a:schemeClr val="tx2">
+                  <a:lumMod val="10000"/>
+                  <a:lumOff val="90000"/>
+                </a:schemeClr>
+              </a:buClr>
+              <a:buSzPct val="80000"/>
+              <a:buFont typeface="Wingdings" panose="05000000000000000000" pitchFamily="2" charset="2"/>
+              <a:buNone/>
+              <a:defRPr sz="2800" kern="1200">
+                <a:solidFill>
+                  <a:schemeClr val="bg1"/>
+                </a:solidFill>
+                <a:effectLst/>
+                <a:latin typeface="+mn-lt"/>
+                <a:ea typeface="+mn-ea"/>
+                <a:cs typeface="+mn-cs"/>
+              </a:defRPr>
+            </a:lvl1pPr>
+            <a:lvl2pPr marL="800100" indent="-228600" algn="l" defTabSz="914400" rtl="0" eaLnBrk="1" latinLnBrk="0" hangingPunct="1">
+              <a:lnSpc>
+                <a:spcPct val="110000"/>
+              </a:lnSpc>
+              <a:spcBef>
+                <a:spcPts val="500"/>
+              </a:spcBef>
+              <a:buClr>
+                <a:schemeClr val="tx2">
+                  <a:lumMod val="10000"/>
+                  <a:lumOff val="90000"/>
+                </a:schemeClr>
+              </a:buClr>
+              <a:buSzPct val="80000"/>
+              <a:buFont typeface="Wingdings" panose="05000000000000000000" pitchFamily="2" charset="2"/>
+              <a:buChar char="§"/>
+              <a:defRPr sz="2800" kern="1200">
+                <a:solidFill>
+                  <a:schemeClr val="tx2">
+                    <a:alpha val="70000"/>
+                  </a:schemeClr>
+                </a:solidFill>
+                <a:latin typeface="+mn-lt"/>
+                <a:ea typeface="+mn-ea"/>
+                <a:cs typeface="+mn-cs"/>
+              </a:defRPr>
+            </a:lvl2pPr>
+            <a:lvl3pPr marL="1257300" indent="-228600" algn="l" defTabSz="914400" rtl="0" eaLnBrk="1" latinLnBrk="0" hangingPunct="1">
+              <a:lnSpc>
+                <a:spcPct val="110000"/>
+              </a:lnSpc>
+              <a:spcBef>
+                <a:spcPts val="500"/>
+              </a:spcBef>
+              <a:buClr>
+                <a:schemeClr val="tx2">
+                  <a:lumMod val="10000"/>
+                  <a:lumOff val="90000"/>
+                </a:schemeClr>
+              </a:buClr>
+              <a:buSzPct val="80000"/>
+              <a:buFont typeface="Wingdings" panose="05000000000000000000" pitchFamily="2" charset="2"/>
+              <a:buChar char="§"/>
+              <a:defRPr sz="2400" kern="1200">
+                <a:solidFill>
+                  <a:schemeClr val="tx2">
+                    <a:alpha val="70000"/>
+                  </a:schemeClr>
+                </a:solidFill>
+                <a:latin typeface="+mn-lt"/>
+                <a:ea typeface="+mn-ea"/>
+                <a:cs typeface="+mn-cs"/>
+              </a:defRPr>
+            </a:lvl3pPr>
+            <a:lvl4pPr marL="1657350" indent="-228600" algn="l" defTabSz="914400" rtl="0" eaLnBrk="1" latinLnBrk="0" hangingPunct="1">
+              <a:lnSpc>
+                <a:spcPct val="110000"/>
+              </a:lnSpc>
+              <a:spcBef>
+                <a:spcPts val="500"/>
+              </a:spcBef>
+              <a:buClr>
+                <a:schemeClr val="tx2">
+                  <a:lumMod val="10000"/>
+                  <a:lumOff val="90000"/>
+                </a:schemeClr>
+              </a:buClr>
+              <a:buSzPct val="80000"/>
+              <a:buFont typeface="Wingdings" panose="05000000000000000000" pitchFamily="2" charset="2"/>
+              <a:buChar char="§"/>
+              <a:defRPr sz="2000" kern="1200">
+                <a:solidFill>
+                  <a:schemeClr val="tx2">
+                    <a:alpha val="70000"/>
+                  </a:schemeClr>
+                </a:solidFill>
+                <a:latin typeface="+mn-lt"/>
+                <a:ea typeface="+mn-ea"/>
+                <a:cs typeface="+mn-cs"/>
+              </a:defRPr>
+            </a:lvl4pPr>
+            <a:lvl5pPr marL="2114550" indent="-228600" algn="l" defTabSz="914400" rtl="0" eaLnBrk="1" latinLnBrk="0" hangingPunct="1">
+              <a:lnSpc>
+                <a:spcPct val="110000"/>
+              </a:lnSpc>
+              <a:spcBef>
+                <a:spcPts val="500"/>
+              </a:spcBef>
+              <a:buClr>
+                <a:schemeClr val="tx2">
+                  <a:lumMod val="10000"/>
+                  <a:lumOff val="90000"/>
+                </a:schemeClr>
+              </a:buClr>
+              <a:buSzPct val="80000"/>
+              <a:buFont typeface="Wingdings" panose="05000000000000000000" pitchFamily="2" charset="2"/>
+              <a:buChar char="§"/>
+              <a:defRPr sz="2000" kern="1200">
+                <a:solidFill>
+                  <a:schemeClr val="tx2">
+                    <a:alpha val="70000"/>
+                  </a:schemeClr>
+                </a:solidFill>
+                <a:latin typeface="+mn-lt"/>
+                <a:ea typeface="+mn-ea"/>
+                <a:cs typeface="+mn-cs"/>
+              </a:defRPr>
+            </a:lvl5pPr>
+            <a:lvl6pPr marL="2514600" indent="-228600" algn="l" defTabSz="914400" rtl="0" eaLnBrk="1" latinLnBrk="0" hangingPunct="1">
+              <a:lnSpc>
+                <a:spcPct val="90000"/>
+              </a:lnSpc>
+              <a:spcBef>
+                <a:spcPts val="500"/>
+              </a:spcBef>
+              <a:buFont typeface="Arial" panose="020B0604020202020204" pitchFamily="34" charset="0"/>
+              <a:buChar char="•"/>
+              <a:defRPr sz="1800" kern="1200">
+                <a:solidFill>
+                  <a:schemeClr val="tx1"/>
+                </a:solidFill>
+                <a:latin typeface="+mn-lt"/>
+                <a:ea typeface="+mn-ea"/>
+                <a:cs typeface="+mn-cs"/>
+              </a:defRPr>
+            </a:lvl6pPr>
+            <a:lvl7pPr marL="2971800" indent="-228600" algn="l" defTabSz="914400" rtl="0" eaLnBrk="1" latinLnBrk="0" hangingPunct="1">
+              <a:lnSpc>
+                <a:spcPct val="90000"/>
+              </a:lnSpc>
+              <a:spcBef>
+                <a:spcPts val="500"/>
+              </a:spcBef>
+              <a:buFont typeface="Arial" panose="020B0604020202020204" pitchFamily="34" charset="0"/>
+              <a:buChar char="•"/>
+              <a:defRPr sz="1800" kern="1200">
+                <a:solidFill>
+                  <a:schemeClr val="tx1"/>
+                </a:solidFill>
+                <a:latin typeface="+mn-lt"/>
+                <a:ea typeface="+mn-ea"/>
+                <a:cs typeface="+mn-cs"/>
+              </a:defRPr>
+            </a:lvl7pPr>
+            <a:lvl8pPr marL="3429000" indent="-228600" algn="l" defTabSz="914400" rtl="0" eaLnBrk="1" latinLnBrk="0" hangingPunct="1">
+              <a:lnSpc>
+                <a:spcPct val="90000"/>
+              </a:lnSpc>
+              <a:spcBef>
+                <a:spcPts val="500"/>
+              </a:spcBef>
+              <a:buFont typeface="Arial" panose="020B0604020202020204" pitchFamily="34" charset="0"/>
+              <a:buChar char="•"/>
+              <a:defRPr sz="1800" kern="1200">
+                <a:solidFill>
+                  <a:schemeClr val="tx1"/>
+                </a:solidFill>
+                <a:latin typeface="+mn-lt"/>
+                <a:ea typeface="+mn-ea"/>
+                <a:cs typeface="+mn-cs"/>
+              </a:defRPr>
+            </a:lvl8pPr>
+            <a:lvl9pPr marL="3886200" indent="-228600" algn="l" defTabSz="914400" rtl="0" eaLnBrk="1" latinLnBrk="0" hangingPunct="1">
+              <a:lnSpc>
+                <a:spcPct val="90000"/>
+              </a:lnSpc>
+              <a:spcBef>
+                <a:spcPts val="500"/>
+              </a:spcBef>
+              <a:buFont typeface="Arial" panose="020B0604020202020204" pitchFamily="34" charset="0"/>
+              <a:buChar char="•"/>
+              <a:defRPr sz="1800" kern="1200">
+                <a:solidFill>
+                  <a:schemeClr val="tx1"/>
+                </a:solidFill>
+                <a:latin typeface="+mn-lt"/>
+                <a:ea typeface="+mn-ea"/>
+                <a:cs typeface="+mn-cs"/>
+              </a:defRPr>
+            </a:lvl9pPr>
+          </a:lstStyle>
+          <a:p>
+            <a:pPr>
+              <a:lnSpc>
+                <a:spcPts val="3160"/>
+              </a:lnSpc>
+            </a:pPr>
+            <a:r>
+              <a:rPr lang="en-US" sz="1200" spc="224" dirty="0">
+                <a:latin typeface="Montserrat Classic Bold" panose="020B0604020202020204" charset="0"/>
+              </a:rPr>
+              <a:t>THE FINDINGS:</a:t>
+            </a:r>
+          </a:p>
+          <a:p>
+            <a:pPr marL="494517" lvl="1" indent="-247259">
+              <a:lnSpc>
+                <a:spcPts val="3160"/>
+              </a:lnSpc>
+              <a:buFont typeface="Arial"/>
+              <a:buChar char="•"/>
+            </a:pPr>
+            <a:r>
+              <a:rPr lang="en-US" sz="1200" spc="224" dirty="0">
+                <a:solidFill>
+                  <a:schemeClr val="bg1"/>
+                </a:solidFill>
+                <a:latin typeface="Montserrat Classic Bold" panose="020B0604020202020204" charset="0"/>
+              </a:rPr>
+              <a:t>The Unknown category of gender contributed to be the most in terms of New Users.</a:t>
+            </a:r>
+          </a:p>
+          <a:p>
+            <a:pPr marL="494517" lvl="1" indent="-247259">
+              <a:lnSpc>
+                <a:spcPts val="3160"/>
+              </a:lnSpc>
+              <a:buFont typeface="Arial"/>
+              <a:buChar char="•"/>
+            </a:pPr>
+            <a:r>
+              <a:rPr lang="en-US" sz="1200" spc="224" dirty="0">
+                <a:solidFill>
+                  <a:schemeClr val="bg1"/>
+                </a:solidFill>
+                <a:latin typeface="Montserrat Classic Bold" panose="020B0604020202020204" charset="0"/>
+              </a:rPr>
+              <a:t>The Male gender stood second in terms of New Users.</a:t>
+            </a:r>
+          </a:p>
+          <a:p>
+            <a:pPr marL="494517" lvl="1" indent="-247259">
+              <a:lnSpc>
+                <a:spcPts val="3160"/>
+              </a:lnSpc>
+              <a:buFont typeface="Arial"/>
+              <a:buChar char="•"/>
+            </a:pPr>
+            <a:r>
+              <a:rPr lang="en-US" sz="1200" spc="224" dirty="0">
+                <a:solidFill>
+                  <a:schemeClr val="bg1"/>
+                </a:solidFill>
+                <a:latin typeface="Montserrat Classic Bold" panose="020B0604020202020204" charset="0"/>
+              </a:rPr>
+              <a:t>The Female gender contributed the least in terms of generating New Users.</a:t>
+            </a:r>
+          </a:p>
+        </p:txBody>
+      </p:sp>
+      <p:sp>
+        <p:nvSpPr>
+          <p:cNvPr id="3" name="Freeform 5">
+            <a:extLst>
+              <a:ext uri="{FF2B5EF4-FFF2-40B4-BE49-F238E27FC236}">
+                <a16:creationId xmlns:a16="http://schemas.microsoft.com/office/drawing/2014/main" id="{BE233D11-3011-004E-26D2-BAFBDB3D710B}"/>
+              </a:ext>
+            </a:extLst>
+          </p:cNvPr>
+          <p:cNvSpPr/>
+          <p:nvPr/>
+        </p:nvSpPr>
+        <p:spPr>
+          <a:xfrm>
+            <a:off x="6557819" y="1422399"/>
+            <a:ext cx="5494268" cy="5315527"/>
+          </a:xfrm>
+          <a:custGeom>
+            <a:avLst/>
+            <a:gdLst/>
+            <a:ahLst/>
+            <a:cxnLst/>
+            <a:rect l="l" t="t" r="r" b="b"/>
+            <a:pathLst>
+              <a:path w="8792971" h="3717800">
+                <a:moveTo>
+                  <a:pt x="0" y="0"/>
+                </a:moveTo>
+                <a:lnTo>
+                  <a:pt x="8792971" y="0"/>
+                </a:lnTo>
+                <a:lnTo>
+                  <a:pt x="8792971" y="3717800"/>
+                </a:lnTo>
+                <a:lnTo>
+                  <a:pt x="0" y="3717800"/>
+                </a:lnTo>
+                <a:lnTo>
+                  <a:pt x="0" y="0"/>
+                </a:lnTo>
+                <a:close/>
+              </a:path>
+            </a:pathLst>
+          </a:custGeom>
+          <a:blipFill>
+            <a:blip r:embed="rId2"/>
+            <a:stretch>
+              <a:fillRect/>
+            </a:stretch>
+          </a:blipFill>
+        </p:spPr>
+      </p:sp>
+    </p:spTree>
+    <p:extLst>
+      <p:ext uri="{BB962C8B-B14F-4D97-AF65-F5344CB8AC3E}">
+        <p14:creationId xmlns:p14="http://schemas.microsoft.com/office/powerpoint/2010/main" val="200805818"/>
+      </p:ext>
+    </p:extLst>
+  </p:cSld>
+  <p:clrMapOvr>
+    <a:masterClrMapping/>
+  </p:clrMapOvr>
+</p:sld>
+</file>
+
+<file path=ppt/slides/slide39.xml><?xml version="1.0" encoding="utf-8"?>
+<p:sld xmlns:a="http://schemas.openxmlformats.org/drawingml/2006/main" xmlns:r="http://schemas.openxmlformats.org/officeDocument/2006/relationships" xmlns:p="http://schemas.openxmlformats.org/presentationml/2006/main">
+  <p:cSld>
+    <p:spTree>
+      <p:nvGrpSpPr>
+        <p:cNvPr id="1" name=""/>
+        <p:cNvGrpSpPr/>
+        <p:nvPr/>
+      </p:nvGrpSpPr>
+      <p:grpSpPr>
+        <a:xfrm>
+          <a:off x="0" y="0"/>
+          <a:ext cx="0" cy="0"/>
+          <a:chOff x="0" y="0"/>
+          <a:chExt cx="0" cy="0"/>
+        </a:xfrm>
+      </p:grpSpPr>
+      <p:sp>
+        <p:nvSpPr>
+          <p:cNvPr id="4" name="Title 3">
+            <a:extLst>
+              <a:ext uri="{FF2B5EF4-FFF2-40B4-BE49-F238E27FC236}">
+                <a16:creationId xmlns:a16="http://schemas.microsoft.com/office/drawing/2014/main" id="{2E9A7C78-91FD-4B88-953D-5A4363761BD1}"/>
+              </a:ext>
+            </a:extLst>
+          </p:cNvPr>
+          <p:cNvSpPr>
+            <a:spLocks noGrp="1"/>
+          </p:cNvSpPr>
+          <p:nvPr>
+            <p:ph type="ctrTitle"/>
+          </p:nvPr>
+        </p:nvSpPr>
+        <p:spPr>
+          <a:xfrm>
+            <a:off x="1524000" y="2607223"/>
+            <a:ext cx="9144000" cy="1290522"/>
+          </a:xfrm>
+        </p:spPr>
+        <p:txBody>
+          <a:bodyPr anchor="b" anchorCtr="0">
+            <a:normAutofit/>
+          </a:bodyPr>
+          <a:lstStyle/>
+          <a:p>
+            <a:pPr algn="ctr">
+              <a:lnSpc>
+                <a:spcPts val="9748"/>
+              </a:lnSpc>
+            </a:pPr>
+            <a:r>
+              <a:rPr lang="en-US" sz="5400" spc="692" dirty="0">
+                <a:latin typeface="Oswald Bold"/>
+              </a:rPr>
+              <a:t>USER INTERESTS</a:t>
+            </a:r>
+            <a:endParaRPr lang="en-US" sz="5400" spc="692" dirty="0">
+              <a:solidFill>
+                <a:srgbClr val="231F20"/>
+              </a:solidFill>
+              <a:latin typeface="Oswald Bold"/>
+            </a:endParaRPr>
+          </a:p>
+        </p:txBody>
+      </p:sp>
+    </p:spTree>
+    <p:extLst>
+      <p:ext uri="{BB962C8B-B14F-4D97-AF65-F5344CB8AC3E}">
+        <p14:creationId xmlns:p14="http://schemas.microsoft.com/office/powerpoint/2010/main" val="3452464655"/>
+      </p:ext>
+    </p:extLst>
+  </p:cSld>
+  <p:clrMapOvr>
+    <a:masterClrMapping/>
+  </p:clrMapOvr>
+</p:sld>
+</file>
+
 <file path=ppt/slides/slide4.xml><?xml version="1.0" encoding="utf-8"?>
 <p:sld xmlns:a="http://schemas.openxmlformats.org/drawingml/2006/main" xmlns:r="http://schemas.openxmlformats.org/officeDocument/2006/relationships" xmlns:p="http://schemas.openxmlformats.org/presentationml/2006/main">
   <p:cSld>
@@ -19233,6 +21859,3263 @@
     <p:extLst>
       <p:ext uri="{BB962C8B-B14F-4D97-AF65-F5344CB8AC3E}">
         <p14:creationId xmlns:p14="http://schemas.microsoft.com/office/powerpoint/2010/main" val="4292543523"/>
+      </p:ext>
+    </p:extLst>
+  </p:cSld>
+  <p:clrMapOvr>
+    <a:masterClrMapping/>
+  </p:clrMapOvr>
+</p:sld>
+</file>
+
+<file path=ppt/slides/slide40.xml><?xml version="1.0" encoding="utf-8"?>
+<p:sld xmlns:a="http://schemas.openxmlformats.org/drawingml/2006/main" xmlns:r="http://schemas.openxmlformats.org/officeDocument/2006/relationships" xmlns:p="http://schemas.openxmlformats.org/presentationml/2006/main">
+  <p:cSld>
+    <p:spTree>
+      <p:nvGrpSpPr>
+        <p:cNvPr id="1" name=""/>
+        <p:cNvGrpSpPr/>
+        <p:nvPr/>
+      </p:nvGrpSpPr>
+      <p:grpSpPr>
+        <a:xfrm>
+          <a:off x="0" y="0"/>
+          <a:ext cx="0" cy="0"/>
+          <a:chOff x="0" y="0"/>
+          <a:chExt cx="0" cy="0"/>
+        </a:xfrm>
+      </p:grpSpPr>
+      <p:sp>
+        <p:nvSpPr>
+          <p:cNvPr id="4" name="Title 3">
+            <a:extLst>
+              <a:ext uri="{FF2B5EF4-FFF2-40B4-BE49-F238E27FC236}">
+                <a16:creationId xmlns:a16="http://schemas.microsoft.com/office/drawing/2014/main" id="{2E9A7C78-91FD-4B88-953D-5A4363761BD1}"/>
+              </a:ext>
+            </a:extLst>
+          </p:cNvPr>
+          <p:cNvSpPr>
+            <a:spLocks noGrp="1"/>
+          </p:cNvSpPr>
+          <p:nvPr>
+            <p:ph type="ctrTitle"/>
+          </p:nvPr>
+        </p:nvSpPr>
+        <p:spPr>
+          <a:xfrm>
+            <a:off x="73891" y="120073"/>
+            <a:ext cx="12044217" cy="895927"/>
+          </a:xfrm>
+        </p:spPr>
+        <p:txBody>
+          <a:bodyPr anchor="b" anchorCtr="0">
+            <a:normAutofit fontScale="90000"/>
+          </a:bodyPr>
+          <a:lstStyle/>
+          <a:p>
+            <a:pPr algn="ctr">
+              <a:lnSpc>
+                <a:spcPts val="9748"/>
+              </a:lnSpc>
+            </a:pPr>
+            <a:br>
+              <a:rPr lang="en-US" sz="5400" spc="692" dirty="0">
+                <a:latin typeface="Oswald Bold"/>
+              </a:rPr>
+            </a:br>
+            <a:br>
+              <a:rPr lang="en-US" sz="5400" spc="692" dirty="0">
+                <a:latin typeface="Oswald Bold"/>
+              </a:rPr>
+            </a:br>
+            <a:br>
+              <a:rPr lang="en-US" sz="5400" spc="692" dirty="0">
+                <a:solidFill>
+                  <a:srgbClr val="231F20"/>
+                </a:solidFill>
+                <a:latin typeface="Oswald Bold"/>
+              </a:rPr>
+            </a:br>
+            <a:r>
+              <a:rPr lang="en-US" sz="4900" spc="692" dirty="0">
+                <a:latin typeface="Oswald Bold"/>
+              </a:rPr>
+              <a:t>USER INTERESTS</a:t>
+            </a:r>
+            <a:endParaRPr lang="en-US" sz="4900" spc="692" dirty="0">
+              <a:solidFill>
+                <a:srgbClr val="231F20"/>
+              </a:solidFill>
+              <a:latin typeface="Oswald Bold"/>
+            </a:endParaRPr>
+          </a:p>
+        </p:txBody>
+      </p:sp>
+      <p:sp>
+        <p:nvSpPr>
+          <p:cNvPr id="5" name="Subtitle 4">
+            <a:extLst>
+              <a:ext uri="{FF2B5EF4-FFF2-40B4-BE49-F238E27FC236}">
+                <a16:creationId xmlns:a16="http://schemas.microsoft.com/office/drawing/2014/main" id="{AD04BED3-CF2E-4CAD-8CE8-ED3ED12AEBD6}"/>
+              </a:ext>
+            </a:extLst>
+          </p:cNvPr>
+          <p:cNvSpPr>
+            <a:spLocks noGrp="1"/>
+          </p:cNvSpPr>
+          <p:nvPr>
+            <p:ph type="body" sz="quarter" idx="15"/>
+          </p:nvPr>
+        </p:nvSpPr>
+        <p:spPr>
+          <a:xfrm>
+            <a:off x="73892" y="1182255"/>
+            <a:ext cx="12044216" cy="5555672"/>
+          </a:xfrm>
+        </p:spPr>
+        <p:txBody>
+          <a:bodyPr>
+            <a:normAutofit/>
+          </a:bodyPr>
+          <a:lstStyle/>
+          <a:p>
+            <a:pPr marL="514126" lvl="1" indent="-257063">
+              <a:lnSpc>
+                <a:spcPts val="3286"/>
+              </a:lnSpc>
+              <a:buFont typeface="Arial"/>
+              <a:buChar char="•"/>
+            </a:pPr>
+            <a:r>
+              <a:rPr lang="en-US" sz="1800" spc="223" dirty="0">
+                <a:solidFill>
+                  <a:schemeClr val="bg1"/>
+                </a:solidFill>
+                <a:latin typeface="Montserrat Classic Bold" panose="020B0604020202020204" charset="0"/>
+              </a:rPr>
+              <a:t> </a:t>
+            </a:r>
+            <a:r>
+              <a:rPr lang="en-US" sz="1800" spc="233" dirty="0">
+                <a:solidFill>
+                  <a:schemeClr val="bg1"/>
+                </a:solidFill>
+                <a:latin typeface="Montserrat Classic Bold" panose="020B0604020202020204" charset="0"/>
+              </a:rPr>
+              <a:t>User interests form a crucial aspect of understanding and catering to the diverse needs of an online audience.</a:t>
+            </a:r>
+          </a:p>
+          <a:p>
+            <a:pPr marL="514126" lvl="1" indent="-257063">
+              <a:lnSpc>
+                <a:spcPts val="3286"/>
+              </a:lnSpc>
+              <a:buFont typeface="Arial"/>
+              <a:buChar char="•"/>
+            </a:pPr>
+            <a:r>
+              <a:rPr lang="en-US" sz="1800" spc="233" dirty="0">
+                <a:solidFill>
+                  <a:schemeClr val="bg1"/>
+                </a:solidFill>
+                <a:latin typeface="Montserrat Classic Bold" panose="020B0604020202020204" charset="0"/>
+              </a:rPr>
+              <a:t>Through detailed analysis and tracking of user behavior, websites and digital platforms can discern specific areas of interest among their users. These insights provide a roadmap for tailoring content, products, and services to align with the preferences and inclinations of the audience.</a:t>
+            </a:r>
+          </a:p>
+          <a:p>
+            <a:pPr marL="514126" lvl="1" indent="-257063">
+              <a:lnSpc>
+                <a:spcPts val="3286"/>
+              </a:lnSpc>
+              <a:buFont typeface="Arial"/>
+              <a:buChar char="•"/>
+            </a:pPr>
+            <a:r>
+              <a:rPr lang="en-US" sz="1800" spc="233" dirty="0">
+                <a:solidFill>
+                  <a:schemeClr val="bg1"/>
+                </a:solidFill>
+                <a:latin typeface="Montserrat Classic Bold" panose="020B0604020202020204" charset="0"/>
+              </a:rPr>
+              <a:t>By delving into user interests, businesses can create a more personalized and engaging experience, enhancing user satisfaction and loyalty.</a:t>
+            </a:r>
+          </a:p>
+          <a:p>
+            <a:pPr marL="514126" lvl="1" indent="-257063">
+              <a:lnSpc>
+                <a:spcPts val="3286"/>
+              </a:lnSpc>
+              <a:buFont typeface="Arial"/>
+              <a:buChar char="•"/>
+            </a:pPr>
+            <a:r>
+              <a:rPr lang="en-US" sz="1800" spc="233" dirty="0">
+                <a:solidFill>
+                  <a:schemeClr val="bg1"/>
+                </a:solidFill>
+                <a:latin typeface="Montserrat Classic Bold" panose="020B0604020202020204" charset="0"/>
+              </a:rPr>
+              <a:t> This information also serves as a foundation for targeted marketing strategies, ensuring that promotional efforts resonate with the unique interests of the audience, thereby fostering a stronger connection between the platform and its users.</a:t>
+            </a:r>
+          </a:p>
+        </p:txBody>
+      </p:sp>
+    </p:spTree>
+    <p:extLst>
+      <p:ext uri="{BB962C8B-B14F-4D97-AF65-F5344CB8AC3E}">
+        <p14:creationId xmlns:p14="http://schemas.microsoft.com/office/powerpoint/2010/main" val="2476994823"/>
+      </p:ext>
+    </p:extLst>
+  </p:cSld>
+  <p:clrMapOvr>
+    <a:masterClrMapping/>
+  </p:clrMapOvr>
+</p:sld>
+</file>
+
+<file path=ppt/slides/slide41.xml><?xml version="1.0" encoding="utf-8"?>
+<p:sld xmlns:a="http://schemas.openxmlformats.org/drawingml/2006/main" xmlns:r="http://schemas.openxmlformats.org/officeDocument/2006/relationships" xmlns:p="http://schemas.openxmlformats.org/presentationml/2006/main">
+  <p:cSld>
+    <p:spTree>
+      <p:nvGrpSpPr>
+        <p:cNvPr id="1" name=""/>
+        <p:cNvGrpSpPr/>
+        <p:nvPr/>
+      </p:nvGrpSpPr>
+      <p:grpSpPr>
+        <a:xfrm>
+          <a:off x="0" y="0"/>
+          <a:ext cx="0" cy="0"/>
+          <a:chOff x="0" y="0"/>
+          <a:chExt cx="0" cy="0"/>
+        </a:xfrm>
+      </p:grpSpPr>
+      <p:sp>
+        <p:nvSpPr>
+          <p:cNvPr id="4" name="Title 3">
+            <a:extLst>
+              <a:ext uri="{FF2B5EF4-FFF2-40B4-BE49-F238E27FC236}">
+                <a16:creationId xmlns:a16="http://schemas.microsoft.com/office/drawing/2014/main" id="{2E9A7C78-91FD-4B88-953D-5A4363761BD1}"/>
+              </a:ext>
+            </a:extLst>
+          </p:cNvPr>
+          <p:cNvSpPr>
+            <a:spLocks noGrp="1"/>
+          </p:cNvSpPr>
+          <p:nvPr>
+            <p:ph type="ctrTitle"/>
+          </p:nvPr>
+        </p:nvSpPr>
+        <p:spPr>
+          <a:xfrm>
+            <a:off x="73891" y="120073"/>
+            <a:ext cx="12044217" cy="895927"/>
+          </a:xfrm>
+        </p:spPr>
+        <p:txBody>
+          <a:bodyPr anchor="b" anchorCtr="0">
+            <a:noAutofit/>
+          </a:bodyPr>
+          <a:lstStyle/>
+          <a:p>
+            <a:pPr algn="ctr">
+              <a:lnSpc>
+                <a:spcPts val="9748"/>
+              </a:lnSpc>
+            </a:pPr>
+            <a:br>
+              <a:rPr lang="en-US" sz="4000" spc="692" dirty="0">
+                <a:latin typeface="Oswald Bold"/>
+              </a:rPr>
+            </a:br>
+            <a:br>
+              <a:rPr lang="en-US" sz="4000" spc="692" dirty="0">
+                <a:latin typeface="Oswald Bold"/>
+              </a:rPr>
+            </a:br>
+            <a:br>
+              <a:rPr lang="en-US" sz="4000" spc="692" dirty="0">
+                <a:solidFill>
+                  <a:srgbClr val="231F20"/>
+                </a:solidFill>
+                <a:latin typeface="Oswald Bold"/>
+              </a:rPr>
+            </a:br>
+            <a:r>
+              <a:rPr lang="en-US" sz="3200" spc="692" dirty="0">
+                <a:latin typeface="Oswald Bold"/>
+              </a:rPr>
+              <a:t>TOP USERS BY INTEREST</a:t>
+            </a:r>
+            <a:endParaRPr lang="en-US" sz="3200" spc="692" dirty="0">
+              <a:solidFill>
+                <a:srgbClr val="231F20"/>
+              </a:solidFill>
+              <a:latin typeface="Oswald Bold"/>
+            </a:endParaRPr>
+          </a:p>
+        </p:txBody>
+      </p:sp>
+      <p:sp>
+        <p:nvSpPr>
+          <p:cNvPr id="6" name="Subtitle 4">
+            <a:extLst>
+              <a:ext uri="{FF2B5EF4-FFF2-40B4-BE49-F238E27FC236}">
+                <a16:creationId xmlns:a16="http://schemas.microsoft.com/office/drawing/2014/main" id="{0356272A-03A5-F6CC-7142-4062342DC523}"/>
+              </a:ext>
+            </a:extLst>
+          </p:cNvPr>
+          <p:cNvSpPr txBox="1">
+            <a:spLocks/>
+          </p:cNvSpPr>
+          <p:nvPr/>
+        </p:nvSpPr>
+        <p:spPr>
+          <a:xfrm>
+            <a:off x="0" y="2078183"/>
+            <a:ext cx="6530109" cy="4659743"/>
+          </a:xfrm>
+          <a:prstGeom prst="rect">
+            <a:avLst/>
+          </a:prstGeom>
+        </p:spPr>
+        <p:txBody>
+          <a:bodyPr vert="horz" lIns="91440" tIns="45720" rIns="91440" bIns="45720" rtlCol="0">
+            <a:normAutofit/>
+          </a:bodyPr>
+          <a:lstStyle>
+            <a:lvl1pPr marL="0" indent="0" algn="ctr" defTabSz="914400" rtl="0" eaLnBrk="1" latinLnBrk="0" hangingPunct="1">
+              <a:lnSpc>
+                <a:spcPct val="110000"/>
+              </a:lnSpc>
+              <a:spcBef>
+                <a:spcPts val="1000"/>
+              </a:spcBef>
+              <a:buClr>
+                <a:schemeClr val="tx2">
+                  <a:lumMod val="10000"/>
+                  <a:lumOff val="90000"/>
+                </a:schemeClr>
+              </a:buClr>
+              <a:buSzPct val="80000"/>
+              <a:buFont typeface="Wingdings" panose="05000000000000000000" pitchFamily="2" charset="2"/>
+              <a:buNone/>
+              <a:defRPr sz="2800" kern="1200">
+                <a:solidFill>
+                  <a:schemeClr val="bg1"/>
+                </a:solidFill>
+                <a:effectLst/>
+                <a:latin typeface="+mn-lt"/>
+                <a:ea typeface="+mn-ea"/>
+                <a:cs typeface="+mn-cs"/>
+              </a:defRPr>
+            </a:lvl1pPr>
+            <a:lvl2pPr marL="800100" indent="-228600" algn="l" defTabSz="914400" rtl="0" eaLnBrk="1" latinLnBrk="0" hangingPunct="1">
+              <a:lnSpc>
+                <a:spcPct val="110000"/>
+              </a:lnSpc>
+              <a:spcBef>
+                <a:spcPts val="500"/>
+              </a:spcBef>
+              <a:buClr>
+                <a:schemeClr val="tx2">
+                  <a:lumMod val="10000"/>
+                  <a:lumOff val="90000"/>
+                </a:schemeClr>
+              </a:buClr>
+              <a:buSzPct val="80000"/>
+              <a:buFont typeface="Wingdings" panose="05000000000000000000" pitchFamily="2" charset="2"/>
+              <a:buChar char="§"/>
+              <a:defRPr sz="2800" kern="1200">
+                <a:solidFill>
+                  <a:schemeClr val="tx2">
+                    <a:alpha val="70000"/>
+                  </a:schemeClr>
+                </a:solidFill>
+                <a:latin typeface="+mn-lt"/>
+                <a:ea typeface="+mn-ea"/>
+                <a:cs typeface="+mn-cs"/>
+              </a:defRPr>
+            </a:lvl2pPr>
+            <a:lvl3pPr marL="1257300" indent="-228600" algn="l" defTabSz="914400" rtl="0" eaLnBrk="1" latinLnBrk="0" hangingPunct="1">
+              <a:lnSpc>
+                <a:spcPct val="110000"/>
+              </a:lnSpc>
+              <a:spcBef>
+                <a:spcPts val="500"/>
+              </a:spcBef>
+              <a:buClr>
+                <a:schemeClr val="tx2">
+                  <a:lumMod val="10000"/>
+                  <a:lumOff val="90000"/>
+                </a:schemeClr>
+              </a:buClr>
+              <a:buSzPct val="80000"/>
+              <a:buFont typeface="Wingdings" panose="05000000000000000000" pitchFamily="2" charset="2"/>
+              <a:buChar char="§"/>
+              <a:defRPr sz="2400" kern="1200">
+                <a:solidFill>
+                  <a:schemeClr val="tx2">
+                    <a:alpha val="70000"/>
+                  </a:schemeClr>
+                </a:solidFill>
+                <a:latin typeface="+mn-lt"/>
+                <a:ea typeface="+mn-ea"/>
+                <a:cs typeface="+mn-cs"/>
+              </a:defRPr>
+            </a:lvl3pPr>
+            <a:lvl4pPr marL="1657350" indent="-228600" algn="l" defTabSz="914400" rtl="0" eaLnBrk="1" latinLnBrk="0" hangingPunct="1">
+              <a:lnSpc>
+                <a:spcPct val="110000"/>
+              </a:lnSpc>
+              <a:spcBef>
+                <a:spcPts val="500"/>
+              </a:spcBef>
+              <a:buClr>
+                <a:schemeClr val="tx2">
+                  <a:lumMod val="10000"/>
+                  <a:lumOff val="90000"/>
+                </a:schemeClr>
+              </a:buClr>
+              <a:buSzPct val="80000"/>
+              <a:buFont typeface="Wingdings" panose="05000000000000000000" pitchFamily="2" charset="2"/>
+              <a:buChar char="§"/>
+              <a:defRPr sz="2000" kern="1200">
+                <a:solidFill>
+                  <a:schemeClr val="tx2">
+                    <a:alpha val="70000"/>
+                  </a:schemeClr>
+                </a:solidFill>
+                <a:latin typeface="+mn-lt"/>
+                <a:ea typeface="+mn-ea"/>
+                <a:cs typeface="+mn-cs"/>
+              </a:defRPr>
+            </a:lvl4pPr>
+            <a:lvl5pPr marL="2114550" indent="-228600" algn="l" defTabSz="914400" rtl="0" eaLnBrk="1" latinLnBrk="0" hangingPunct="1">
+              <a:lnSpc>
+                <a:spcPct val="110000"/>
+              </a:lnSpc>
+              <a:spcBef>
+                <a:spcPts val="500"/>
+              </a:spcBef>
+              <a:buClr>
+                <a:schemeClr val="tx2">
+                  <a:lumMod val="10000"/>
+                  <a:lumOff val="90000"/>
+                </a:schemeClr>
+              </a:buClr>
+              <a:buSzPct val="80000"/>
+              <a:buFont typeface="Wingdings" panose="05000000000000000000" pitchFamily="2" charset="2"/>
+              <a:buChar char="§"/>
+              <a:defRPr sz="2000" kern="1200">
+                <a:solidFill>
+                  <a:schemeClr val="tx2">
+                    <a:alpha val="70000"/>
+                  </a:schemeClr>
+                </a:solidFill>
+                <a:latin typeface="+mn-lt"/>
+                <a:ea typeface="+mn-ea"/>
+                <a:cs typeface="+mn-cs"/>
+              </a:defRPr>
+            </a:lvl5pPr>
+            <a:lvl6pPr marL="2514600" indent="-228600" algn="l" defTabSz="914400" rtl="0" eaLnBrk="1" latinLnBrk="0" hangingPunct="1">
+              <a:lnSpc>
+                <a:spcPct val="90000"/>
+              </a:lnSpc>
+              <a:spcBef>
+                <a:spcPts val="500"/>
+              </a:spcBef>
+              <a:buFont typeface="Arial" panose="020B0604020202020204" pitchFamily="34" charset="0"/>
+              <a:buChar char="•"/>
+              <a:defRPr sz="1800" kern="1200">
+                <a:solidFill>
+                  <a:schemeClr val="tx1"/>
+                </a:solidFill>
+                <a:latin typeface="+mn-lt"/>
+                <a:ea typeface="+mn-ea"/>
+                <a:cs typeface="+mn-cs"/>
+              </a:defRPr>
+            </a:lvl6pPr>
+            <a:lvl7pPr marL="2971800" indent="-228600" algn="l" defTabSz="914400" rtl="0" eaLnBrk="1" latinLnBrk="0" hangingPunct="1">
+              <a:lnSpc>
+                <a:spcPct val="90000"/>
+              </a:lnSpc>
+              <a:spcBef>
+                <a:spcPts val="500"/>
+              </a:spcBef>
+              <a:buFont typeface="Arial" panose="020B0604020202020204" pitchFamily="34" charset="0"/>
+              <a:buChar char="•"/>
+              <a:defRPr sz="1800" kern="1200">
+                <a:solidFill>
+                  <a:schemeClr val="tx1"/>
+                </a:solidFill>
+                <a:latin typeface="+mn-lt"/>
+                <a:ea typeface="+mn-ea"/>
+                <a:cs typeface="+mn-cs"/>
+              </a:defRPr>
+            </a:lvl7pPr>
+            <a:lvl8pPr marL="3429000" indent="-228600" algn="l" defTabSz="914400" rtl="0" eaLnBrk="1" latinLnBrk="0" hangingPunct="1">
+              <a:lnSpc>
+                <a:spcPct val="90000"/>
+              </a:lnSpc>
+              <a:spcBef>
+                <a:spcPts val="500"/>
+              </a:spcBef>
+              <a:buFont typeface="Arial" panose="020B0604020202020204" pitchFamily="34" charset="0"/>
+              <a:buChar char="•"/>
+              <a:defRPr sz="1800" kern="1200">
+                <a:solidFill>
+                  <a:schemeClr val="tx1"/>
+                </a:solidFill>
+                <a:latin typeface="+mn-lt"/>
+                <a:ea typeface="+mn-ea"/>
+                <a:cs typeface="+mn-cs"/>
+              </a:defRPr>
+            </a:lvl8pPr>
+            <a:lvl9pPr marL="3886200" indent="-228600" algn="l" defTabSz="914400" rtl="0" eaLnBrk="1" latinLnBrk="0" hangingPunct="1">
+              <a:lnSpc>
+                <a:spcPct val="90000"/>
+              </a:lnSpc>
+              <a:spcBef>
+                <a:spcPts val="500"/>
+              </a:spcBef>
+              <a:buFont typeface="Arial" panose="020B0604020202020204" pitchFamily="34" charset="0"/>
+              <a:buChar char="•"/>
+              <a:defRPr sz="1800" kern="1200">
+                <a:solidFill>
+                  <a:schemeClr val="tx1"/>
+                </a:solidFill>
+                <a:latin typeface="+mn-lt"/>
+                <a:ea typeface="+mn-ea"/>
+                <a:cs typeface="+mn-cs"/>
+              </a:defRPr>
+            </a:lvl9pPr>
+          </a:lstStyle>
+          <a:p>
+            <a:pPr>
+              <a:lnSpc>
+                <a:spcPts val="3160"/>
+              </a:lnSpc>
+            </a:pPr>
+            <a:r>
+              <a:rPr lang="en-US" sz="1200" spc="224" dirty="0">
+                <a:latin typeface="Montserrat Classic Bold" panose="020B0604020202020204" charset="0"/>
+              </a:rPr>
+              <a:t>THE FINDINGS:</a:t>
+            </a:r>
+          </a:p>
+          <a:p>
+            <a:pPr marL="494517" lvl="1" indent="-247259">
+              <a:lnSpc>
+                <a:spcPts val="3160"/>
+              </a:lnSpc>
+              <a:buFont typeface="Arial"/>
+              <a:buChar char="•"/>
+            </a:pPr>
+            <a:r>
+              <a:rPr lang="en-US" sz="1200" spc="224" dirty="0">
+                <a:solidFill>
+                  <a:schemeClr val="bg1"/>
+                </a:solidFill>
+                <a:latin typeface="Montserrat Classic Bold" panose="020B0604020202020204" charset="0"/>
+              </a:rPr>
+              <a:t>Most of our User are Interesting into Shopping.</a:t>
+            </a:r>
+          </a:p>
+          <a:p>
+            <a:pPr marL="494517" lvl="1" indent="-247259">
+              <a:lnSpc>
+                <a:spcPts val="3160"/>
+              </a:lnSpc>
+              <a:buFont typeface="Arial"/>
+              <a:buChar char="•"/>
+            </a:pPr>
+            <a:r>
+              <a:rPr lang="en-US" sz="1200" spc="224" dirty="0">
+                <a:solidFill>
+                  <a:schemeClr val="bg1"/>
+                </a:solidFill>
+                <a:latin typeface="Montserrat Classic Bold" panose="020B0604020202020204" charset="0"/>
+              </a:rPr>
+              <a:t>Media and Entertainment is the second most Interested factor for our user.</a:t>
+            </a:r>
+          </a:p>
+          <a:p>
+            <a:pPr marL="494517" lvl="1" indent="-247259">
+              <a:lnSpc>
+                <a:spcPts val="3160"/>
+              </a:lnSpc>
+              <a:buFont typeface="Arial"/>
+              <a:buChar char="•"/>
+            </a:pPr>
+            <a:r>
+              <a:rPr lang="en-US" sz="1200" spc="224" dirty="0">
+                <a:solidFill>
+                  <a:schemeClr val="bg1"/>
+                </a:solidFill>
+                <a:latin typeface="Montserrat Classic Bold" panose="020B0604020202020204" charset="0"/>
+              </a:rPr>
+              <a:t>Third most amount of Users are Technological Enthusiasts.</a:t>
+            </a:r>
+          </a:p>
+          <a:p>
+            <a:pPr marL="494517" lvl="1" indent="-247259">
+              <a:lnSpc>
+                <a:spcPts val="3160"/>
+              </a:lnSpc>
+              <a:buFont typeface="Arial"/>
+              <a:buChar char="•"/>
+            </a:pPr>
+            <a:r>
+              <a:rPr lang="en-US" sz="1200" spc="224" dirty="0">
+                <a:solidFill>
+                  <a:schemeClr val="bg1"/>
+                </a:solidFill>
+                <a:latin typeface="Montserrat Classic Bold" panose="020B0604020202020204" charset="0"/>
+              </a:rPr>
+              <a:t>Fourth most interested factor is Food and Dining.</a:t>
+            </a:r>
+          </a:p>
+          <a:p>
+            <a:pPr marL="494517" lvl="1" indent="-247259">
+              <a:lnSpc>
+                <a:spcPts val="3160"/>
+              </a:lnSpc>
+              <a:buFont typeface="Arial"/>
+              <a:buChar char="•"/>
+            </a:pPr>
+            <a:r>
+              <a:rPr lang="en-US" sz="1200" spc="224" dirty="0">
+                <a:solidFill>
+                  <a:schemeClr val="bg1"/>
+                </a:solidFill>
+                <a:latin typeface="Montserrat Classic Bold" panose="020B0604020202020204" charset="0"/>
+              </a:rPr>
+              <a:t>Sports and Fitness stood fifth in terms of an interested factors for our Users</a:t>
+            </a:r>
+          </a:p>
+        </p:txBody>
+      </p:sp>
+      <p:sp>
+        <p:nvSpPr>
+          <p:cNvPr id="3" name="Freeform 5">
+            <a:extLst>
+              <a:ext uri="{FF2B5EF4-FFF2-40B4-BE49-F238E27FC236}">
+                <a16:creationId xmlns:a16="http://schemas.microsoft.com/office/drawing/2014/main" id="{50BF7B87-DD8A-1CC2-8C0D-E31CD98E0481}"/>
+              </a:ext>
+            </a:extLst>
+          </p:cNvPr>
+          <p:cNvSpPr/>
+          <p:nvPr/>
+        </p:nvSpPr>
+        <p:spPr>
+          <a:xfrm>
+            <a:off x="6871855" y="1357745"/>
+            <a:ext cx="5246253" cy="5172364"/>
+          </a:xfrm>
+          <a:custGeom>
+            <a:avLst/>
+            <a:gdLst/>
+            <a:ahLst/>
+            <a:cxnLst/>
+            <a:rect l="l" t="t" r="r" b="b"/>
+            <a:pathLst>
+              <a:path w="9476368" h="4062070">
+                <a:moveTo>
+                  <a:pt x="0" y="0"/>
+                </a:moveTo>
+                <a:lnTo>
+                  <a:pt x="9476368" y="0"/>
+                </a:lnTo>
+                <a:lnTo>
+                  <a:pt x="9476368" y="4062070"/>
+                </a:lnTo>
+                <a:lnTo>
+                  <a:pt x="0" y="4062070"/>
+                </a:lnTo>
+                <a:lnTo>
+                  <a:pt x="0" y="0"/>
+                </a:lnTo>
+                <a:close/>
+              </a:path>
+            </a:pathLst>
+          </a:custGeom>
+          <a:blipFill>
+            <a:blip r:embed="rId2"/>
+            <a:stretch>
+              <a:fillRect/>
+            </a:stretch>
+          </a:blipFill>
+        </p:spPr>
+      </p:sp>
+    </p:spTree>
+    <p:extLst>
+      <p:ext uri="{BB962C8B-B14F-4D97-AF65-F5344CB8AC3E}">
+        <p14:creationId xmlns:p14="http://schemas.microsoft.com/office/powerpoint/2010/main" val="2419178237"/>
+      </p:ext>
+    </p:extLst>
+  </p:cSld>
+  <p:clrMapOvr>
+    <a:masterClrMapping/>
+  </p:clrMapOvr>
+</p:sld>
+</file>
+
+<file path=ppt/slides/slide42.xml><?xml version="1.0" encoding="utf-8"?>
+<p:sld xmlns:a="http://schemas.openxmlformats.org/drawingml/2006/main" xmlns:r="http://schemas.openxmlformats.org/officeDocument/2006/relationships" xmlns:p="http://schemas.openxmlformats.org/presentationml/2006/main">
+  <p:cSld>
+    <p:spTree>
+      <p:nvGrpSpPr>
+        <p:cNvPr id="1" name=""/>
+        <p:cNvGrpSpPr/>
+        <p:nvPr/>
+      </p:nvGrpSpPr>
+      <p:grpSpPr>
+        <a:xfrm>
+          <a:off x="0" y="0"/>
+          <a:ext cx="0" cy="0"/>
+          <a:chOff x="0" y="0"/>
+          <a:chExt cx="0" cy="0"/>
+        </a:xfrm>
+      </p:grpSpPr>
+      <p:sp>
+        <p:nvSpPr>
+          <p:cNvPr id="4" name="Title 3">
+            <a:extLst>
+              <a:ext uri="{FF2B5EF4-FFF2-40B4-BE49-F238E27FC236}">
+                <a16:creationId xmlns:a16="http://schemas.microsoft.com/office/drawing/2014/main" id="{2E9A7C78-91FD-4B88-953D-5A4363761BD1}"/>
+              </a:ext>
+            </a:extLst>
+          </p:cNvPr>
+          <p:cNvSpPr>
+            <a:spLocks noGrp="1"/>
+          </p:cNvSpPr>
+          <p:nvPr>
+            <p:ph type="ctrTitle"/>
+          </p:nvPr>
+        </p:nvSpPr>
+        <p:spPr>
+          <a:xfrm>
+            <a:off x="73891" y="120073"/>
+            <a:ext cx="12044217" cy="895927"/>
+          </a:xfrm>
+        </p:spPr>
+        <p:txBody>
+          <a:bodyPr anchor="b" anchorCtr="0">
+            <a:noAutofit/>
+          </a:bodyPr>
+          <a:lstStyle/>
+          <a:p>
+            <a:pPr algn="ctr">
+              <a:lnSpc>
+                <a:spcPts val="9748"/>
+              </a:lnSpc>
+            </a:pPr>
+            <a:br>
+              <a:rPr lang="en-US" sz="4000" spc="692" dirty="0">
+                <a:latin typeface="Oswald Bold"/>
+              </a:rPr>
+            </a:br>
+            <a:br>
+              <a:rPr lang="en-US" sz="4000" spc="692" dirty="0">
+                <a:latin typeface="Oswald Bold"/>
+              </a:rPr>
+            </a:br>
+            <a:br>
+              <a:rPr lang="en-US" sz="4000" spc="692" dirty="0">
+                <a:solidFill>
+                  <a:srgbClr val="231F20"/>
+                </a:solidFill>
+                <a:latin typeface="Oswald Bold"/>
+              </a:rPr>
+            </a:br>
+            <a:r>
+              <a:rPr lang="en-US" sz="3200" spc="692" dirty="0">
+                <a:latin typeface="Oswald Bold"/>
+              </a:rPr>
+              <a:t>CONVERSION BASED ON INTEREST</a:t>
+            </a:r>
+            <a:endParaRPr lang="en-US" sz="3200" spc="692" dirty="0">
+              <a:solidFill>
+                <a:srgbClr val="231F20"/>
+              </a:solidFill>
+              <a:latin typeface="Oswald Bold"/>
+            </a:endParaRPr>
+          </a:p>
+        </p:txBody>
+      </p:sp>
+      <p:sp>
+        <p:nvSpPr>
+          <p:cNvPr id="6" name="Subtitle 4">
+            <a:extLst>
+              <a:ext uri="{FF2B5EF4-FFF2-40B4-BE49-F238E27FC236}">
+                <a16:creationId xmlns:a16="http://schemas.microsoft.com/office/drawing/2014/main" id="{0356272A-03A5-F6CC-7142-4062342DC523}"/>
+              </a:ext>
+            </a:extLst>
+          </p:cNvPr>
+          <p:cNvSpPr txBox="1">
+            <a:spLocks/>
+          </p:cNvSpPr>
+          <p:nvPr/>
+        </p:nvSpPr>
+        <p:spPr>
+          <a:xfrm>
+            <a:off x="0" y="1810613"/>
+            <a:ext cx="6179127" cy="4927313"/>
+          </a:xfrm>
+          <a:prstGeom prst="rect">
+            <a:avLst/>
+          </a:prstGeom>
+        </p:spPr>
+        <p:txBody>
+          <a:bodyPr vert="horz" lIns="91440" tIns="45720" rIns="91440" bIns="45720" rtlCol="0">
+            <a:noAutofit/>
+          </a:bodyPr>
+          <a:lstStyle>
+            <a:lvl1pPr marL="0" indent="0" algn="ctr" defTabSz="914400" rtl="0" eaLnBrk="1" latinLnBrk="0" hangingPunct="1">
+              <a:lnSpc>
+                <a:spcPct val="110000"/>
+              </a:lnSpc>
+              <a:spcBef>
+                <a:spcPts val="1000"/>
+              </a:spcBef>
+              <a:buClr>
+                <a:schemeClr val="tx2">
+                  <a:lumMod val="10000"/>
+                  <a:lumOff val="90000"/>
+                </a:schemeClr>
+              </a:buClr>
+              <a:buSzPct val="80000"/>
+              <a:buFont typeface="Wingdings" panose="05000000000000000000" pitchFamily="2" charset="2"/>
+              <a:buNone/>
+              <a:defRPr sz="2800" kern="1200">
+                <a:solidFill>
+                  <a:schemeClr val="bg1"/>
+                </a:solidFill>
+                <a:effectLst/>
+                <a:latin typeface="+mn-lt"/>
+                <a:ea typeface="+mn-ea"/>
+                <a:cs typeface="+mn-cs"/>
+              </a:defRPr>
+            </a:lvl1pPr>
+            <a:lvl2pPr marL="800100" indent="-228600" algn="l" defTabSz="914400" rtl="0" eaLnBrk="1" latinLnBrk="0" hangingPunct="1">
+              <a:lnSpc>
+                <a:spcPct val="110000"/>
+              </a:lnSpc>
+              <a:spcBef>
+                <a:spcPts val="500"/>
+              </a:spcBef>
+              <a:buClr>
+                <a:schemeClr val="tx2">
+                  <a:lumMod val="10000"/>
+                  <a:lumOff val="90000"/>
+                </a:schemeClr>
+              </a:buClr>
+              <a:buSzPct val="80000"/>
+              <a:buFont typeface="Wingdings" panose="05000000000000000000" pitchFamily="2" charset="2"/>
+              <a:buChar char="§"/>
+              <a:defRPr sz="2800" kern="1200">
+                <a:solidFill>
+                  <a:schemeClr val="tx2">
+                    <a:alpha val="70000"/>
+                  </a:schemeClr>
+                </a:solidFill>
+                <a:latin typeface="+mn-lt"/>
+                <a:ea typeface="+mn-ea"/>
+                <a:cs typeface="+mn-cs"/>
+              </a:defRPr>
+            </a:lvl2pPr>
+            <a:lvl3pPr marL="1257300" indent="-228600" algn="l" defTabSz="914400" rtl="0" eaLnBrk="1" latinLnBrk="0" hangingPunct="1">
+              <a:lnSpc>
+                <a:spcPct val="110000"/>
+              </a:lnSpc>
+              <a:spcBef>
+                <a:spcPts val="500"/>
+              </a:spcBef>
+              <a:buClr>
+                <a:schemeClr val="tx2">
+                  <a:lumMod val="10000"/>
+                  <a:lumOff val="90000"/>
+                </a:schemeClr>
+              </a:buClr>
+              <a:buSzPct val="80000"/>
+              <a:buFont typeface="Wingdings" panose="05000000000000000000" pitchFamily="2" charset="2"/>
+              <a:buChar char="§"/>
+              <a:defRPr sz="2400" kern="1200">
+                <a:solidFill>
+                  <a:schemeClr val="tx2">
+                    <a:alpha val="70000"/>
+                  </a:schemeClr>
+                </a:solidFill>
+                <a:latin typeface="+mn-lt"/>
+                <a:ea typeface="+mn-ea"/>
+                <a:cs typeface="+mn-cs"/>
+              </a:defRPr>
+            </a:lvl3pPr>
+            <a:lvl4pPr marL="1657350" indent="-228600" algn="l" defTabSz="914400" rtl="0" eaLnBrk="1" latinLnBrk="0" hangingPunct="1">
+              <a:lnSpc>
+                <a:spcPct val="110000"/>
+              </a:lnSpc>
+              <a:spcBef>
+                <a:spcPts val="500"/>
+              </a:spcBef>
+              <a:buClr>
+                <a:schemeClr val="tx2">
+                  <a:lumMod val="10000"/>
+                  <a:lumOff val="90000"/>
+                </a:schemeClr>
+              </a:buClr>
+              <a:buSzPct val="80000"/>
+              <a:buFont typeface="Wingdings" panose="05000000000000000000" pitchFamily="2" charset="2"/>
+              <a:buChar char="§"/>
+              <a:defRPr sz="2000" kern="1200">
+                <a:solidFill>
+                  <a:schemeClr val="tx2">
+                    <a:alpha val="70000"/>
+                  </a:schemeClr>
+                </a:solidFill>
+                <a:latin typeface="+mn-lt"/>
+                <a:ea typeface="+mn-ea"/>
+                <a:cs typeface="+mn-cs"/>
+              </a:defRPr>
+            </a:lvl4pPr>
+            <a:lvl5pPr marL="2114550" indent="-228600" algn="l" defTabSz="914400" rtl="0" eaLnBrk="1" latinLnBrk="0" hangingPunct="1">
+              <a:lnSpc>
+                <a:spcPct val="110000"/>
+              </a:lnSpc>
+              <a:spcBef>
+                <a:spcPts val="500"/>
+              </a:spcBef>
+              <a:buClr>
+                <a:schemeClr val="tx2">
+                  <a:lumMod val="10000"/>
+                  <a:lumOff val="90000"/>
+                </a:schemeClr>
+              </a:buClr>
+              <a:buSzPct val="80000"/>
+              <a:buFont typeface="Wingdings" panose="05000000000000000000" pitchFamily="2" charset="2"/>
+              <a:buChar char="§"/>
+              <a:defRPr sz="2000" kern="1200">
+                <a:solidFill>
+                  <a:schemeClr val="tx2">
+                    <a:alpha val="70000"/>
+                  </a:schemeClr>
+                </a:solidFill>
+                <a:latin typeface="+mn-lt"/>
+                <a:ea typeface="+mn-ea"/>
+                <a:cs typeface="+mn-cs"/>
+              </a:defRPr>
+            </a:lvl5pPr>
+            <a:lvl6pPr marL="2514600" indent="-228600" algn="l" defTabSz="914400" rtl="0" eaLnBrk="1" latinLnBrk="0" hangingPunct="1">
+              <a:lnSpc>
+                <a:spcPct val="90000"/>
+              </a:lnSpc>
+              <a:spcBef>
+                <a:spcPts val="500"/>
+              </a:spcBef>
+              <a:buFont typeface="Arial" panose="020B0604020202020204" pitchFamily="34" charset="0"/>
+              <a:buChar char="•"/>
+              <a:defRPr sz="1800" kern="1200">
+                <a:solidFill>
+                  <a:schemeClr val="tx1"/>
+                </a:solidFill>
+                <a:latin typeface="+mn-lt"/>
+                <a:ea typeface="+mn-ea"/>
+                <a:cs typeface="+mn-cs"/>
+              </a:defRPr>
+            </a:lvl6pPr>
+            <a:lvl7pPr marL="2971800" indent="-228600" algn="l" defTabSz="914400" rtl="0" eaLnBrk="1" latinLnBrk="0" hangingPunct="1">
+              <a:lnSpc>
+                <a:spcPct val="90000"/>
+              </a:lnSpc>
+              <a:spcBef>
+                <a:spcPts val="500"/>
+              </a:spcBef>
+              <a:buFont typeface="Arial" panose="020B0604020202020204" pitchFamily="34" charset="0"/>
+              <a:buChar char="•"/>
+              <a:defRPr sz="1800" kern="1200">
+                <a:solidFill>
+                  <a:schemeClr val="tx1"/>
+                </a:solidFill>
+                <a:latin typeface="+mn-lt"/>
+                <a:ea typeface="+mn-ea"/>
+                <a:cs typeface="+mn-cs"/>
+              </a:defRPr>
+            </a:lvl7pPr>
+            <a:lvl8pPr marL="3429000" indent="-228600" algn="l" defTabSz="914400" rtl="0" eaLnBrk="1" latinLnBrk="0" hangingPunct="1">
+              <a:lnSpc>
+                <a:spcPct val="90000"/>
+              </a:lnSpc>
+              <a:spcBef>
+                <a:spcPts val="500"/>
+              </a:spcBef>
+              <a:buFont typeface="Arial" panose="020B0604020202020204" pitchFamily="34" charset="0"/>
+              <a:buChar char="•"/>
+              <a:defRPr sz="1800" kern="1200">
+                <a:solidFill>
+                  <a:schemeClr val="tx1"/>
+                </a:solidFill>
+                <a:latin typeface="+mn-lt"/>
+                <a:ea typeface="+mn-ea"/>
+                <a:cs typeface="+mn-cs"/>
+              </a:defRPr>
+            </a:lvl8pPr>
+            <a:lvl9pPr marL="3886200" indent="-228600" algn="l" defTabSz="914400" rtl="0" eaLnBrk="1" latinLnBrk="0" hangingPunct="1">
+              <a:lnSpc>
+                <a:spcPct val="90000"/>
+              </a:lnSpc>
+              <a:spcBef>
+                <a:spcPts val="500"/>
+              </a:spcBef>
+              <a:buFont typeface="Arial" panose="020B0604020202020204" pitchFamily="34" charset="0"/>
+              <a:buChar char="•"/>
+              <a:defRPr sz="1800" kern="1200">
+                <a:solidFill>
+                  <a:schemeClr val="tx1"/>
+                </a:solidFill>
+                <a:latin typeface="+mn-lt"/>
+                <a:ea typeface="+mn-ea"/>
+                <a:cs typeface="+mn-cs"/>
+              </a:defRPr>
+            </a:lvl9pPr>
+          </a:lstStyle>
+          <a:p>
+            <a:pPr>
+              <a:lnSpc>
+                <a:spcPct val="250000"/>
+              </a:lnSpc>
+            </a:pPr>
+            <a:r>
+              <a:rPr lang="en-US" sz="1000" spc="224" dirty="0">
+                <a:latin typeface="Montserrat Classic Bold" panose="020B0604020202020204" charset="0"/>
+              </a:rPr>
+              <a:t>THE FINDINGS:</a:t>
+            </a:r>
+          </a:p>
+          <a:p>
+            <a:pPr marL="532709" lvl="1" indent="-266354">
+              <a:lnSpc>
+                <a:spcPct val="250000"/>
+              </a:lnSpc>
+              <a:buFont typeface="Arial"/>
+              <a:buChar char="•"/>
+            </a:pPr>
+            <a:r>
+              <a:rPr lang="en-US" sz="1000" spc="241" dirty="0">
+                <a:solidFill>
+                  <a:schemeClr val="bg1"/>
+                </a:solidFill>
+                <a:latin typeface="Montserrat Classic Bold" panose="020B0604020202020204" charset="0"/>
+              </a:rPr>
+              <a:t>Most of the conversions were carried out by Users Interested into Shopping.</a:t>
+            </a:r>
+          </a:p>
+          <a:p>
+            <a:pPr marL="532709" lvl="1" indent="-266354">
+              <a:lnSpc>
+                <a:spcPct val="250000"/>
+              </a:lnSpc>
+              <a:buFont typeface="Arial"/>
+              <a:buChar char="•"/>
+            </a:pPr>
+            <a:r>
+              <a:rPr lang="en-US" sz="1000" spc="241" dirty="0">
+                <a:solidFill>
+                  <a:schemeClr val="bg1"/>
+                </a:solidFill>
+                <a:latin typeface="Montserrat Classic Bold" panose="020B0604020202020204" charset="0"/>
+              </a:rPr>
+              <a:t>Media and Entertainment is the second most Interested factor for Conversion.</a:t>
+            </a:r>
+          </a:p>
+          <a:p>
+            <a:pPr marL="532709" lvl="1" indent="-266354">
+              <a:lnSpc>
+                <a:spcPct val="250000"/>
+              </a:lnSpc>
+              <a:buFont typeface="Arial"/>
+              <a:buChar char="•"/>
+            </a:pPr>
+            <a:r>
+              <a:rPr lang="en-US" sz="1000" spc="241" dirty="0">
+                <a:solidFill>
+                  <a:schemeClr val="bg1"/>
+                </a:solidFill>
+                <a:latin typeface="Montserrat Classic Bold" panose="020B0604020202020204" charset="0"/>
+              </a:rPr>
+              <a:t>Third most amount of Conversions were generated by Technological Enthusiasts.</a:t>
+            </a:r>
+          </a:p>
+          <a:p>
+            <a:pPr marL="532709" lvl="1" indent="-266354">
+              <a:lnSpc>
+                <a:spcPct val="250000"/>
+              </a:lnSpc>
+              <a:buFont typeface="Arial"/>
+              <a:buChar char="•"/>
+            </a:pPr>
+            <a:r>
+              <a:rPr lang="en-US" sz="1000" spc="241" dirty="0">
+                <a:solidFill>
+                  <a:schemeClr val="bg1"/>
+                </a:solidFill>
+                <a:latin typeface="Montserrat Classic Bold" panose="020B0604020202020204" charset="0"/>
+              </a:rPr>
+              <a:t>Fourth most interested factor is Food and Dining in terms of generating conversions.</a:t>
+            </a:r>
+          </a:p>
+          <a:p>
+            <a:pPr marL="532709" lvl="1" indent="-266354">
+              <a:lnSpc>
+                <a:spcPct val="250000"/>
+              </a:lnSpc>
+              <a:buFont typeface="Arial"/>
+              <a:buChar char="•"/>
+            </a:pPr>
+            <a:r>
+              <a:rPr lang="en-US" sz="1000" spc="241" dirty="0">
+                <a:solidFill>
+                  <a:schemeClr val="bg1"/>
+                </a:solidFill>
+                <a:latin typeface="Montserrat Classic Bold" panose="020B0604020202020204" charset="0"/>
+              </a:rPr>
+              <a:t>Sports and Fitness stood fifth in terms of an interested factors for our Conversion.</a:t>
+            </a:r>
+          </a:p>
+        </p:txBody>
+      </p:sp>
+      <p:sp>
+        <p:nvSpPr>
+          <p:cNvPr id="2" name="Freeform 5">
+            <a:extLst>
+              <a:ext uri="{FF2B5EF4-FFF2-40B4-BE49-F238E27FC236}">
+                <a16:creationId xmlns:a16="http://schemas.microsoft.com/office/drawing/2014/main" id="{023469E3-F1C8-6AC3-FEA0-40E09CF03F25}"/>
+              </a:ext>
+            </a:extLst>
+          </p:cNvPr>
+          <p:cNvSpPr/>
+          <p:nvPr/>
+        </p:nvSpPr>
+        <p:spPr>
+          <a:xfrm>
+            <a:off x="6262254" y="1810613"/>
+            <a:ext cx="5855853" cy="4728731"/>
+          </a:xfrm>
+          <a:custGeom>
+            <a:avLst/>
+            <a:gdLst/>
+            <a:ahLst/>
+            <a:cxnLst/>
+            <a:rect l="l" t="t" r="r" b="b"/>
+            <a:pathLst>
+              <a:path w="10588226" h="4468316">
+                <a:moveTo>
+                  <a:pt x="0" y="0"/>
+                </a:moveTo>
+                <a:lnTo>
+                  <a:pt x="10588227" y="0"/>
+                </a:lnTo>
+                <a:lnTo>
+                  <a:pt x="10588227" y="4468316"/>
+                </a:lnTo>
+                <a:lnTo>
+                  <a:pt x="0" y="4468316"/>
+                </a:lnTo>
+                <a:lnTo>
+                  <a:pt x="0" y="0"/>
+                </a:lnTo>
+                <a:close/>
+              </a:path>
+            </a:pathLst>
+          </a:custGeom>
+          <a:blipFill>
+            <a:blip r:embed="rId2"/>
+            <a:stretch>
+              <a:fillRect/>
+            </a:stretch>
+          </a:blipFill>
+        </p:spPr>
+        <p:txBody>
+          <a:bodyPr/>
+          <a:lstStyle/>
+          <a:p>
+            <a:endParaRPr lang="en-IN" dirty="0"/>
+          </a:p>
+        </p:txBody>
+      </p:sp>
+    </p:spTree>
+    <p:extLst>
+      <p:ext uri="{BB962C8B-B14F-4D97-AF65-F5344CB8AC3E}">
+        <p14:creationId xmlns:p14="http://schemas.microsoft.com/office/powerpoint/2010/main" val="2169932938"/>
+      </p:ext>
+    </p:extLst>
+  </p:cSld>
+  <p:clrMapOvr>
+    <a:masterClrMapping/>
+  </p:clrMapOvr>
+</p:sld>
+</file>
+
+<file path=ppt/slides/slide43.xml><?xml version="1.0" encoding="utf-8"?>
+<p:sld xmlns:a="http://schemas.openxmlformats.org/drawingml/2006/main" xmlns:r="http://schemas.openxmlformats.org/officeDocument/2006/relationships" xmlns:p="http://schemas.openxmlformats.org/presentationml/2006/main">
+  <p:cSld>
+    <p:spTree>
+      <p:nvGrpSpPr>
+        <p:cNvPr id="1" name=""/>
+        <p:cNvGrpSpPr/>
+        <p:nvPr/>
+      </p:nvGrpSpPr>
+      <p:grpSpPr>
+        <a:xfrm>
+          <a:off x="0" y="0"/>
+          <a:ext cx="0" cy="0"/>
+          <a:chOff x="0" y="0"/>
+          <a:chExt cx="0" cy="0"/>
+        </a:xfrm>
+      </p:grpSpPr>
+      <p:sp>
+        <p:nvSpPr>
+          <p:cNvPr id="4" name="Title 3">
+            <a:extLst>
+              <a:ext uri="{FF2B5EF4-FFF2-40B4-BE49-F238E27FC236}">
+                <a16:creationId xmlns:a16="http://schemas.microsoft.com/office/drawing/2014/main" id="{2E9A7C78-91FD-4B88-953D-5A4363761BD1}"/>
+              </a:ext>
+            </a:extLst>
+          </p:cNvPr>
+          <p:cNvSpPr>
+            <a:spLocks noGrp="1"/>
+          </p:cNvSpPr>
+          <p:nvPr>
+            <p:ph type="ctrTitle"/>
+          </p:nvPr>
+        </p:nvSpPr>
+        <p:spPr>
+          <a:xfrm>
+            <a:off x="1524000" y="2607223"/>
+            <a:ext cx="9144000" cy="1290522"/>
+          </a:xfrm>
+        </p:spPr>
+        <p:txBody>
+          <a:bodyPr anchor="b" anchorCtr="0">
+            <a:normAutofit/>
+          </a:bodyPr>
+          <a:lstStyle/>
+          <a:p>
+            <a:pPr algn="ctr">
+              <a:lnSpc>
+                <a:spcPts val="9748"/>
+              </a:lnSpc>
+            </a:pPr>
+            <a:r>
+              <a:rPr lang="en-US" sz="5400" spc="692" dirty="0">
+                <a:latin typeface="Oswald Bold"/>
+              </a:rPr>
+              <a:t>USER BY LANGUAGE</a:t>
+            </a:r>
+            <a:endParaRPr lang="en-US" sz="5400" spc="692" dirty="0">
+              <a:solidFill>
+                <a:srgbClr val="231F20"/>
+              </a:solidFill>
+              <a:latin typeface="Oswald Bold"/>
+            </a:endParaRPr>
+          </a:p>
+        </p:txBody>
+      </p:sp>
+    </p:spTree>
+    <p:extLst>
+      <p:ext uri="{BB962C8B-B14F-4D97-AF65-F5344CB8AC3E}">
+        <p14:creationId xmlns:p14="http://schemas.microsoft.com/office/powerpoint/2010/main" val="3806070346"/>
+      </p:ext>
+    </p:extLst>
+  </p:cSld>
+  <p:clrMapOvr>
+    <a:masterClrMapping/>
+  </p:clrMapOvr>
+</p:sld>
+</file>
+
+<file path=ppt/slides/slide44.xml><?xml version="1.0" encoding="utf-8"?>
+<p:sld xmlns:a="http://schemas.openxmlformats.org/drawingml/2006/main" xmlns:r="http://schemas.openxmlformats.org/officeDocument/2006/relationships" xmlns:p="http://schemas.openxmlformats.org/presentationml/2006/main">
+  <p:cSld>
+    <p:spTree>
+      <p:nvGrpSpPr>
+        <p:cNvPr id="1" name=""/>
+        <p:cNvGrpSpPr/>
+        <p:nvPr/>
+      </p:nvGrpSpPr>
+      <p:grpSpPr>
+        <a:xfrm>
+          <a:off x="0" y="0"/>
+          <a:ext cx="0" cy="0"/>
+          <a:chOff x="0" y="0"/>
+          <a:chExt cx="0" cy="0"/>
+        </a:xfrm>
+      </p:grpSpPr>
+      <p:sp>
+        <p:nvSpPr>
+          <p:cNvPr id="4" name="Title 3">
+            <a:extLst>
+              <a:ext uri="{FF2B5EF4-FFF2-40B4-BE49-F238E27FC236}">
+                <a16:creationId xmlns:a16="http://schemas.microsoft.com/office/drawing/2014/main" id="{2E9A7C78-91FD-4B88-953D-5A4363761BD1}"/>
+              </a:ext>
+            </a:extLst>
+          </p:cNvPr>
+          <p:cNvSpPr>
+            <a:spLocks noGrp="1"/>
+          </p:cNvSpPr>
+          <p:nvPr>
+            <p:ph type="ctrTitle"/>
+          </p:nvPr>
+        </p:nvSpPr>
+        <p:spPr>
+          <a:xfrm>
+            <a:off x="73891" y="120073"/>
+            <a:ext cx="12044217" cy="895927"/>
+          </a:xfrm>
+        </p:spPr>
+        <p:txBody>
+          <a:bodyPr anchor="b" anchorCtr="0">
+            <a:normAutofit fontScale="90000"/>
+          </a:bodyPr>
+          <a:lstStyle/>
+          <a:p>
+            <a:pPr algn="ctr">
+              <a:lnSpc>
+                <a:spcPts val="9748"/>
+              </a:lnSpc>
+            </a:pPr>
+            <a:br>
+              <a:rPr lang="en-US" sz="5400" spc="692" dirty="0">
+                <a:latin typeface="Oswald Bold"/>
+              </a:rPr>
+            </a:br>
+            <a:br>
+              <a:rPr lang="en-US" sz="5400" spc="692" dirty="0">
+                <a:latin typeface="Oswald Bold"/>
+              </a:rPr>
+            </a:br>
+            <a:br>
+              <a:rPr lang="en-US" sz="5400" spc="692" dirty="0">
+                <a:solidFill>
+                  <a:srgbClr val="231F20"/>
+                </a:solidFill>
+                <a:latin typeface="Oswald Bold"/>
+              </a:rPr>
+            </a:br>
+            <a:r>
+              <a:rPr lang="en-US" sz="4900" spc="692" dirty="0">
+                <a:latin typeface="Oswald Bold"/>
+              </a:rPr>
+              <a:t>USER BY LANGUAGE</a:t>
+            </a:r>
+            <a:endParaRPr lang="en-US" sz="4900" spc="692" dirty="0">
+              <a:solidFill>
+                <a:srgbClr val="231F20"/>
+              </a:solidFill>
+              <a:latin typeface="Oswald Bold"/>
+            </a:endParaRPr>
+          </a:p>
+        </p:txBody>
+      </p:sp>
+      <p:sp>
+        <p:nvSpPr>
+          <p:cNvPr id="5" name="Subtitle 4">
+            <a:extLst>
+              <a:ext uri="{FF2B5EF4-FFF2-40B4-BE49-F238E27FC236}">
+                <a16:creationId xmlns:a16="http://schemas.microsoft.com/office/drawing/2014/main" id="{AD04BED3-CF2E-4CAD-8CE8-ED3ED12AEBD6}"/>
+              </a:ext>
+            </a:extLst>
+          </p:cNvPr>
+          <p:cNvSpPr>
+            <a:spLocks noGrp="1"/>
+          </p:cNvSpPr>
+          <p:nvPr>
+            <p:ph type="body" sz="quarter" idx="15"/>
+          </p:nvPr>
+        </p:nvSpPr>
+        <p:spPr>
+          <a:xfrm>
+            <a:off x="73892" y="1182255"/>
+            <a:ext cx="12044216" cy="5555672"/>
+          </a:xfrm>
+        </p:spPr>
+        <p:txBody>
+          <a:bodyPr>
+            <a:normAutofit/>
+          </a:bodyPr>
+          <a:lstStyle/>
+          <a:p>
+            <a:pPr marL="557305" lvl="1" indent="-278653">
+              <a:lnSpc>
+                <a:spcPts val="3562"/>
+              </a:lnSpc>
+              <a:buFont typeface="Arial"/>
+              <a:buChar char="•"/>
+            </a:pPr>
+            <a:r>
+              <a:rPr lang="en-US" sz="1800" spc="252" dirty="0">
+                <a:solidFill>
+                  <a:schemeClr val="bg1"/>
+                </a:solidFill>
+                <a:latin typeface="Montserrat Classic Bold" panose="020B0604020202020204" charset="0"/>
+              </a:rPr>
+              <a:t>Analyzing users by language is a pivotal aspect of understanding the diverse linguistic preferences within a user base on websites or digital platforms. </a:t>
+            </a:r>
+          </a:p>
+          <a:p>
+            <a:pPr marL="557305" lvl="1" indent="-278653">
+              <a:lnSpc>
+                <a:spcPts val="3562"/>
+              </a:lnSpc>
+              <a:buFont typeface="Arial"/>
+              <a:buChar char="•"/>
+            </a:pPr>
+            <a:r>
+              <a:rPr lang="en-US" sz="1800" spc="252" dirty="0">
+                <a:solidFill>
+                  <a:schemeClr val="bg1"/>
+                </a:solidFill>
+                <a:latin typeface="Montserrat Classic Bold" panose="020B0604020202020204" charset="0"/>
+              </a:rPr>
+              <a:t>This report provides valuable insights into the primary languages spoken by the audience, enabling businesses to tailor content and communication to resonate more effectively with users in different linguistic groups.</a:t>
+            </a:r>
+          </a:p>
+          <a:p>
+            <a:pPr marL="557305" lvl="1" indent="-278653">
+              <a:lnSpc>
+                <a:spcPts val="3562"/>
+              </a:lnSpc>
+              <a:buFont typeface="Arial"/>
+              <a:buChar char="•"/>
+            </a:pPr>
+            <a:r>
+              <a:rPr lang="en-US" sz="1800" spc="252" dirty="0">
+                <a:solidFill>
+                  <a:schemeClr val="bg1"/>
+                </a:solidFill>
+                <a:latin typeface="Montserrat Classic Bold" panose="020B0604020202020204" charset="0"/>
+              </a:rPr>
+              <a:t>By acknowledging and accommodating varied language preferences, organizations can enhance user experiences, improve engagement, and foster inclusivity. </a:t>
+            </a:r>
+          </a:p>
+          <a:p>
+            <a:pPr marL="557305" lvl="1" indent="-278653">
+              <a:lnSpc>
+                <a:spcPts val="3562"/>
+              </a:lnSpc>
+              <a:buFont typeface="Arial"/>
+              <a:buChar char="•"/>
+            </a:pPr>
+            <a:r>
+              <a:rPr lang="en-US" sz="1800" spc="252" dirty="0">
+                <a:solidFill>
+                  <a:schemeClr val="bg1"/>
+                </a:solidFill>
+                <a:latin typeface="Montserrat Classic Bold" panose="020B0604020202020204" charset="0"/>
+              </a:rPr>
+              <a:t>The users-by-language metric becomes especially crucial for global or multilingual platforms, guiding strategic decisions on localization, content translation, and overall optimization to ensure that the digital environment caters to the linguistic diversity of its users.</a:t>
+            </a:r>
+          </a:p>
+        </p:txBody>
+      </p:sp>
+    </p:spTree>
+    <p:extLst>
+      <p:ext uri="{BB962C8B-B14F-4D97-AF65-F5344CB8AC3E}">
+        <p14:creationId xmlns:p14="http://schemas.microsoft.com/office/powerpoint/2010/main" val="1063224689"/>
+      </p:ext>
+    </p:extLst>
+  </p:cSld>
+  <p:clrMapOvr>
+    <a:masterClrMapping/>
+  </p:clrMapOvr>
+</p:sld>
+</file>
+
+<file path=ppt/slides/slide45.xml><?xml version="1.0" encoding="utf-8"?>
+<p:sld xmlns:a="http://schemas.openxmlformats.org/drawingml/2006/main" xmlns:r="http://schemas.openxmlformats.org/officeDocument/2006/relationships" xmlns:p="http://schemas.openxmlformats.org/presentationml/2006/main">
+  <p:cSld>
+    <p:spTree>
+      <p:nvGrpSpPr>
+        <p:cNvPr id="1" name=""/>
+        <p:cNvGrpSpPr/>
+        <p:nvPr/>
+      </p:nvGrpSpPr>
+      <p:grpSpPr>
+        <a:xfrm>
+          <a:off x="0" y="0"/>
+          <a:ext cx="0" cy="0"/>
+          <a:chOff x="0" y="0"/>
+          <a:chExt cx="0" cy="0"/>
+        </a:xfrm>
+      </p:grpSpPr>
+      <p:sp>
+        <p:nvSpPr>
+          <p:cNvPr id="4" name="Title 3">
+            <a:extLst>
+              <a:ext uri="{FF2B5EF4-FFF2-40B4-BE49-F238E27FC236}">
+                <a16:creationId xmlns:a16="http://schemas.microsoft.com/office/drawing/2014/main" id="{2E9A7C78-91FD-4B88-953D-5A4363761BD1}"/>
+              </a:ext>
+            </a:extLst>
+          </p:cNvPr>
+          <p:cNvSpPr>
+            <a:spLocks noGrp="1"/>
+          </p:cNvSpPr>
+          <p:nvPr>
+            <p:ph type="ctrTitle"/>
+          </p:nvPr>
+        </p:nvSpPr>
+        <p:spPr>
+          <a:xfrm>
+            <a:off x="73891" y="120073"/>
+            <a:ext cx="12044217" cy="895927"/>
+          </a:xfrm>
+        </p:spPr>
+        <p:txBody>
+          <a:bodyPr anchor="b" anchorCtr="0">
+            <a:noAutofit/>
+          </a:bodyPr>
+          <a:lstStyle/>
+          <a:p>
+            <a:pPr algn="ctr">
+              <a:lnSpc>
+                <a:spcPts val="9748"/>
+              </a:lnSpc>
+            </a:pPr>
+            <a:br>
+              <a:rPr lang="en-US" sz="4000" spc="692" dirty="0">
+                <a:latin typeface="Oswald Bold"/>
+              </a:rPr>
+            </a:br>
+            <a:br>
+              <a:rPr lang="en-US" sz="4000" spc="692" dirty="0">
+                <a:latin typeface="Oswald Bold"/>
+              </a:rPr>
+            </a:br>
+            <a:br>
+              <a:rPr lang="en-US" sz="4000" spc="692" dirty="0">
+                <a:solidFill>
+                  <a:srgbClr val="231F20"/>
+                </a:solidFill>
+                <a:latin typeface="Oswald Bold"/>
+              </a:rPr>
+            </a:br>
+            <a:r>
+              <a:rPr lang="en-US" sz="3200" spc="692" dirty="0">
+                <a:latin typeface="Oswald Bold"/>
+              </a:rPr>
+              <a:t>TOP USERS BY LANGUAGES </a:t>
+            </a:r>
+            <a:endParaRPr lang="en-US" sz="3200" spc="692" dirty="0">
+              <a:solidFill>
+                <a:srgbClr val="231F20"/>
+              </a:solidFill>
+              <a:latin typeface="Oswald Bold"/>
+            </a:endParaRPr>
+          </a:p>
+        </p:txBody>
+      </p:sp>
+      <p:sp>
+        <p:nvSpPr>
+          <p:cNvPr id="6" name="Subtitle 4">
+            <a:extLst>
+              <a:ext uri="{FF2B5EF4-FFF2-40B4-BE49-F238E27FC236}">
+                <a16:creationId xmlns:a16="http://schemas.microsoft.com/office/drawing/2014/main" id="{0356272A-03A5-F6CC-7142-4062342DC523}"/>
+              </a:ext>
+            </a:extLst>
+          </p:cNvPr>
+          <p:cNvSpPr txBox="1">
+            <a:spLocks/>
+          </p:cNvSpPr>
+          <p:nvPr/>
+        </p:nvSpPr>
+        <p:spPr>
+          <a:xfrm>
+            <a:off x="1" y="2078183"/>
+            <a:ext cx="6037204" cy="4659743"/>
+          </a:xfrm>
+          <a:prstGeom prst="rect">
+            <a:avLst/>
+          </a:prstGeom>
+        </p:spPr>
+        <p:txBody>
+          <a:bodyPr vert="horz" lIns="91440" tIns="45720" rIns="91440" bIns="45720" rtlCol="0">
+            <a:normAutofit/>
+          </a:bodyPr>
+          <a:lstStyle>
+            <a:lvl1pPr marL="0" indent="0" algn="ctr" defTabSz="914400" rtl="0" eaLnBrk="1" latinLnBrk="0" hangingPunct="1">
+              <a:lnSpc>
+                <a:spcPct val="110000"/>
+              </a:lnSpc>
+              <a:spcBef>
+                <a:spcPts val="1000"/>
+              </a:spcBef>
+              <a:buClr>
+                <a:schemeClr val="tx2">
+                  <a:lumMod val="10000"/>
+                  <a:lumOff val="90000"/>
+                </a:schemeClr>
+              </a:buClr>
+              <a:buSzPct val="80000"/>
+              <a:buFont typeface="Wingdings" panose="05000000000000000000" pitchFamily="2" charset="2"/>
+              <a:buNone/>
+              <a:defRPr sz="2800" kern="1200">
+                <a:solidFill>
+                  <a:schemeClr val="bg1"/>
+                </a:solidFill>
+                <a:effectLst/>
+                <a:latin typeface="+mn-lt"/>
+                <a:ea typeface="+mn-ea"/>
+                <a:cs typeface="+mn-cs"/>
+              </a:defRPr>
+            </a:lvl1pPr>
+            <a:lvl2pPr marL="800100" indent="-228600" algn="l" defTabSz="914400" rtl="0" eaLnBrk="1" latinLnBrk="0" hangingPunct="1">
+              <a:lnSpc>
+                <a:spcPct val="110000"/>
+              </a:lnSpc>
+              <a:spcBef>
+                <a:spcPts val="500"/>
+              </a:spcBef>
+              <a:buClr>
+                <a:schemeClr val="tx2">
+                  <a:lumMod val="10000"/>
+                  <a:lumOff val="90000"/>
+                </a:schemeClr>
+              </a:buClr>
+              <a:buSzPct val="80000"/>
+              <a:buFont typeface="Wingdings" panose="05000000000000000000" pitchFamily="2" charset="2"/>
+              <a:buChar char="§"/>
+              <a:defRPr sz="2800" kern="1200">
+                <a:solidFill>
+                  <a:schemeClr val="tx2">
+                    <a:alpha val="70000"/>
+                  </a:schemeClr>
+                </a:solidFill>
+                <a:latin typeface="+mn-lt"/>
+                <a:ea typeface="+mn-ea"/>
+                <a:cs typeface="+mn-cs"/>
+              </a:defRPr>
+            </a:lvl2pPr>
+            <a:lvl3pPr marL="1257300" indent="-228600" algn="l" defTabSz="914400" rtl="0" eaLnBrk="1" latinLnBrk="0" hangingPunct="1">
+              <a:lnSpc>
+                <a:spcPct val="110000"/>
+              </a:lnSpc>
+              <a:spcBef>
+                <a:spcPts val="500"/>
+              </a:spcBef>
+              <a:buClr>
+                <a:schemeClr val="tx2">
+                  <a:lumMod val="10000"/>
+                  <a:lumOff val="90000"/>
+                </a:schemeClr>
+              </a:buClr>
+              <a:buSzPct val="80000"/>
+              <a:buFont typeface="Wingdings" panose="05000000000000000000" pitchFamily="2" charset="2"/>
+              <a:buChar char="§"/>
+              <a:defRPr sz="2400" kern="1200">
+                <a:solidFill>
+                  <a:schemeClr val="tx2">
+                    <a:alpha val="70000"/>
+                  </a:schemeClr>
+                </a:solidFill>
+                <a:latin typeface="+mn-lt"/>
+                <a:ea typeface="+mn-ea"/>
+                <a:cs typeface="+mn-cs"/>
+              </a:defRPr>
+            </a:lvl3pPr>
+            <a:lvl4pPr marL="1657350" indent="-228600" algn="l" defTabSz="914400" rtl="0" eaLnBrk="1" latinLnBrk="0" hangingPunct="1">
+              <a:lnSpc>
+                <a:spcPct val="110000"/>
+              </a:lnSpc>
+              <a:spcBef>
+                <a:spcPts val="500"/>
+              </a:spcBef>
+              <a:buClr>
+                <a:schemeClr val="tx2">
+                  <a:lumMod val="10000"/>
+                  <a:lumOff val="90000"/>
+                </a:schemeClr>
+              </a:buClr>
+              <a:buSzPct val="80000"/>
+              <a:buFont typeface="Wingdings" panose="05000000000000000000" pitchFamily="2" charset="2"/>
+              <a:buChar char="§"/>
+              <a:defRPr sz="2000" kern="1200">
+                <a:solidFill>
+                  <a:schemeClr val="tx2">
+                    <a:alpha val="70000"/>
+                  </a:schemeClr>
+                </a:solidFill>
+                <a:latin typeface="+mn-lt"/>
+                <a:ea typeface="+mn-ea"/>
+                <a:cs typeface="+mn-cs"/>
+              </a:defRPr>
+            </a:lvl4pPr>
+            <a:lvl5pPr marL="2114550" indent="-228600" algn="l" defTabSz="914400" rtl="0" eaLnBrk="1" latinLnBrk="0" hangingPunct="1">
+              <a:lnSpc>
+                <a:spcPct val="110000"/>
+              </a:lnSpc>
+              <a:spcBef>
+                <a:spcPts val="500"/>
+              </a:spcBef>
+              <a:buClr>
+                <a:schemeClr val="tx2">
+                  <a:lumMod val="10000"/>
+                  <a:lumOff val="90000"/>
+                </a:schemeClr>
+              </a:buClr>
+              <a:buSzPct val="80000"/>
+              <a:buFont typeface="Wingdings" panose="05000000000000000000" pitchFamily="2" charset="2"/>
+              <a:buChar char="§"/>
+              <a:defRPr sz="2000" kern="1200">
+                <a:solidFill>
+                  <a:schemeClr val="tx2">
+                    <a:alpha val="70000"/>
+                  </a:schemeClr>
+                </a:solidFill>
+                <a:latin typeface="+mn-lt"/>
+                <a:ea typeface="+mn-ea"/>
+                <a:cs typeface="+mn-cs"/>
+              </a:defRPr>
+            </a:lvl5pPr>
+            <a:lvl6pPr marL="2514600" indent="-228600" algn="l" defTabSz="914400" rtl="0" eaLnBrk="1" latinLnBrk="0" hangingPunct="1">
+              <a:lnSpc>
+                <a:spcPct val="90000"/>
+              </a:lnSpc>
+              <a:spcBef>
+                <a:spcPts val="500"/>
+              </a:spcBef>
+              <a:buFont typeface="Arial" panose="020B0604020202020204" pitchFamily="34" charset="0"/>
+              <a:buChar char="•"/>
+              <a:defRPr sz="1800" kern="1200">
+                <a:solidFill>
+                  <a:schemeClr val="tx1"/>
+                </a:solidFill>
+                <a:latin typeface="+mn-lt"/>
+                <a:ea typeface="+mn-ea"/>
+                <a:cs typeface="+mn-cs"/>
+              </a:defRPr>
+            </a:lvl6pPr>
+            <a:lvl7pPr marL="2971800" indent="-228600" algn="l" defTabSz="914400" rtl="0" eaLnBrk="1" latinLnBrk="0" hangingPunct="1">
+              <a:lnSpc>
+                <a:spcPct val="90000"/>
+              </a:lnSpc>
+              <a:spcBef>
+                <a:spcPts val="500"/>
+              </a:spcBef>
+              <a:buFont typeface="Arial" panose="020B0604020202020204" pitchFamily="34" charset="0"/>
+              <a:buChar char="•"/>
+              <a:defRPr sz="1800" kern="1200">
+                <a:solidFill>
+                  <a:schemeClr val="tx1"/>
+                </a:solidFill>
+                <a:latin typeface="+mn-lt"/>
+                <a:ea typeface="+mn-ea"/>
+                <a:cs typeface="+mn-cs"/>
+              </a:defRPr>
+            </a:lvl7pPr>
+            <a:lvl8pPr marL="3429000" indent="-228600" algn="l" defTabSz="914400" rtl="0" eaLnBrk="1" latinLnBrk="0" hangingPunct="1">
+              <a:lnSpc>
+                <a:spcPct val="90000"/>
+              </a:lnSpc>
+              <a:spcBef>
+                <a:spcPts val="500"/>
+              </a:spcBef>
+              <a:buFont typeface="Arial" panose="020B0604020202020204" pitchFamily="34" charset="0"/>
+              <a:buChar char="•"/>
+              <a:defRPr sz="1800" kern="1200">
+                <a:solidFill>
+                  <a:schemeClr val="tx1"/>
+                </a:solidFill>
+                <a:latin typeface="+mn-lt"/>
+                <a:ea typeface="+mn-ea"/>
+                <a:cs typeface="+mn-cs"/>
+              </a:defRPr>
+            </a:lvl8pPr>
+            <a:lvl9pPr marL="3886200" indent="-228600" algn="l" defTabSz="914400" rtl="0" eaLnBrk="1" latinLnBrk="0" hangingPunct="1">
+              <a:lnSpc>
+                <a:spcPct val="90000"/>
+              </a:lnSpc>
+              <a:spcBef>
+                <a:spcPts val="500"/>
+              </a:spcBef>
+              <a:buFont typeface="Arial" panose="020B0604020202020204" pitchFamily="34" charset="0"/>
+              <a:buChar char="•"/>
+              <a:defRPr sz="1800" kern="1200">
+                <a:solidFill>
+                  <a:schemeClr val="tx1"/>
+                </a:solidFill>
+                <a:latin typeface="+mn-lt"/>
+                <a:ea typeface="+mn-ea"/>
+                <a:cs typeface="+mn-cs"/>
+              </a:defRPr>
+            </a:lvl9pPr>
+          </a:lstStyle>
+          <a:p>
+            <a:pPr>
+              <a:lnSpc>
+                <a:spcPts val="3160"/>
+              </a:lnSpc>
+            </a:pPr>
+            <a:r>
+              <a:rPr lang="en-US" sz="1200" spc="224" dirty="0">
+                <a:latin typeface="Montserrat Classic Bold" panose="020B0604020202020204" charset="0"/>
+              </a:rPr>
+              <a:t>THE FINDINGS:</a:t>
+            </a:r>
+          </a:p>
+          <a:p>
+            <a:pPr marL="494517" lvl="1" indent="-247259">
+              <a:lnSpc>
+                <a:spcPts val="3160"/>
+              </a:lnSpc>
+              <a:buFont typeface="Arial"/>
+              <a:buChar char="•"/>
+            </a:pPr>
+            <a:r>
+              <a:rPr lang="en-US" sz="1200" spc="224" dirty="0">
+                <a:solidFill>
+                  <a:schemeClr val="bg1"/>
+                </a:solidFill>
+                <a:latin typeface="Montserrat Classic Bold" panose="020B0604020202020204" charset="0"/>
+              </a:rPr>
+              <a:t>English has been the most understood language for the users on our website.</a:t>
+            </a:r>
+          </a:p>
+          <a:p>
+            <a:pPr marL="494517" lvl="1" indent="-247259">
+              <a:lnSpc>
+                <a:spcPts val="3160"/>
+              </a:lnSpc>
+              <a:buFont typeface="Arial"/>
+              <a:buChar char="•"/>
+            </a:pPr>
+            <a:r>
+              <a:rPr lang="en-US" sz="1200" spc="224" dirty="0">
+                <a:solidFill>
+                  <a:schemeClr val="bg1"/>
+                </a:solidFill>
+                <a:latin typeface="Montserrat Classic Bold" panose="020B0604020202020204" charset="0"/>
+              </a:rPr>
+              <a:t>Hindi stood second in terms of User Language</a:t>
+            </a:r>
+          </a:p>
+          <a:p>
+            <a:pPr marL="494517" lvl="1" indent="-247259">
+              <a:lnSpc>
+                <a:spcPts val="3160"/>
+              </a:lnSpc>
+              <a:buFont typeface="Arial"/>
+              <a:buChar char="•"/>
+            </a:pPr>
+            <a:r>
+              <a:rPr lang="en-US" sz="1200" spc="224" dirty="0">
+                <a:solidFill>
+                  <a:schemeClr val="bg1"/>
+                </a:solidFill>
+                <a:latin typeface="Montserrat Classic Bold" panose="020B0604020202020204" charset="0"/>
+              </a:rPr>
+              <a:t>Marathi stood third in terms of User Language.</a:t>
+            </a:r>
+          </a:p>
+          <a:p>
+            <a:pPr marL="494517" lvl="1" indent="-247259">
+              <a:lnSpc>
+                <a:spcPts val="3160"/>
+              </a:lnSpc>
+              <a:buFont typeface="Arial"/>
+              <a:buChar char="•"/>
+            </a:pPr>
+            <a:r>
+              <a:rPr lang="en-US" sz="1200" spc="224" dirty="0">
+                <a:solidFill>
+                  <a:schemeClr val="bg1"/>
+                </a:solidFill>
+                <a:latin typeface="Montserrat Classic Bold" panose="020B0604020202020204" charset="0"/>
+              </a:rPr>
+              <a:t>Gujarati is the fourth-most understood language by our user.</a:t>
+            </a:r>
+          </a:p>
+          <a:p>
+            <a:pPr marL="494517" lvl="1" indent="-247259">
+              <a:lnSpc>
+                <a:spcPts val="3160"/>
+              </a:lnSpc>
+              <a:buFont typeface="Arial"/>
+              <a:buChar char="•"/>
+            </a:pPr>
+            <a:r>
+              <a:rPr lang="en-US" sz="1200" spc="224" dirty="0">
+                <a:solidFill>
+                  <a:schemeClr val="bg1"/>
+                </a:solidFill>
+                <a:latin typeface="Montserrat Classic Bold" panose="020B0604020202020204" charset="0"/>
+              </a:rPr>
+              <a:t>Telugu is the fifth-most language for the User preference on our website.</a:t>
+            </a:r>
+          </a:p>
+        </p:txBody>
+      </p:sp>
+      <p:sp>
+        <p:nvSpPr>
+          <p:cNvPr id="8" name="Freeform 5">
+            <a:extLst>
+              <a:ext uri="{FF2B5EF4-FFF2-40B4-BE49-F238E27FC236}">
+                <a16:creationId xmlns:a16="http://schemas.microsoft.com/office/drawing/2014/main" id="{0C56884C-298C-D776-1685-7BC1F1C42CAA}"/>
+              </a:ext>
+            </a:extLst>
+          </p:cNvPr>
+          <p:cNvSpPr/>
+          <p:nvPr/>
+        </p:nvSpPr>
+        <p:spPr>
+          <a:xfrm>
+            <a:off x="6154797" y="2078182"/>
+            <a:ext cx="5963311" cy="4659743"/>
+          </a:xfrm>
+          <a:custGeom>
+            <a:avLst/>
+            <a:gdLst/>
+            <a:ahLst/>
+            <a:cxnLst/>
+            <a:rect l="l" t="t" r="r" b="b"/>
+            <a:pathLst>
+              <a:path w="8648780" h="3671065">
+                <a:moveTo>
+                  <a:pt x="0" y="0"/>
+                </a:moveTo>
+                <a:lnTo>
+                  <a:pt x="8648780" y="0"/>
+                </a:lnTo>
+                <a:lnTo>
+                  <a:pt x="8648780" y="3671065"/>
+                </a:lnTo>
+                <a:lnTo>
+                  <a:pt x="0" y="3671065"/>
+                </a:lnTo>
+                <a:lnTo>
+                  <a:pt x="0" y="0"/>
+                </a:lnTo>
+                <a:close/>
+              </a:path>
+            </a:pathLst>
+          </a:custGeom>
+          <a:blipFill>
+            <a:blip r:embed="rId2"/>
+            <a:stretch>
+              <a:fillRect/>
+            </a:stretch>
+          </a:blipFill>
+        </p:spPr>
+      </p:sp>
+    </p:spTree>
+    <p:extLst>
+      <p:ext uri="{BB962C8B-B14F-4D97-AF65-F5344CB8AC3E}">
+        <p14:creationId xmlns:p14="http://schemas.microsoft.com/office/powerpoint/2010/main" val="3184615322"/>
+      </p:ext>
+    </p:extLst>
+  </p:cSld>
+  <p:clrMapOvr>
+    <a:masterClrMapping/>
+  </p:clrMapOvr>
+</p:sld>
+</file>
+
+<file path=ppt/slides/slide46.xml><?xml version="1.0" encoding="utf-8"?>
+<p:sld xmlns:a="http://schemas.openxmlformats.org/drawingml/2006/main" xmlns:r="http://schemas.openxmlformats.org/officeDocument/2006/relationships" xmlns:p="http://schemas.openxmlformats.org/presentationml/2006/main">
+  <p:cSld>
+    <p:spTree>
+      <p:nvGrpSpPr>
+        <p:cNvPr id="1" name=""/>
+        <p:cNvGrpSpPr/>
+        <p:nvPr/>
+      </p:nvGrpSpPr>
+      <p:grpSpPr>
+        <a:xfrm>
+          <a:off x="0" y="0"/>
+          <a:ext cx="0" cy="0"/>
+          <a:chOff x="0" y="0"/>
+          <a:chExt cx="0" cy="0"/>
+        </a:xfrm>
+      </p:grpSpPr>
+      <p:sp>
+        <p:nvSpPr>
+          <p:cNvPr id="4" name="Title 3">
+            <a:extLst>
+              <a:ext uri="{FF2B5EF4-FFF2-40B4-BE49-F238E27FC236}">
+                <a16:creationId xmlns:a16="http://schemas.microsoft.com/office/drawing/2014/main" id="{2E9A7C78-91FD-4B88-953D-5A4363761BD1}"/>
+              </a:ext>
+            </a:extLst>
+          </p:cNvPr>
+          <p:cNvSpPr>
+            <a:spLocks noGrp="1"/>
+          </p:cNvSpPr>
+          <p:nvPr>
+            <p:ph type="ctrTitle"/>
+          </p:nvPr>
+        </p:nvSpPr>
+        <p:spPr>
+          <a:xfrm>
+            <a:off x="73891" y="120073"/>
+            <a:ext cx="12044217" cy="895927"/>
+          </a:xfrm>
+        </p:spPr>
+        <p:txBody>
+          <a:bodyPr anchor="b" anchorCtr="0">
+            <a:noAutofit/>
+          </a:bodyPr>
+          <a:lstStyle/>
+          <a:p>
+            <a:pPr algn="ctr">
+              <a:lnSpc>
+                <a:spcPts val="9748"/>
+              </a:lnSpc>
+            </a:pPr>
+            <a:br>
+              <a:rPr lang="en-US" sz="4000" spc="692" dirty="0">
+                <a:latin typeface="Oswald Bold"/>
+              </a:rPr>
+            </a:br>
+            <a:br>
+              <a:rPr lang="en-US" sz="4000" spc="692" dirty="0">
+                <a:latin typeface="Oswald Bold"/>
+              </a:rPr>
+            </a:br>
+            <a:br>
+              <a:rPr lang="en-US" sz="4000" spc="692" dirty="0">
+                <a:solidFill>
+                  <a:srgbClr val="231F20"/>
+                </a:solidFill>
+                <a:latin typeface="Oswald Bold"/>
+              </a:rPr>
+            </a:br>
+            <a:r>
+              <a:rPr lang="en-US" sz="3200" spc="692" dirty="0">
+                <a:latin typeface="Oswald Bold"/>
+              </a:rPr>
+              <a:t>CONVERSION BY USER LANGUAGE </a:t>
+            </a:r>
+            <a:endParaRPr lang="en-US" sz="3200" spc="692" dirty="0">
+              <a:solidFill>
+                <a:srgbClr val="231F20"/>
+              </a:solidFill>
+              <a:latin typeface="Oswald Bold"/>
+            </a:endParaRPr>
+          </a:p>
+        </p:txBody>
+      </p:sp>
+      <p:sp>
+        <p:nvSpPr>
+          <p:cNvPr id="6" name="Subtitle 4">
+            <a:extLst>
+              <a:ext uri="{FF2B5EF4-FFF2-40B4-BE49-F238E27FC236}">
+                <a16:creationId xmlns:a16="http://schemas.microsoft.com/office/drawing/2014/main" id="{0356272A-03A5-F6CC-7142-4062342DC523}"/>
+              </a:ext>
+            </a:extLst>
+          </p:cNvPr>
+          <p:cNvSpPr txBox="1">
+            <a:spLocks/>
+          </p:cNvSpPr>
+          <p:nvPr/>
+        </p:nvSpPr>
+        <p:spPr>
+          <a:xfrm>
+            <a:off x="1" y="2078183"/>
+            <a:ext cx="6037204" cy="4659743"/>
+          </a:xfrm>
+          <a:prstGeom prst="rect">
+            <a:avLst/>
+          </a:prstGeom>
+        </p:spPr>
+        <p:txBody>
+          <a:bodyPr vert="horz" lIns="91440" tIns="45720" rIns="91440" bIns="45720" rtlCol="0">
+            <a:normAutofit/>
+          </a:bodyPr>
+          <a:lstStyle>
+            <a:lvl1pPr marL="0" indent="0" algn="ctr" defTabSz="914400" rtl="0" eaLnBrk="1" latinLnBrk="0" hangingPunct="1">
+              <a:lnSpc>
+                <a:spcPct val="110000"/>
+              </a:lnSpc>
+              <a:spcBef>
+                <a:spcPts val="1000"/>
+              </a:spcBef>
+              <a:buClr>
+                <a:schemeClr val="tx2">
+                  <a:lumMod val="10000"/>
+                  <a:lumOff val="90000"/>
+                </a:schemeClr>
+              </a:buClr>
+              <a:buSzPct val="80000"/>
+              <a:buFont typeface="Wingdings" panose="05000000000000000000" pitchFamily="2" charset="2"/>
+              <a:buNone/>
+              <a:defRPr sz="2800" kern="1200">
+                <a:solidFill>
+                  <a:schemeClr val="bg1"/>
+                </a:solidFill>
+                <a:effectLst/>
+                <a:latin typeface="+mn-lt"/>
+                <a:ea typeface="+mn-ea"/>
+                <a:cs typeface="+mn-cs"/>
+              </a:defRPr>
+            </a:lvl1pPr>
+            <a:lvl2pPr marL="800100" indent="-228600" algn="l" defTabSz="914400" rtl="0" eaLnBrk="1" latinLnBrk="0" hangingPunct="1">
+              <a:lnSpc>
+                <a:spcPct val="110000"/>
+              </a:lnSpc>
+              <a:spcBef>
+                <a:spcPts val="500"/>
+              </a:spcBef>
+              <a:buClr>
+                <a:schemeClr val="tx2">
+                  <a:lumMod val="10000"/>
+                  <a:lumOff val="90000"/>
+                </a:schemeClr>
+              </a:buClr>
+              <a:buSzPct val="80000"/>
+              <a:buFont typeface="Wingdings" panose="05000000000000000000" pitchFamily="2" charset="2"/>
+              <a:buChar char="§"/>
+              <a:defRPr sz="2800" kern="1200">
+                <a:solidFill>
+                  <a:schemeClr val="tx2">
+                    <a:alpha val="70000"/>
+                  </a:schemeClr>
+                </a:solidFill>
+                <a:latin typeface="+mn-lt"/>
+                <a:ea typeface="+mn-ea"/>
+                <a:cs typeface="+mn-cs"/>
+              </a:defRPr>
+            </a:lvl2pPr>
+            <a:lvl3pPr marL="1257300" indent="-228600" algn="l" defTabSz="914400" rtl="0" eaLnBrk="1" latinLnBrk="0" hangingPunct="1">
+              <a:lnSpc>
+                <a:spcPct val="110000"/>
+              </a:lnSpc>
+              <a:spcBef>
+                <a:spcPts val="500"/>
+              </a:spcBef>
+              <a:buClr>
+                <a:schemeClr val="tx2">
+                  <a:lumMod val="10000"/>
+                  <a:lumOff val="90000"/>
+                </a:schemeClr>
+              </a:buClr>
+              <a:buSzPct val="80000"/>
+              <a:buFont typeface="Wingdings" panose="05000000000000000000" pitchFamily="2" charset="2"/>
+              <a:buChar char="§"/>
+              <a:defRPr sz="2400" kern="1200">
+                <a:solidFill>
+                  <a:schemeClr val="tx2">
+                    <a:alpha val="70000"/>
+                  </a:schemeClr>
+                </a:solidFill>
+                <a:latin typeface="+mn-lt"/>
+                <a:ea typeface="+mn-ea"/>
+                <a:cs typeface="+mn-cs"/>
+              </a:defRPr>
+            </a:lvl3pPr>
+            <a:lvl4pPr marL="1657350" indent="-228600" algn="l" defTabSz="914400" rtl="0" eaLnBrk="1" latinLnBrk="0" hangingPunct="1">
+              <a:lnSpc>
+                <a:spcPct val="110000"/>
+              </a:lnSpc>
+              <a:spcBef>
+                <a:spcPts val="500"/>
+              </a:spcBef>
+              <a:buClr>
+                <a:schemeClr val="tx2">
+                  <a:lumMod val="10000"/>
+                  <a:lumOff val="90000"/>
+                </a:schemeClr>
+              </a:buClr>
+              <a:buSzPct val="80000"/>
+              <a:buFont typeface="Wingdings" panose="05000000000000000000" pitchFamily="2" charset="2"/>
+              <a:buChar char="§"/>
+              <a:defRPr sz="2000" kern="1200">
+                <a:solidFill>
+                  <a:schemeClr val="tx2">
+                    <a:alpha val="70000"/>
+                  </a:schemeClr>
+                </a:solidFill>
+                <a:latin typeface="+mn-lt"/>
+                <a:ea typeface="+mn-ea"/>
+                <a:cs typeface="+mn-cs"/>
+              </a:defRPr>
+            </a:lvl4pPr>
+            <a:lvl5pPr marL="2114550" indent="-228600" algn="l" defTabSz="914400" rtl="0" eaLnBrk="1" latinLnBrk="0" hangingPunct="1">
+              <a:lnSpc>
+                <a:spcPct val="110000"/>
+              </a:lnSpc>
+              <a:spcBef>
+                <a:spcPts val="500"/>
+              </a:spcBef>
+              <a:buClr>
+                <a:schemeClr val="tx2">
+                  <a:lumMod val="10000"/>
+                  <a:lumOff val="90000"/>
+                </a:schemeClr>
+              </a:buClr>
+              <a:buSzPct val="80000"/>
+              <a:buFont typeface="Wingdings" panose="05000000000000000000" pitchFamily="2" charset="2"/>
+              <a:buChar char="§"/>
+              <a:defRPr sz="2000" kern="1200">
+                <a:solidFill>
+                  <a:schemeClr val="tx2">
+                    <a:alpha val="70000"/>
+                  </a:schemeClr>
+                </a:solidFill>
+                <a:latin typeface="+mn-lt"/>
+                <a:ea typeface="+mn-ea"/>
+                <a:cs typeface="+mn-cs"/>
+              </a:defRPr>
+            </a:lvl5pPr>
+            <a:lvl6pPr marL="2514600" indent="-228600" algn="l" defTabSz="914400" rtl="0" eaLnBrk="1" latinLnBrk="0" hangingPunct="1">
+              <a:lnSpc>
+                <a:spcPct val="90000"/>
+              </a:lnSpc>
+              <a:spcBef>
+                <a:spcPts val="500"/>
+              </a:spcBef>
+              <a:buFont typeface="Arial" panose="020B0604020202020204" pitchFamily="34" charset="0"/>
+              <a:buChar char="•"/>
+              <a:defRPr sz="1800" kern="1200">
+                <a:solidFill>
+                  <a:schemeClr val="tx1"/>
+                </a:solidFill>
+                <a:latin typeface="+mn-lt"/>
+                <a:ea typeface="+mn-ea"/>
+                <a:cs typeface="+mn-cs"/>
+              </a:defRPr>
+            </a:lvl6pPr>
+            <a:lvl7pPr marL="2971800" indent="-228600" algn="l" defTabSz="914400" rtl="0" eaLnBrk="1" latinLnBrk="0" hangingPunct="1">
+              <a:lnSpc>
+                <a:spcPct val="90000"/>
+              </a:lnSpc>
+              <a:spcBef>
+                <a:spcPts val="500"/>
+              </a:spcBef>
+              <a:buFont typeface="Arial" panose="020B0604020202020204" pitchFamily="34" charset="0"/>
+              <a:buChar char="•"/>
+              <a:defRPr sz="1800" kern="1200">
+                <a:solidFill>
+                  <a:schemeClr val="tx1"/>
+                </a:solidFill>
+                <a:latin typeface="+mn-lt"/>
+                <a:ea typeface="+mn-ea"/>
+                <a:cs typeface="+mn-cs"/>
+              </a:defRPr>
+            </a:lvl7pPr>
+            <a:lvl8pPr marL="3429000" indent="-228600" algn="l" defTabSz="914400" rtl="0" eaLnBrk="1" latinLnBrk="0" hangingPunct="1">
+              <a:lnSpc>
+                <a:spcPct val="90000"/>
+              </a:lnSpc>
+              <a:spcBef>
+                <a:spcPts val="500"/>
+              </a:spcBef>
+              <a:buFont typeface="Arial" panose="020B0604020202020204" pitchFamily="34" charset="0"/>
+              <a:buChar char="•"/>
+              <a:defRPr sz="1800" kern="1200">
+                <a:solidFill>
+                  <a:schemeClr val="tx1"/>
+                </a:solidFill>
+                <a:latin typeface="+mn-lt"/>
+                <a:ea typeface="+mn-ea"/>
+                <a:cs typeface="+mn-cs"/>
+              </a:defRPr>
+            </a:lvl8pPr>
+            <a:lvl9pPr marL="3886200" indent="-228600" algn="l" defTabSz="914400" rtl="0" eaLnBrk="1" latinLnBrk="0" hangingPunct="1">
+              <a:lnSpc>
+                <a:spcPct val="90000"/>
+              </a:lnSpc>
+              <a:spcBef>
+                <a:spcPts val="500"/>
+              </a:spcBef>
+              <a:buFont typeface="Arial" panose="020B0604020202020204" pitchFamily="34" charset="0"/>
+              <a:buChar char="•"/>
+              <a:defRPr sz="1800" kern="1200">
+                <a:solidFill>
+                  <a:schemeClr val="tx1"/>
+                </a:solidFill>
+                <a:latin typeface="+mn-lt"/>
+                <a:ea typeface="+mn-ea"/>
+                <a:cs typeface="+mn-cs"/>
+              </a:defRPr>
+            </a:lvl9pPr>
+          </a:lstStyle>
+          <a:p>
+            <a:pPr>
+              <a:lnSpc>
+                <a:spcPts val="3160"/>
+              </a:lnSpc>
+            </a:pPr>
+            <a:r>
+              <a:rPr lang="en-US" sz="1200" spc="224" dirty="0">
+                <a:latin typeface="Montserrat Classic Bold" panose="020B0604020202020204" charset="0"/>
+              </a:rPr>
+              <a:t>THE FINDINGS:</a:t>
+            </a:r>
+          </a:p>
+          <a:p>
+            <a:pPr marL="494517" lvl="1" indent="-247259">
+              <a:lnSpc>
+                <a:spcPts val="3160"/>
+              </a:lnSpc>
+              <a:buFont typeface="Arial"/>
+              <a:buChar char="•"/>
+            </a:pPr>
+            <a:r>
+              <a:rPr lang="en-US" sz="1200" spc="224" dirty="0">
+                <a:solidFill>
+                  <a:schemeClr val="bg1"/>
+                </a:solidFill>
+                <a:latin typeface="Montserrat Classic Bold" panose="020B0604020202020204" charset="0"/>
+              </a:rPr>
+              <a:t>English Users generated the most amount of Conversions.</a:t>
+            </a:r>
+          </a:p>
+          <a:p>
+            <a:pPr marL="494517" lvl="1" indent="-247259">
+              <a:lnSpc>
+                <a:spcPts val="3160"/>
+              </a:lnSpc>
+              <a:buFont typeface="Arial"/>
+              <a:buChar char="•"/>
+            </a:pPr>
+            <a:r>
+              <a:rPr lang="en-US" sz="1200" spc="224" dirty="0">
+                <a:solidFill>
+                  <a:schemeClr val="bg1"/>
+                </a:solidFill>
+                <a:latin typeface="Montserrat Classic Bold" panose="020B0604020202020204" charset="0"/>
+              </a:rPr>
+              <a:t>Hindi Users generated the second-most amount of Conversions.</a:t>
+            </a:r>
+          </a:p>
+          <a:p>
+            <a:pPr marL="494517" lvl="1" indent="-247259">
+              <a:lnSpc>
+                <a:spcPts val="3160"/>
+              </a:lnSpc>
+              <a:buFont typeface="Arial"/>
+              <a:buChar char="•"/>
+            </a:pPr>
+            <a:r>
+              <a:rPr lang="en-US" sz="1200" spc="224" dirty="0">
+                <a:solidFill>
+                  <a:schemeClr val="bg1"/>
+                </a:solidFill>
+                <a:latin typeface="Montserrat Classic Bold" panose="020B0604020202020204" charset="0"/>
+              </a:rPr>
+              <a:t>Gujarati stood third in terms of generating conversions.</a:t>
+            </a:r>
+          </a:p>
+          <a:p>
+            <a:pPr marL="494517" lvl="1" indent="-247259">
+              <a:lnSpc>
+                <a:spcPts val="3160"/>
+              </a:lnSpc>
+              <a:buFont typeface="Arial"/>
+              <a:buChar char="•"/>
+            </a:pPr>
+            <a:r>
+              <a:rPr lang="en-US" sz="1200" spc="224" dirty="0">
+                <a:solidFill>
+                  <a:schemeClr val="bg1"/>
+                </a:solidFill>
+                <a:latin typeface="Montserrat Classic Bold" panose="020B0604020202020204" charset="0"/>
+              </a:rPr>
+              <a:t>Marathi stood fourth in terms of generating conversions.</a:t>
+            </a:r>
+          </a:p>
+          <a:p>
+            <a:pPr marL="494517" lvl="1" indent="-247259">
+              <a:lnSpc>
+                <a:spcPts val="3160"/>
+              </a:lnSpc>
+              <a:buFont typeface="Arial"/>
+              <a:buChar char="•"/>
+            </a:pPr>
+            <a:r>
+              <a:rPr lang="en-US" sz="1200" spc="224" dirty="0">
+                <a:solidFill>
+                  <a:schemeClr val="bg1"/>
+                </a:solidFill>
+                <a:latin typeface="Montserrat Classic Bold" panose="020B0604020202020204" charset="0"/>
+              </a:rPr>
+              <a:t>Telugu generated the fifth-most conversions </a:t>
+            </a:r>
+          </a:p>
+        </p:txBody>
+      </p:sp>
+      <p:sp>
+        <p:nvSpPr>
+          <p:cNvPr id="2" name="Freeform 5">
+            <a:extLst>
+              <a:ext uri="{FF2B5EF4-FFF2-40B4-BE49-F238E27FC236}">
+                <a16:creationId xmlns:a16="http://schemas.microsoft.com/office/drawing/2014/main" id="{43A8540C-4F3A-3265-0435-CF9AD4735AC6}"/>
+              </a:ext>
+            </a:extLst>
+          </p:cNvPr>
+          <p:cNvSpPr/>
+          <p:nvPr/>
+        </p:nvSpPr>
+        <p:spPr>
+          <a:xfrm>
+            <a:off x="6225310" y="1819563"/>
+            <a:ext cx="5892798" cy="4918363"/>
+          </a:xfrm>
+          <a:custGeom>
+            <a:avLst/>
+            <a:gdLst/>
+            <a:ahLst/>
+            <a:cxnLst/>
+            <a:rect l="l" t="t" r="r" b="b"/>
+            <a:pathLst>
+              <a:path w="9845696" h="4206411">
+                <a:moveTo>
+                  <a:pt x="0" y="0"/>
+                </a:moveTo>
+                <a:lnTo>
+                  <a:pt x="9845696" y="0"/>
+                </a:lnTo>
+                <a:lnTo>
+                  <a:pt x="9845696" y="4206411"/>
+                </a:lnTo>
+                <a:lnTo>
+                  <a:pt x="0" y="4206411"/>
+                </a:lnTo>
+                <a:lnTo>
+                  <a:pt x="0" y="0"/>
+                </a:lnTo>
+                <a:close/>
+              </a:path>
+            </a:pathLst>
+          </a:custGeom>
+          <a:blipFill>
+            <a:blip r:embed="rId2"/>
+            <a:stretch>
+              <a:fillRect/>
+            </a:stretch>
+          </a:blipFill>
+        </p:spPr>
+      </p:sp>
+    </p:spTree>
+    <p:extLst>
+      <p:ext uri="{BB962C8B-B14F-4D97-AF65-F5344CB8AC3E}">
+        <p14:creationId xmlns:p14="http://schemas.microsoft.com/office/powerpoint/2010/main" val="3428464952"/>
+      </p:ext>
+    </p:extLst>
+  </p:cSld>
+  <p:clrMapOvr>
+    <a:masterClrMapping/>
+  </p:clrMapOvr>
+</p:sld>
+</file>
+
+<file path=ppt/slides/slide47.xml><?xml version="1.0" encoding="utf-8"?>
+<p:sld xmlns:a="http://schemas.openxmlformats.org/drawingml/2006/main" xmlns:r="http://schemas.openxmlformats.org/officeDocument/2006/relationships" xmlns:p="http://schemas.openxmlformats.org/presentationml/2006/main">
+  <p:cSld>
+    <p:spTree>
+      <p:nvGrpSpPr>
+        <p:cNvPr id="1" name=""/>
+        <p:cNvGrpSpPr/>
+        <p:nvPr/>
+      </p:nvGrpSpPr>
+      <p:grpSpPr>
+        <a:xfrm>
+          <a:off x="0" y="0"/>
+          <a:ext cx="0" cy="0"/>
+          <a:chOff x="0" y="0"/>
+          <a:chExt cx="0" cy="0"/>
+        </a:xfrm>
+      </p:grpSpPr>
+      <p:sp>
+        <p:nvSpPr>
+          <p:cNvPr id="4" name="Title 3">
+            <a:extLst>
+              <a:ext uri="{FF2B5EF4-FFF2-40B4-BE49-F238E27FC236}">
+                <a16:creationId xmlns:a16="http://schemas.microsoft.com/office/drawing/2014/main" id="{2E9A7C78-91FD-4B88-953D-5A4363761BD1}"/>
+              </a:ext>
+            </a:extLst>
+          </p:cNvPr>
+          <p:cNvSpPr>
+            <a:spLocks noGrp="1"/>
+          </p:cNvSpPr>
+          <p:nvPr>
+            <p:ph type="ctrTitle"/>
+          </p:nvPr>
+        </p:nvSpPr>
+        <p:spPr>
+          <a:xfrm>
+            <a:off x="1524000" y="2607223"/>
+            <a:ext cx="9144000" cy="1290522"/>
+          </a:xfrm>
+        </p:spPr>
+        <p:txBody>
+          <a:bodyPr anchor="b" anchorCtr="0">
+            <a:normAutofit/>
+          </a:bodyPr>
+          <a:lstStyle/>
+          <a:p>
+            <a:pPr algn="ctr">
+              <a:lnSpc>
+                <a:spcPts val="9748"/>
+              </a:lnSpc>
+            </a:pPr>
+            <a:r>
+              <a:rPr lang="en-US" sz="5400" spc="692" dirty="0">
+                <a:latin typeface="Oswald Bold"/>
+              </a:rPr>
+              <a:t>USER BY AGE</a:t>
+            </a:r>
+            <a:endParaRPr lang="en-US" sz="5400" spc="692" dirty="0">
+              <a:solidFill>
+                <a:srgbClr val="231F20"/>
+              </a:solidFill>
+              <a:latin typeface="Oswald Bold"/>
+            </a:endParaRPr>
+          </a:p>
+        </p:txBody>
+      </p:sp>
+    </p:spTree>
+    <p:extLst>
+      <p:ext uri="{BB962C8B-B14F-4D97-AF65-F5344CB8AC3E}">
+        <p14:creationId xmlns:p14="http://schemas.microsoft.com/office/powerpoint/2010/main" val="3160437888"/>
+      </p:ext>
+    </p:extLst>
+  </p:cSld>
+  <p:clrMapOvr>
+    <a:masterClrMapping/>
+  </p:clrMapOvr>
+</p:sld>
+</file>
+
+<file path=ppt/slides/slide48.xml><?xml version="1.0" encoding="utf-8"?>
+<p:sld xmlns:a="http://schemas.openxmlformats.org/drawingml/2006/main" xmlns:r="http://schemas.openxmlformats.org/officeDocument/2006/relationships" xmlns:p="http://schemas.openxmlformats.org/presentationml/2006/main">
+  <p:cSld>
+    <p:spTree>
+      <p:nvGrpSpPr>
+        <p:cNvPr id="1" name=""/>
+        <p:cNvGrpSpPr/>
+        <p:nvPr/>
+      </p:nvGrpSpPr>
+      <p:grpSpPr>
+        <a:xfrm>
+          <a:off x="0" y="0"/>
+          <a:ext cx="0" cy="0"/>
+          <a:chOff x="0" y="0"/>
+          <a:chExt cx="0" cy="0"/>
+        </a:xfrm>
+      </p:grpSpPr>
+      <p:sp>
+        <p:nvSpPr>
+          <p:cNvPr id="4" name="Title 3">
+            <a:extLst>
+              <a:ext uri="{FF2B5EF4-FFF2-40B4-BE49-F238E27FC236}">
+                <a16:creationId xmlns:a16="http://schemas.microsoft.com/office/drawing/2014/main" id="{2E9A7C78-91FD-4B88-953D-5A4363761BD1}"/>
+              </a:ext>
+            </a:extLst>
+          </p:cNvPr>
+          <p:cNvSpPr>
+            <a:spLocks noGrp="1"/>
+          </p:cNvSpPr>
+          <p:nvPr>
+            <p:ph type="ctrTitle"/>
+          </p:nvPr>
+        </p:nvSpPr>
+        <p:spPr>
+          <a:xfrm>
+            <a:off x="73891" y="120073"/>
+            <a:ext cx="12044217" cy="895927"/>
+          </a:xfrm>
+        </p:spPr>
+        <p:txBody>
+          <a:bodyPr anchor="b" anchorCtr="0">
+            <a:normAutofit fontScale="90000"/>
+          </a:bodyPr>
+          <a:lstStyle/>
+          <a:p>
+            <a:pPr algn="ctr">
+              <a:lnSpc>
+                <a:spcPts val="9748"/>
+              </a:lnSpc>
+            </a:pPr>
+            <a:br>
+              <a:rPr lang="en-US" sz="5400" spc="692" dirty="0">
+                <a:latin typeface="Oswald Bold"/>
+              </a:rPr>
+            </a:br>
+            <a:br>
+              <a:rPr lang="en-US" sz="5400" spc="692" dirty="0">
+                <a:latin typeface="Oswald Bold"/>
+              </a:rPr>
+            </a:br>
+            <a:br>
+              <a:rPr lang="en-US" sz="5400" spc="692" dirty="0">
+                <a:solidFill>
+                  <a:srgbClr val="231F20"/>
+                </a:solidFill>
+                <a:latin typeface="Oswald Bold"/>
+              </a:rPr>
+            </a:br>
+            <a:r>
+              <a:rPr lang="en-US" sz="4900" spc="692" dirty="0">
+                <a:latin typeface="Oswald Bold"/>
+              </a:rPr>
+              <a:t>USER BY AGE</a:t>
+            </a:r>
+            <a:endParaRPr lang="en-US" sz="4900" spc="692" dirty="0">
+              <a:solidFill>
+                <a:srgbClr val="231F20"/>
+              </a:solidFill>
+              <a:latin typeface="Oswald Bold"/>
+            </a:endParaRPr>
+          </a:p>
+        </p:txBody>
+      </p:sp>
+      <p:sp>
+        <p:nvSpPr>
+          <p:cNvPr id="5" name="Subtitle 4">
+            <a:extLst>
+              <a:ext uri="{FF2B5EF4-FFF2-40B4-BE49-F238E27FC236}">
+                <a16:creationId xmlns:a16="http://schemas.microsoft.com/office/drawing/2014/main" id="{AD04BED3-CF2E-4CAD-8CE8-ED3ED12AEBD6}"/>
+              </a:ext>
+            </a:extLst>
+          </p:cNvPr>
+          <p:cNvSpPr>
+            <a:spLocks noGrp="1"/>
+          </p:cNvSpPr>
+          <p:nvPr>
+            <p:ph type="body" sz="quarter" idx="15"/>
+          </p:nvPr>
+        </p:nvSpPr>
+        <p:spPr>
+          <a:xfrm>
+            <a:off x="73892" y="1182255"/>
+            <a:ext cx="12044216" cy="5555672"/>
+          </a:xfrm>
+        </p:spPr>
+        <p:txBody>
+          <a:bodyPr>
+            <a:normAutofit fontScale="85000" lnSpcReduction="10000"/>
+          </a:bodyPr>
+          <a:lstStyle/>
+          <a:p>
+            <a:pPr marL="535716" lvl="1" indent="-267858">
+              <a:lnSpc>
+                <a:spcPts val="3424"/>
+              </a:lnSpc>
+              <a:buFont typeface="Arial"/>
+              <a:buChar char="•"/>
+            </a:pPr>
+            <a:r>
+              <a:rPr lang="en-US" sz="1800" spc="243" dirty="0">
+                <a:solidFill>
+                  <a:schemeClr val="bg1"/>
+                </a:solidFill>
+                <a:latin typeface="Montserrat Classic Bold" panose="020B0604020202020204" charset="0"/>
+              </a:rPr>
+              <a:t>User age demographics play a pivotal role in shaping the dynamics of a digital audience, offering valuable insights into the composition and preferences of website or platform users. </a:t>
+            </a:r>
+          </a:p>
+          <a:p>
+            <a:pPr marL="535716" lvl="1" indent="-267858">
+              <a:lnSpc>
+                <a:spcPts val="3424"/>
+              </a:lnSpc>
+              <a:buFont typeface="Arial"/>
+              <a:buChar char="•"/>
+            </a:pPr>
+            <a:r>
+              <a:rPr lang="en-US" sz="1800" spc="243" dirty="0">
+                <a:solidFill>
+                  <a:schemeClr val="bg1"/>
+                </a:solidFill>
+                <a:latin typeface="Montserrat Classic Bold" panose="020B0604020202020204" charset="0"/>
+              </a:rPr>
+              <a:t>By categorizing users based on age groups, businesses can gain a nuanced understanding of their audience's generational characteristics and tailor content, features, and marketing strategies accordingly. </a:t>
+            </a:r>
+          </a:p>
+          <a:p>
+            <a:pPr marL="535716" lvl="1" indent="-267858">
+              <a:lnSpc>
+                <a:spcPts val="3424"/>
+              </a:lnSpc>
+              <a:buFont typeface="Arial"/>
+              <a:buChar char="•"/>
+            </a:pPr>
+            <a:r>
+              <a:rPr lang="en-US" sz="1800" spc="243" dirty="0">
+                <a:solidFill>
+                  <a:schemeClr val="bg1"/>
+                </a:solidFill>
+                <a:latin typeface="Montserrat Classic Bold" panose="020B0604020202020204" charset="0"/>
+              </a:rPr>
+              <a:t>This information is instrumental in creating a more personalized and engaging user experience, ensuring that products and services resonate with the unique preferences of different age segments. </a:t>
+            </a:r>
+          </a:p>
+          <a:p>
+            <a:pPr marL="535716" lvl="1" indent="-267858">
+              <a:lnSpc>
+                <a:spcPts val="3424"/>
+              </a:lnSpc>
+              <a:buFont typeface="Arial"/>
+              <a:buChar char="•"/>
+            </a:pPr>
+            <a:r>
+              <a:rPr lang="en-US" sz="1800" spc="243" dirty="0">
+                <a:solidFill>
+                  <a:schemeClr val="bg1"/>
+                </a:solidFill>
+                <a:latin typeface="Montserrat Classic Bold" panose="020B0604020202020204" charset="0"/>
+              </a:rPr>
+              <a:t>Analyzing user age also aids in developing targeted marketing campaigns, allowing businesses to reach specific generations with messages that align with their interests and lifestyles. </a:t>
+            </a:r>
+          </a:p>
+          <a:p>
+            <a:pPr marL="535716" lvl="1" indent="-267858">
+              <a:lnSpc>
+                <a:spcPts val="3424"/>
+              </a:lnSpc>
+              <a:buFont typeface="Arial"/>
+              <a:buChar char="•"/>
+            </a:pPr>
+            <a:r>
+              <a:rPr lang="en-US" sz="1800" spc="243" dirty="0">
+                <a:solidFill>
+                  <a:schemeClr val="bg1"/>
+                </a:solidFill>
+                <a:latin typeface="Montserrat Classic Bold" panose="020B0604020202020204" charset="0"/>
+              </a:rPr>
+              <a:t>Ultimately, user age data serves as a powerful tool for optimizing digital strategies, enhancing user satisfaction, and fostering long-term connections with a diverse user base.</a:t>
+            </a:r>
+          </a:p>
+        </p:txBody>
+      </p:sp>
+    </p:spTree>
+    <p:extLst>
+      <p:ext uri="{BB962C8B-B14F-4D97-AF65-F5344CB8AC3E}">
+        <p14:creationId xmlns:p14="http://schemas.microsoft.com/office/powerpoint/2010/main" val="348283331"/>
+      </p:ext>
+    </p:extLst>
+  </p:cSld>
+  <p:clrMapOvr>
+    <a:masterClrMapping/>
+  </p:clrMapOvr>
+</p:sld>
+</file>
+
+<file path=ppt/slides/slide49.xml><?xml version="1.0" encoding="utf-8"?>
+<p:sld xmlns:a="http://schemas.openxmlformats.org/drawingml/2006/main" xmlns:r="http://schemas.openxmlformats.org/officeDocument/2006/relationships" xmlns:p="http://schemas.openxmlformats.org/presentationml/2006/main">
+  <p:cSld>
+    <p:spTree>
+      <p:nvGrpSpPr>
+        <p:cNvPr id="1" name=""/>
+        <p:cNvGrpSpPr/>
+        <p:nvPr/>
+      </p:nvGrpSpPr>
+      <p:grpSpPr>
+        <a:xfrm>
+          <a:off x="0" y="0"/>
+          <a:ext cx="0" cy="0"/>
+          <a:chOff x="0" y="0"/>
+          <a:chExt cx="0" cy="0"/>
+        </a:xfrm>
+      </p:grpSpPr>
+      <p:sp>
+        <p:nvSpPr>
+          <p:cNvPr id="4" name="Title 3">
+            <a:extLst>
+              <a:ext uri="{FF2B5EF4-FFF2-40B4-BE49-F238E27FC236}">
+                <a16:creationId xmlns:a16="http://schemas.microsoft.com/office/drawing/2014/main" id="{2E9A7C78-91FD-4B88-953D-5A4363761BD1}"/>
+              </a:ext>
+            </a:extLst>
+          </p:cNvPr>
+          <p:cNvSpPr>
+            <a:spLocks noGrp="1"/>
+          </p:cNvSpPr>
+          <p:nvPr>
+            <p:ph type="ctrTitle"/>
+          </p:nvPr>
+        </p:nvSpPr>
+        <p:spPr>
+          <a:xfrm>
+            <a:off x="73891" y="120073"/>
+            <a:ext cx="12044217" cy="895927"/>
+          </a:xfrm>
+        </p:spPr>
+        <p:txBody>
+          <a:bodyPr anchor="b" anchorCtr="0">
+            <a:noAutofit/>
+          </a:bodyPr>
+          <a:lstStyle/>
+          <a:p>
+            <a:pPr algn="ctr">
+              <a:lnSpc>
+                <a:spcPts val="9748"/>
+              </a:lnSpc>
+            </a:pPr>
+            <a:br>
+              <a:rPr lang="en-US" sz="4000" spc="692" dirty="0">
+                <a:latin typeface="Oswald Bold"/>
+              </a:rPr>
+            </a:br>
+            <a:br>
+              <a:rPr lang="en-US" sz="4000" spc="692" dirty="0">
+                <a:latin typeface="Oswald Bold"/>
+              </a:rPr>
+            </a:br>
+            <a:br>
+              <a:rPr lang="en-US" sz="4000" spc="692" dirty="0">
+                <a:solidFill>
+                  <a:srgbClr val="231F20"/>
+                </a:solidFill>
+                <a:latin typeface="Oswald Bold"/>
+              </a:rPr>
+            </a:br>
+            <a:r>
+              <a:rPr lang="en-US" sz="3200" spc="692" dirty="0">
+                <a:latin typeface="Oswald Bold"/>
+              </a:rPr>
+              <a:t>DISTRIBUTION OF USER AGE</a:t>
+            </a:r>
+            <a:endParaRPr lang="en-US" sz="3200" spc="692" dirty="0">
+              <a:solidFill>
+                <a:srgbClr val="231F20"/>
+              </a:solidFill>
+              <a:latin typeface="Oswald Bold"/>
+            </a:endParaRPr>
+          </a:p>
+        </p:txBody>
+      </p:sp>
+      <p:sp>
+        <p:nvSpPr>
+          <p:cNvPr id="6" name="Subtitle 4">
+            <a:extLst>
+              <a:ext uri="{FF2B5EF4-FFF2-40B4-BE49-F238E27FC236}">
+                <a16:creationId xmlns:a16="http://schemas.microsoft.com/office/drawing/2014/main" id="{0356272A-03A5-F6CC-7142-4062342DC523}"/>
+              </a:ext>
+            </a:extLst>
+          </p:cNvPr>
+          <p:cNvSpPr txBox="1">
+            <a:spLocks/>
+          </p:cNvSpPr>
+          <p:nvPr/>
+        </p:nvSpPr>
+        <p:spPr>
+          <a:xfrm>
+            <a:off x="-1" y="1422401"/>
+            <a:ext cx="6927273" cy="5315526"/>
+          </a:xfrm>
+          <a:prstGeom prst="rect">
+            <a:avLst/>
+          </a:prstGeom>
+        </p:spPr>
+        <p:txBody>
+          <a:bodyPr vert="horz" lIns="91440" tIns="45720" rIns="91440" bIns="45720" rtlCol="0">
+            <a:normAutofit/>
+          </a:bodyPr>
+          <a:lstStyle>
+            <a:lvl1pPr marL="0" indent="0" algn="ctr" defTabSz="914400" rtl="0" eaLnBrk="1" latinLnBrk="0" hangingPunct="1">
+              <a:lnSpc>
+                <a:spcPct val="110000"/>
+              </a:lnSpc>
+              <a:spcBef>
+                <a:spcPts val="1000"/>
+              </a:spcBef>
+              <a:buClr>
+                <a:schemeClr val="tx2">
+                  <a:lumMod val="10000"/>
+                  <a:lumOff val="90000"/>
+                </a:schemeClr>
+              </a:buClr>
+              <a:buSzPct val="80000"/>
+              <a:buFont typeface="Wingdings" panose="05000000000000000000" pitchFamily="2" charset="2"/>
+              <a:buNone/>
+              <a:defRPr sz="2800" kern="1200">
+                <a:solidFill>
+                  <a:schemeClr val="bg1"/>
+                </a:solidFill>
+                <a:effectLst/>
+                <a:latin typeface="+mn-lt"/>
+                <a:ea typeface="+mn-ea"/>
+                <a:cs typeface="+mn-cs"/>
+              </a:defRPr>
+            </a:lvl1pPr>
+            <a:lvl2pPr marL="800100" indent="-228600" algn="l" defTabSz="914400" rtl="0" eaLnBrk="1" latinLnBrk="0" hangingPunct="1">
+              <a:lnSpc>
+                <a:spcPct val="110000"/>
+              </a:lnSpc>
+              <a:spcBef>
+                <a:spcPts val="500"/>
+              </a:spcBef>
+              <a:buClr>
+                <a:schemeClr val="tx2">
+                  <a:lumMod val="10000"/>
+                  <a:lumOff val="90000"/>
+                </a:schemeClr>
+              </a:buClr>
+              <a:buSzPct val="80000"/>
+              <a:buFont typeface="Wingdings" panose="05000000000000000000" pitchFamily="2" charset="2"/>
+              <a:buChar char="§"/>
+              <a:defRPr sz="2800" kern="1200">
+                <a:solidFill>
+                  <a:schemeClr val="tx2">
+                    <a:alpha val="70000"/>
+                  </a:schemeClr>
+                </a:solidFill>
+                <a:latin typeface="+mn-lt"/>
+                <a:ea typeface="+mn-ea"/>
+                <a:cs typeface="+mn-cs"/>
+              </a:defRPr>
+            </a:lvl2pPr>
+            <a:lvl3pPr marL="1257300" indent="-228600" algn="l" defTabSz="914400" rtl="0" eaLnBrk="1" latinLnBrk="0" hangingPunct="1">
+              <a:lnSpc>
+                <a:spcPct val="110000"/>
+              </a:lnSpc>
+              <a:spcBef>
+                <a:spcPts val="500"/>
+              </a:spcBef>
+              <a:buClr>
+                <a:schemeClr val="tx2">
+                  <a:lumMod val="10000"/>
+                  <a:lumOff val="90000"/>
+                </a:schemeClr>
+              </a:buClr>
+              <a:buSzPct val="80000"/>
+              <a:buFont typeface="Wingdings" panose="05000000000000000000" pitchFamily="2" charset="2"/>
+              <a:buChar char="§"/>
+              <a:defRPr sz="2400" kern="1200">
+                <a:solidFill>
+                  <a:schemeClr val="tx2">
+                    <a:alpha val="70000"/>
+                  </a:schemeClr>
+                </a:solidFill>
+                <a:latin typeface="+mn-lt"/>
+                <a:ea typeface="+mn-ea"/>
+                <a:cs typeface="+mn-cs"/>
+              </a:defRPr>
+            </a:lvl3pPr>
+            <a:lvl4pPr marL="1657350" indent="-228600" algn="l" defTabSz="914400" rtl="0" eaLnBrk="1" latinLnBrk="0" hangingPunct="1">
+              <a:lnSpc>
+                <a:spcPct val="110000"/>
+              </a:lnSpc>
+              <a:spcBef>
+                <a:spcPts val="500"/>
+              </a:spcBef>
+              <a:buClr>
+                <a:schemeClr val="tx2">
+                  <a:lumMod val="10000"/>
+                  <a:lumOff val="90000"/>
+                </a:schemeClr>
+              </a:buClr>
+              <a:buSzPct val="80000"/>
+              <a:buFont typeface="Wingdings" panose="05000000000000000000" pitchFamily="2" charset="2"/>
+              <a:buChar char="§"/>
+              <a:defRPr sz="2000" kern="1200">
+                <a:solidFill>
+                  <a:schemeClr val="tx2">
+                    <a:alpha val="70000"/>
+                  </a:schemeClr>
+                </a:solidFill>
+                <a:latin typeface="+mn-lt"/>
+                <a:ea typeface="+mn-ea"/>
+                <a:cs typeface="+mn-cs"/>
+              </a:defRPr>
+            </a:lvl4pPr>
+            <a:lvl5pPr marL="2114550" indent="-228600" algn="l" defTabSz="914400" rtl="0" eaLnBrk="1" latinLnBrk="0" hangingPunct="1">
+              <a:lnSpc>
+                <a:spcPct val="110000"/>
+              </a:lnSpc>
+              <a:spcBef>
+                <a:spcPts val="500"/>
+              </a:spcBef>
+              <a:buClr>
+                <a:schemeClr val="tx2">
+                  <a:lumMod val="10000"/>
+                  <a:lumOff val="90000"/>
+                </a:schemeClr>
+              </a:buClr>
+              <a:buSzPct val="80000"/>
+              <a:buFont typeface="Wingdings" panose="05000000000000000000" pitchFamily="2" charset="2"/>
+              <a:buChar char="§"/>
+              <a:defRPr sz="2000" kern="1200">
+                <a:solidFill>
+                  <a:schemeClr val="tx2">
+                    <a:alpha val="70000"/>
+                  </a:schemeClr>
+                </a:solidFill>
+                <a:latin typeface="+mn-lt"/>
+                <a:ea typeface="+mn-ea"/>
+                <a:cs typeface="+mn-cs"/>
+              </a:defRPr>
+            </a:lvl5pPr>
+            <a:lvl6pPr marL="2514600" indent="-228600" algn="l" defTabSz="914400" rtl="0" eaLnBrk="1" latinLnBrk="0" hangingPunct="1">
+              <a:lnSpc>
+                <a:spcPct val="90000"/>
+              </a:lnSpc>
+              <a:spcBef>
+                <a:spcPts val="500"/>
+              </a:spcBef>
+              <a:buFont typeface="Arial" panose="020B0604020202020204" pitchFamily="34" charset="0"/>
+              <a:buChar char="•"/>
+              <a:defRPr sz="1800" kern="1200">
+                <a:solidFill>
+                  <a:schemeClr val="tx1"/>
+                </a:solidFill>
+                <a:latin typeface="+mn-lt"/>
+                <a:ea typeface="+mn-ea"/>
+                <a:cs typeface="+mn-cs"/>
+              </a:defRPr>
+            </a:lvl6pPr>
+            <a:lvl7pPr marL="2971800" indent="-228600" algn="l" defTabSz="914400" rtl="0" eaLnBrk="1" latinLnBrk="0" hangingPunct="1">
+              <a:lnSpc>
+                <a:spcPct val="90000"/>
+              </a:lnSpc>
+              <a:spcBef>
+                <a:spcPts val="500"/>
+              </a:spcBef>
+              <a:buFont typeface="Arial" panose="020B0604020202020204" pitchFamily="34" charset="0"/>
+              <a:buChar char="•"/>
+              <a:defRPr sz="1800" kern="1200">
+                <a:solidFill>
+                  <a:schemeClr val="tx1"/>
+                </a:solidFill>
+                <a:latin typeface="+mn-lt"/>
+                <a:ea typeface="+mn-ea"/>
+                <a:cs typeface="+mn-cs"/>
+              </a:defRPr>
+            </a:lvl7pPr>
+            <a:lvl8pPr marL="3429000" indent="-228600" algn="l" defTabSz="914400" rtl="0" eaLnBrk="1" latinLnBrk="0" hangingPunct="1">
+              <a:lnSpc>
+                <a:spcPct val="90000"/>
+              </a:lnSpc>
+              <a:spcBef>
+                <a:spcPts val="500"/>
+              </a:spcBef>
+              <a:buFont typeface="Arial" panose="020B0604020202020204" pitchFamily="34" charset="0"/>
+              <a:buChar char="•"/>
+              <a:defRPr sz="1800" kern="1200">
+                <a:solidFill>
+                  <a:schemeClr val="tx1"/>
+                </a:solidFill>
+                <a:latin typeface="+mn-lt"/>
+                <a:ea typeface="+mn-ea"/>
+                <a:cs typeface="+mn-cs"/>
+              </a:defRPr>
+            </a:lvl8pPr>
+            <a:lvl9pPr marL="3886200" indent="-228600" algn="l" defTabSz="914400" rtl="0" eaLnBrk="1" latinLnBrk="0" hangingPunct="1">
+              <a:lnSpc>
+                <a:spcPct val="90000"/>
+              </a:lnSpc>
+              <a:spcBef>
+                <a:spcPts val="500"/>
+              </a:spcBef>
+              <a:buFont typeface="Arial" panose="020B0604020202020204" pitchFamily="34" charset="0"/>
+              <a:buChar char="•"/>
+              <a:defRPr sz="1800" kern="1200">
+                <a:solidFill>
+                  <a:schemeClr val="tx1"/>
+                </a:solidFill>
+                <a:latin typeface="+mn-lt"/>
+                <a:ea typeface="+mn-ea"/>
+                <a:cs typeface="+mn-cs"/>
+              </a:defRPr>
+            </a:lvl9pPr>
+          </a:lstStyle>
+          <a:p>
+            <a:pPr>
+              <a:lnSpc>
+                <a:spcPts val="3160"/>
+              </a:lnSpc>
+            </a:pPr>
+            <a:r>
+              <a:rPr lang="en-US" sz="1200" spc="224" dirty="0">
+                <a:latin typeface="Montserrat Classic Bold" panose="020B0604020202020204" charset="0"/>
+              </a:rPr>
+              <a:t>THE FINDINGS:</a:t>
+            </a:r>
+          </a:p>
+          <a:p>
+            <a:pPr marL="494517" lvl="1" indent="-247259">
+              <a:lnSpc>
+                <a:spcPts val="3160"/>
+              </a:lnSpc>
+              <a:buFont typeface="Arial"/>
+              <a:buChar char="•"/>
+            </a:pPr>
+            <a:r>
+              <a:rPr lang="en-US" sz="1200" spc="224" dirty="0">
+                <a:solidFill>
+                  <a:schemeClr val="bg1"/>
+                </a:solidFill>
+                <a:latin typeface="Montserrat Classic Bold" panose="020B0604020202020204" charset="0"/>
+              </a:rPr>
+              <a:t>The most amount of distribution was observed for the Unknown age category</a:t>
+            </a:r>
+          </a:p>
+          <a:p>
+            <a:pPr marL="494517" lvl="1" indent="-247259">
+              <a:lnSpc>
+                <a:spcPts val="3160"/>
+              </a:lnSpc>
+              <a:buFont typeface="Arial"/>
+              <a:buChar char="•"/>
+            </a:pPr>
+            <a:r>
+              <a:rPr lang="en-US" sz="1200" spc="224" dirty="0">
+                <a:solidFill>
+                  <a:schemeClr val="bg1"/>
+                </a:solidFill>
+                <a:latin typeface="Montserrat Classic Bold" panose="020B0604020202020204" charset="0"/>
+              </a:rPr>
+              <a:t>The second most distribution was observed by Ages 18-24.</a:t>
+            </a:r>
+          </a:p>
+          <a:p>
+            <a:pPr marL="494517" lvl="1" indent="-247259">
+              <a:lnSpc>
+                <a:spcPts val="3160"/>
+              </a:lnSpc>
+              <a:buFont typeface="Arial"/>
+              <a:buChar char="•"/>
+            </a:pPr>
+            <a:r>
+              <a:rPr lang="en-US" sz="1200" spc="224" dirty="0">
+                <a:solidFill>
+                  <a:schemeClr val="bg1"/>
+                </a:solidFill>
+                <a:latin typeface="Montserrat Classic Bold" panose="020B0604020202020204" charset="0"/>
+              </a:rPr>
+              <a:t>The third most distribution was observed by Ages 25-34.</a:t>
+            </a:r>
+          </a:p>
+          <a:p>
+            <a:pPr marL="494517" lvl="1" indent="-247259">
+              <a:lnSpc>
+                <a:spcPts val="3160"/>
+              </a:lnSpc>
+              <a:buFont typeface="Arial"/>
+              <a:buChar char="•"/>
+            </a:pPr>
+            <a:r>
+              <a:rPr lang="en-US" sz="1200" spc="224" dirty="0">
+                <a:solidFill>
+                  <a:schemeClr val="bg1"/>
+                </a:solidFill>
+                <a:latin typeface="Montserrat Classic Bold" panose="020B0604020202020204" charset="0"/>
+              </a:rPr>
+              <a:t>The fourth most distribution was observed by Ages 65+</a:t>
+            </a:r>
+          </a:p>
+          <a:p>
+            <a:pPr marL="494517" lvl="1" indent="-247259">
+              <a:lnSpc>
+                <a:spcPts val="3160"/>
+              </a:lnSpc>
+              <a:buFont typeface="Arial"/>
+              <a:buChar char="•"/>
+            </a:pPr>
+            <a:r>
+              <a:rPr lang="en-US" sz="1200" spc="224" dirty="0">
+                <a:solidFill>
+                  <a:schemeClr val="bg1"/>
+                </a:solidFill>
+                <a:latin typeface="Montserrat Classic Bold" panose="020B0604020202020204" charset="0"/>
+              </a:rPr>
+              <a:t>The fifth most distribution was observed by Ages 55-64</a:t>
+            </a:r>
+          </a:p>
+          <a:p>
+            <a:pPr marL="494517" lvl="1" indent="-247259">
+              <a:lnSpc>
+                <a:spcPts val="3160"/>
+              </a:lnSpc>
+              <a:buFont typeface="Arial"/>
+              <a:buChar char="•"/>
+            </a:pPr>
+            <a:r>
+              <a:rPr lang="en-US" sz="1200" spc="224" dirty="0">
+                <a:solidFill>
+                  <a:schemeClr val="bg1"/>
+                </a:solidFill>
+                <a:latin typeface="Montserrat Classic Bold" panose="020B0604020202020204" charset="0"/>
+              </a:rPr>
+              <a:t>The second least amount of distribution was observed by Ages 35-44</a:t>
+            </a:r>
+          </a:p>
+          <a:p>
+            <a:pPr marL="494517" lvl="1" indent="-247259">
+              <a:lnSpc>
+                <a:spcPts val="3160"/>
+              </a:lnSpc>
+              <a:buFont typeface="Arial"/>
+              <a:buChar char="•"/>
+            </a:pPr>
+            <a:r>
+              <a:rPr lang="en-US" sz="1200" spc="224" dirty="0">
+                <a:solidFill>
+                  <a:schemeClr val="bg1"/>
+                </a:solidFill>
+                <a:latin typeface="Montserrat Classic Bold" panose="020B0604020202020204" charset="0"/>
+              </a:rPr>
+              <a:t>The least amount of distribution was observed by Ages 45-54.</a:t>
+            </a:r>
+          </a:p>
+        </p:txBody>
+      </p:sp>
+      <p:sp>
+        <p:nvSpPr>
+          <p:cNvPr id="3" name="Freeform 5">
+            <a:extLst>
+              <a:ext uri="{FF2B5EF4-FFF2-40B4-BE49-F238E27FC236}">
+                <a16:creationId xmlns:a16="http://schemas.microsoft.com/office/drawing/2014/main" id="{EE25E69B-061B-4849-48E6-1CE87979A6F0}"/>
+              </a:ext>
+            </a:extLst>
+          </p:cNvPr>
+          <p:cNvSpPr/>
+          <p:nvPr/>
+        </p:nvSpPr>
+        <p:spPr>
+          <a:xfrm>
+            <a:off x="7748335" y="1422401"/>
+            <a:ext cx="3612391" cy="4338023"/>
+          </a:xfrm>
+          <a:custGeom>
+            <a:avLst/>
+            <a:gdLst/>
+            <a:ahLst/>
+            <a:cxnLst/>
+            <a:rect l="l" t="t" r="r" b="b"/>
+            <a:pathLst>
+              <a:path w="5656057" h="5577698">
+                <a:moveTo>
+                  <a:pt x="0" y="0"/>
+                </a:moveTo>
+                <a:lnTo>
+                  <a:pt x="5656057" y="0"/>
+                </a:lnTo>
+                <a:lnTo>
+                  <a:pt x="5656057" y="5577698"/>
+                </a:lnTo>
+                <a:lnTo>
+                  <a:pt x="0" y="5577698"/>
+                </a:lnTo>
+                <a:lnTo>
+                  <a:pt x="0" y="0"/>
+                </a:lnTo>
+                <a:close/>
+              </a:path>
+            </a:pathLst>
+          </a:custGeom>
+          <a:blipFill>
+            <a:blip r:embed="rId2"/>
+            <a:stretch>
+              <a:fillRect/>
+            </a:stretch>
+          </a:blipFill>
+        </p:spPr>
+      </p:sp>
+    </p:spTree>
+    <p:extLst>
+      <p:ext uri="{BB962C8B-B14F-4D97-AF65-F5344CB8AC3E}">
+        <p14:creationId xmlns:p14="http://schemas.microsoft.com/office/powerpoint/2010/main" val="2541019198"/>
       </p:ext>
     </p:extLst>
   </p:cSld>
@@ -19311,6 +25194,1427 @@
     <p:extLst>
       <p:ext uri="{BB962C8B-B14F-4D97-AF65-F5344CB8AC3E}">
         <p14:creationId xmlns:p14="http://schemas.microsoft.com/office/powerpoint/2010/main" val="1503839743"/>
+      </p:ext>
+    </p:extLst>
+  </p:cSld>
+  <p:clrMapOvr>
+    <a:masterClrMapping/>
+  </p:clrMapOvr>
+</p:sld>
+</file>
+
+<file path=ppt/slides/slide50.xml><?xml version="1.0" encoding="utf-8"?>
+<p:sld xmlns:a="http://schemas.openxmlformats.org/drawingml/2006/main" xmlns:r="http://schemas.openxmlformats.org/officeDocument/2006/relationships" xmlns:p="http://schemas.openxmlformats.org/presentationml/2006/main">
+  <p:cSld>
+    <p:spTree>
+      <p:nvGrpSpPr>
+        <p:cNvPr id="1" name=""/>
+        <p:cNvGrpSpPr/>
+        <p:nvPr/>
+      </p:nvGrpSpPr>
+      <p:grpSpPr>
+        <a:xfrm>
+          <a:off x="0" y="0"/>
+          <a:ext cx="0" cy="0"/>
+          <a:chOff x="0" y="0"/>
+          <a:chExt cx="0" cy="0"/>
+        </a:xfrm>
+      </p:grpSpPr>
+      <p:sp>
+        <p:nvSpPr>
+          <p:cNvPr id="4" name="Title 3">
+            <a:extLst>
+              <a:ext uri="{FF2B5EF4-FFF2-40B4-BE49-F238E27FC236}">
+                <a16:creationId xmlns:a16="http://schemas.microsoft.com/office/drawing/2014/main" id="{2E9A7C78-91FD-4B88-953D-5A4363761BD1}"/>
+              </a:ext>
+            </a:extLst>
+          </p:cNvPr>
+          <p:cNvSpPr>
+            <a:spLocks noGrp="1"/>
+          </p:cNvSpPr>
+          <p:nvPr>
+            <p:ph type="ctrTitle"/>
+          </p:nvPr>
+        </p:nvSpPr>
+        <p:spPr>
+          <a:xfrm>
+            <a:off x="73891" y="120073"/>
+            <a:ext cx="12044217" cy="895927"/>
+          </a:xfrm>
+        </p:spPr>
+        <p:txBody>
+          <a:bodyPr anchor="b" anchorCtr="0">
+            <a:noAutofit/>
+          </a:bodyPr>
+          <a:lstStyle/>
+          <a:p>
+            <a:pPr algn="ctr">
+              <a:lnSpc>
+                <a:spcPts val="9748"/>
+              </a:lnSpc>
+            </a:pPr>
+            <a:br>
+              <a:rPr lang="en-US" sz="4000" spc="692" dirty="0">
+                <a:latin typeface="Oswald Bold"/>
+              </a:rPr>
+            </a:br>
+            <a:br>
+              <a:rPr lang="en-US" sz="4000" spc="692" dirty="0">
+                <a:latin typeface="Oswald Bold"/>
+              </a:rPr>
+            </a:br>
+            <a:br>
+              <a:rPr lang="en-US" sz="4000" spc="692" dirty="0">
+                <a:solidFill>
+                  <a:srgbClr val="231F20"/>
+                </a:solidFill>
+                <a:latin typeface="Oswald Bold"/>
+              </a:rPr>
+            </a:br>
+            <a:r>
+              <a:rPr lang="en-US" sz="3200" spc="692" dirty="0">
+                <a:latin typeface="Oswald Bold"/>
+              </a:rPr>
+              <a:t>CONVERSION BY USER AGE</a:t>
+            </a:r>
+            <a:endParaRPr lang="en-US" sz="3200" spc="692" dirty="0">
+              <a:solidFill>
+                <a:srgbClr val="231F20"/>
+              </a:solidFill>
+              <a:latin typeface="Oswald Bold"/>
+            </a:endParaRPr>
+          </a:p>
+        </p:txBody>
+      </p:sp>
+      <p:sp>
+        <p:nvSpPr>
+          <p:cNvPr id="6" name="Subtitle 4">
+            <a:extLst>
+              <a:ext uri="{FF2B5EF4-FFF2-40B4-BE49-F238E27FC236}">
+                <a16:creationId xmlns:a16="http://schemas.microsoft.com/office/drawing/2014/main" id="{0356272A-03A5-F6CC-7142-4062342DC523}"/>
+              </a:ext>
+            </a:extLst>
+          </p:cNvPr>
+          <p:cNvSpPr txBox="1">
+            <a:spLocks/>
+          </p:cNvSpPr>
+          <p:nvPr/>
+        </p:nvSpPr>
+        <p:spPr>
+          <a:xfrm>
+            <a:off x="-1" y="1422401"/>
+            <a:ext cx="6927273" cy="5315526"/>
+          </a:xfrm>
+          <a:prstGeom prst="rect">
+            <a:avLst/>
+          </a:prstGeom>
+        </p:spPr>
+        <p:txBody>
+          <a:bodyPr vert="horz" lIns="91440" tIns="45720" rIns="91440" bIns="45720" rtlCol="0">
+            <a:normAutofit/>
+          </a:bodyPr>
+          <a:lstStyle>
+            <a:lvl1pPr marL="0" indent="0" algn="ctr" defTabSz="914400" rtl="0" eaLnBrk="1" latinLnBrk="0" hangingPunct="1">
+              <a:lnSpc>
+                <a:spcPct val="110000"/>
+              </a:lnSpc>
+              <a:spcBef>
+                <a:spcPts val="1000"/>
+              </a:spcBef>
+              <a:buClr>
+                <a:schemeClr val="tx2">
+                  <a:lumMod val="10000"/>
+                  <a:lumOff val="90000"/>
+                </a:schemeClr>
+              </a:buClr>
+              <a:buSzPct val="80000"/>
+              <a:buFont typeface="Wingdings" panose="05000000000000000000" pitchFamily="2" charset="2"/>
+              <a:buNone/>
+              <a:defRPr sz="2800" kern="1200">
+                <a:solidFill>
+                  <a:schemeClr val="bg1"/>
+                </a:solidFill>
+                <a:effectLst/>
+                <a:latin typeface="+mn-lt"/>
+                <a:ea typeface="+mn-ea"/>
+                <a:cs typeface="+mn-cs"/>
+              </a:defRPr>
+            </a:lvl1pPr>
+            <a:lvl2pPr marL="800100" indent="-228600" algn="l" defTabSz="914400" rtl="0" eaLnBrk="1" latinLnBrk="0" hangingPunct="1">
+              <a:lnSpc>
+                <a:spcPct val="110000"/>
+              </a:lnSpc>
+              <a:spcBef>
+                <a:spcPts val="500"/>
+              </a:spcBef>
+              <a:buClr>
+                <a:schemeClr val="tx2">
+                  <a:lumMod val="10000"/>
+                  <a:lumOff val="90000"/>
+                </a:schemeClr>
+              </a:buClr>
+              <a:buSzPct val="80000"/>
+              <a:buFont typeface="Wingdings" panose="05000000000000000000" pitchFamily="2" charset="2"/>
+              <a:buChar char="§"/>
+              <a:defRPr sz="2800" kern="1200">
+                <a:solidFill>
+                  <a:schemeClr val="tx2">
+                    <a:alpha val="70000"/>
+                  </a:schemeClr>
+                </a:solidFill>
+                <a:latin typeface="+mn-lt"/>
+                <a:ea typeface="+mn-ea"/>
+                <a:cs typeface="+mn-cs"/>
+              </a:defRPr>
+            </a:lvl2pPr>
+            <a:lvl3pPr marL="1257300" indent="-228600" algn="l" defTabSz="914400" rtl="0" eaLnBrk="1" latinLnBrk="0" hangingPunct="1">
+              <a:lnSpc>
+                <a:spcPct val="110000"/>
+              </a:lnSpc>
+              <a:spcBef>
+                <a:spcPts val="500"/>
+              </a:spcBef>
+              <a:buClr>
+                <a:schemeClr val="tx2">
+                  <a:lumMod val="10000"/>
+                  <a:lumOff val="90000"/>
+                </a:schemeClr>
+              </a:buClr>
+              <a:buSzPct val="80000"/>
+              <a:buFont typeface="Wingdings" panose="05000000000000000000" pitchFamily="2" charset="2"/>
+              <a:buChar char="§"/>
+              <a:defRPr sz="2400" kern="1200">
+                <a:solidFill>
+                  <a:schemeClr val="tx2">
+                    <a:alpha val="70000"/>
+                  </a:schemeClr>
+                </a:solidFill>
+                <a:latin typeface="+mn-lt"/>
+                <a:ea typeface="+mn-ea"/>
+                <a:cs typeface="+mn-cs"/>
+              </a:defRPr>
+            </a:lvl3pPr>
+            <a:lvl4pPr marL="1657350" indent="-228600" algn="l" defTabSz="914400" rtl="0" eaLnBrk="1" latinLnBrk="0" hangingPunct="1">
+              <a:lnSpc>
+                <a:spcPct val="110000"/>
+              </a:lnSpc>
+              <a:spcBef>
+                <a:spcPts val="500"/>
+              </a:spcBef>
+              <a:buClr>
+                <a:schemeClr val="tx2">
+                  <a:lumMod val="10000"/>
+                  <a:lumOff val="90000"/>
+                </a:schemeClr>
+              </a:buClr>
+              <a:buSzPct val="80000"/>
+              <a:buFont typeface="Wingdings" panose="05000000000000000000" pitchFamily="2" charset="2"/>
+              <a:buChar char="§"/>
+              <a:defRPr sz="2000" kern="1200">
+                <a:solidFill>
+                  <a:schemeClr val="tx2">
+                    <a:alpha val="70000"/>
+                  </a:schemeClr>
+                </a:solidFill>
+                <a:latin typeface="+mn-lt"/>
+                <a:ea typeface="+mn-ea"/>
+                <a:cs typeface="+mn-cs"/>
+              </a:defRPr>
+            </a:lvl4pPr>
+            <a:lvl5pPr marL="2114550" indent="-228600" algn="l" defTabSz="914400" rtl="0" eaLnBrk="1" latinLnBrk="0" hangingPunct="1">
+              <a:lnSpc>
+                <a:spcPct val="110000"/>
+              </a:lnSpc>
+              <a:spcBef>
+                <a:spcPts val="500"/>
+              </a:spcBef>
+              <a:buClr>
+                <a:schemeClr val="tx2">
+                  <a:lumMod val="10000"/>
+                  <a:lumOff val="90000"/>
+                </a:schemeClr>
+              </a:buClr>
+              <a:buSzPct val="80000"/>
+              <a:buFont typeface="Wingdings" panose="05000000000000000000" pitchFamily="2" charset="2"/>
+              <a:buChar char="§"/>
+              <a:defRPr sz="2000" kern="1200">
+                <a:solidFill>
+                  <a:schemeClr val="tx2">
+                    <a:alpha val="70000"/>
+                  </a:schemeClr>
+                </a:solidFill>
+                <a:latin typeface="+mn-lt"/>
+                <a:ea typeface="+mn-ea"/>
+                <a:cs typeface="+mn-cs"/>
+              </a:defRPr>
+            </a:lvl5pPr>
+            <a:lvl6pPr marL="2514600" indent="-228600" algn="l" defTabSz="914400" rtl="0" eaLnBrk="1" latinLnBrk="0" hangingPunct="1">
+              <a:lnSpc>
+                <a:spcPct val="90000"/>
+              </a:lnSpc>
+              <a:spcBef>
+                <a:spcPts val="500"/>
+              </a:spcBef>
+              <a:buFont typeface="Arial" panose="020B0604020202020204" pitchFamily="34" charset="0"/>
+              <a:buChar char="•"/>
+              <a:defRPr sz="1800" kern="1200">
+                <a:solidFill>
+                  <a:schemeClr val="tx1"/>
+                </a:solidFill>
+                <a:latin typeface="+mn-lt"/>
+                <a:ea typeface="+mn-ea"/>
+                <a:cs typeface="+mn-cs"/>
+              </a:defRPr>
+            </a:lvl6pPr>
+            <a:lvl7pPr marL="2971800" indent="-228600" algn="l" defTabSz="914400" rtl="0" eaLnBrk="1" latinLnBrk="0" hangingPunct="1">
+              <a:lnSpc>
+                <a:spcPct val="90000"/>
+              </a:lnSpc>
+              <a:spcBef>
+                <a:spcPts val="500"/>
+              </a:spcBef>
+              <a:buFont typeface="Arial" panose="020B0604020202020204" pitchFamily="34" charset="0"/>
+              <a:buChar char="•"/>
+              <a:defRPr sz="1800" kern="1200">
+                <a:solidFill>
+                  <a:schemeClr val="tx1"/>
+                </a:solidFill>
+                <a:latin typeface="+mn-lt"/>
+                <a:ea typeface="+mn-ea"/>
+                <a:cs typeface="+mn-cs"/>
+              </a:defRPr>
+            </a:lvl7pPr>
+            <a:lvl8pPr marL="3429000" indent="-228600" algn="l" defTabSz="914400" rtl="0" eaLnBrk="1" latinLnBrk="0" hangingPunct="1">
+              <a:lnSpc>
+                <a:spcPct val="90000"/>
+              </a:lnSpc>
+              <a:spcBef>
+                <a:spcPts val="500"/>
+              </a:spcBef>
+              <a:buFont typeface="Arial" panose="020B0604020202020204" pitchFamily="34" charset="0"/>
+              <a:buChar char="•"/>
+              <a:defRPr sz="1800" kern="1200">
+                <a:solidFill>
+                  <a:schemeClr val="tx1"/>
+                </a:solidFill>
+                <a:latin typeface="+mn-lt"/>
+                <a:ea typeface="+mn-ea"/>
+                <a:cs typeface="+mn-cs"/>
+              </a:defRPr>
+            </a:lvl8pPr>
+            <a:lvl9pPr marL="3886200" indent="-228600" algn="l" defTabSz="914400" rtl="0" eaLnBrk="1" latinLnBrk="0" hangingPunct="1">
+              <a:lnSpc>
+                <a:spcPct val="90000"/>
+              </a:lnSpc>
+              <a:spcBef>
+                <a:spcPts val="500"/>
+              </a:spcBef>
+              <a:buFont typeface="Arial" panose="020B0604020202020204" pitchFamily="34" charset="0"/>
+              <a:buChar char="•"/>
+              <a:defRPr sz="1800" kern="1200">
+                <a:solidFill>
+                  <a:schemeClr val="tx1"/>
+                </a:solidFill>
+                <a:latin typeface="+mn-lt"/>
+                <a:ea typeface="+mn-ea"/>
+                <a:cs typeface="+mn-cs"/>
+              </a:defRPr>
+            </a:lvl9pPr>
+          </a:lstStyle>
+          <a:p>
+            <a:pPr>
+              <a:lnSpc>
+                <a:spcPts val="3160"/>
+              </a:lnSpc>
+            </a:pPr>
+            <a:r>
+              <a:rPr lang="en-US" sz="1200" spc="224" dirty="0">
+                <a:latin typeface="Montserrat Classic Bold" panose="020B0604020202020204" charset="0"/>
+              </a:rPr>
+              <a:t>THE FINDINGS:</a:t>
+            </a:r>
+          </a:p>
+          <a:p>
+            <a:pPr marL="494517" lvl="1" indent="-247259">
+              <a:lnSpc>
+                <a:spcPts val="3160"/>
+              </a:lnSpc>
+              <a:buFont typeface="Arial"/>
+              <a:buChar char="•"/>
+            </a:pPr>
+            <a:r>
+              <a:rPr lang="en-US" sz="1200" spc="224" dirty="0">
+                <a:solidFill>
+                  <a:schemeClr val="bg1"/>
+                </a:solidFill>
+                <a:latin typeface="Montserrat Classic Bold" panose="020B0604020202020204" charset="0"/>
+              </a:rPr>
+              <a:t>The Unknown category had the most amount of Conversions. </a:t>
+            </a:r>
+          </a:p>
+          <a:p>
+            <a:pPr marL="494517" lvl="1" indent="-247259">
+              <a:lnSpc>
+                <a:spcPts val="3160"/>
+              </a:lnSpc>
+              <a:buFont typeface="Arial"/>
+              <a:buChar char="•"/>
+            </a:pPr>
+            <a:r>
+              <a:rPr lang="en-US" sz="1200" spc="224" dirty="0">
+                <a:solidFill>
+                  <a:schemeClr val="bg1"/>
+                </a:solidFill>
+                <a:latin typeface="Montserrat Classic Bold" panose="020B0604020202020204" charset="0"/>
+              </a:rPr>
+              <a:t>Ages 18-24 had the second most amount of Conversions. </a:t>
+            </a:r>
+          </a:p>
+          <a:p>
+            <a:pPr marL="494517" lvl="1" indent="-247259">
+              <a:lnSpc>
+                <a:spcPts val="3160"/>
+              </a:lnSpc>
+              <a:buFont typeface="Arial"/>
+              <a:buChar char="•"/>
+            </a:pPr>
+            <a:r>
+              <a:rPr lang="en-US" sz="1200" spc="224" dirty="0">
+                <a:solidFill>
+                  <a:schemeClr val="bg1"/>
+                </a:solidFill>
+                <a:latin typeface="Montserrat Classic Bold" panose="020B0604020202020204" charset="0"/>
+              </a:rPr>
+              <a:t>Ages 25-34 had the third most amount of Conversions. </a:t>
+            </a:r>
+          </a:p>
+          <a:p>
+            <a:pPr marL="494517" lvl="1" indent="-247259">
+              <a:lnSpc>
+                <a:spcPts val="3160"/>
+              </a:lnSpc>
+              <a:buFont typeface="Arial"/>
+              <a:buChar char="•"/>
+            </a:pPr>
+            <a:r>
+              <a:rPr lang="en-US" sz="1200" spc="224" dirty="0">
+                <a:solidFill>
+                  <a:schemeClr val="bg1"/>
+                </a:solidFill>
+                <a:latin typeface="Montserrat Classic Bold" panose="020B0604020202020204" charset="0"/>
+              </a:rPr>
+              <a:t>Ages 35-44 had the fourth most amount of Conversions. </a:t>
+            </a:r>
+          </a:p>
+          <a:p>
+            <a:pPr marL="494517" lvl="1" indent="-247259">
+              <a:lnSpc>
+                <a:spcPts val="3160"/>
+              </a:lnSpc>
+              <a:buFont typeface="Arial"/>
+              <a:buChar char="•"/>
+            </a:pPr>
+            <a:r>
+              <a:rPr lang="en-US" sz="1200" spc="224" dirty="0">
+                <a:solidFill>
+                  <a:schemeClr val="bg1"/>
+                </a:solidFill>
+                <a:latin typeface="Montserrat Classic Bold" panose="020B0604020202020204" charset="0"/>
+              </a:rPr>
+              <a:t>Ages 55-64 had the fifth most amount of Conversions. </a:t>
+            </a:r>
+          </a:p>
+          <a:p>
+            <a:pPr marL="494517" lvl="1" indent="-247259">
+              <a:lnSpc>
+                <a:spcPts val="3160"/>
+              </a:lnSpc>
+              <a:buFont typeface="Arial"/>
+              <a:buChar char="•"/>
+            </a:pPr>
+            <a:r>
+              <a:rPr lang="en-US" sz="1200" spc="224" dirty="0">
+                <a:solidFill>
+                  <a:schemeClr val="bg1"/>
+                </a:solidFill>
+                <a:latin typeface="Montserrat Classic Bold" panose="020B0604020202020204" charset="0"/>
+              </a:rPr>
+              <a:t>Ages 65+ had the second least amount of Conversions.</a:t>
+            </a:r>
+          </a:p>
+          <a:p>
+            <a:pPr marL="494517" lvl="1" indent="-247259">
+              <a:lnSpc>
+                <a:spcPts val="3160"/>
+              </a:lnSpc>
+              <a:buFont typeface="Arial"/>
+              <a:buChar char="•"/>
+            </a:pPr>
+            <a:r>
+              <a:rPr lang="en-US" sz="1200" spc="224" dirty="0">
+                <a:solidFill>
+                  <a:schemeClr val="bg1"/>
+                </a:solidFill>
+                <a:latin typeface="Montserrat Classic Bold" panose="020B0604020202020204" charset="0"/>
+              </a:rPr>
+              <a:t>Ages 45-54 had the least amount of Conversions.</a:t>
+            </a:r>
+          </a:p>
+        </p:txBody>
+      </p:sp>
+      <p:sp>
+        <p:nvSpPr>
+          <p:cNvPr id="2" name="Freeform 5">
+            <a:extLst>
+              <a:ext uri="{FF2B5EF4-FFF2-40B4-BE49-F238E27FC236}">
+                <a16:creationId xmlns:a16="http://schemas.microsoft.com/office/drawing/2014/main" id="{2AC38CAD-35DC-0EFB-2944-4EF3A1312C12}"/>
+              </a:ext>
+            </a:extLst>
+          </p:cNvPr>
+          <p:cNvSpPr/>
+          <p:nvPr/>
+        </p:nvSpPr>
+        <p:spPr>
+          <a:xfrm>
+            <a:off x="6834909" y="1562555"/>
+            <a:ext cx="5184953" cy="5078389"/>
+          </a:xfrm>
+          <a:custGeom>
+            <a:avLst/>
+            <a:gdLst/>
+            <a:ahLst/>
+            <a:cxnLst/>
+            <a:rect l="l" t="t" r="r" b="b"/>
+            <a:pathLst>
+              <a:path w="9205257" h="3911076">
+                <a:moveTo>
+                  <a:pt x="0" y="0"/>
+                </a:moveTo>
+                <a:lnTo>
+                  <a:pt x="9205257" y="0"/>
+                </a:lnTo>
+                <a:lnTo>
+                  <a:pt x="9205257" y="3911076"/>
+                </a:lnTo>
+                <a:lnTo>
+                  <a:pt x="0" y="3911076"/>
+                </a:lnTo>
+                <a:lnTo>
+                  <a:pt x="0" y="0"/>
+                </a:lnTo>
+                <a:close/>
+              </a:path>
+            </a:pathLst>
+          </a:custGeom>
+          <a:blipFill>
+            <a:blip r:embed="rId2"/>
+            <a:stretch>
+              <a:fillRect/>
+            </a:stretch>
+          </a:blipFill>
+        </p:spPr>
+      </p:sp>
+    </p:spTree>
+    <p:extLst>
+      <p:ext uri="{BB962C8B-B14F-4D97-AF65-F5344CB8AC3E}">
+        <p14:creationId xmlns:p14="http://schemas.microsoft.com/office/powerpoint/2010/main" val="2003440101"/>
+      </p:ext>
+    </p:extLst>
+  </p:cSld>
+  <p:clrMapOvr>
+    <a:masterClrMapping/>
+  </p:clrMapOvr>
+</p:sld>
+</file>
+
+<file path=ppt/slides/slide51.xml><?xml version="1.0" encoding="utf-8"?>
+<p:sld xmlns:a="http://schemas.openxmlformats.org/drawingml/2006/main" xmlns:r="http://schemas.openxmlformats.org/officeDocument/2006/relationships" xmlns:p="http://schemas.openxmlformats.org/presentationml/2006/main">
+  <p:cSld>
+    <p:spTree>
+      <p:nvGrpSpPr>
+        <p:cNvPr id="1" name=""/>
+        <p:cNvGrpSpPr/>
+        <p:nvPr/>
+      </p:nvGrpSpPr>
+      <p:grpSpPr>
+        <a:xfrm>
+          <a:off x="0" y="0"/>
+          <a:ext cx="0" cy="0"/>
+          <a:chOff x="0" y="0"/>
+          <a:chExt cx="0" cy="0"/>
+        </a:xfrm>
+      </p:grpSpPr>
+      <p:sp>
+        <p:nvSpPr>
+          <p:cNvPr id="4" name="Title 3">
+            <a:extLst>
+              <a:ext uri="{FF2B5EF4-FFF2-40B4-BE49-F238E27FC236}">
+                <a16:creationId xmlns:a16="http://schemas.microsoft.com/office/drawing/2014/main" id="{2E9A7C78-91FD-4B88-953D-5A4363761BD1}"/>
+              </a:ext>
+            </a:extLst>
+          </p:cNvPr>
+          <p:cNvSpPr>
+            <a:spLocks noGrp="1"/>
+          </p:cNvSpPr>
+          <p:nvPr>
+            <p:ph type="ctrTitle"/>
+          </p:nvPr>
+        </p:nvSpPr>
+        <p:spPr>
+          <a:xfrm>
+            <a:off x="1524000" y="2607223"/>
+            <a:ext cx="9144000" cy="1290522"/>
+          </a:xfrm>
+        </p:spPr>
+        <p:txBody>
+          <a:bodyPr anchor="b" anchorCtr="0">
+            <a:normAutofit/>
+          </a:bodyPr>
+          <a:lstStyle/>
+          <a:p>
+            <a:pPr algn="ctr">
+              <a:lnSpc>
+                <a:spcPts val="9748"/>
+              </a:lnSpc>
+            </a:pPr>
+            <a:r>
+              <a:rPr lang="en-US" sz="5400" spc="692" dirty="0">
+                <a:latin typeface="Oswald Bold"/>
+              </a:rPr>
+              <a:t>RECOMMENDATIONS</a:t>
+            </a:r>
+            <a:endParaRPr lang="en-US" sz="5400" spc="692" dirty="0">
+              <a:solidFill>
+                <a:srgbClr val="231F20"/>
+              </a:solidFill>
+              <a:latin typeface="Oswald Bold"/>
+            </a:endParaRPr>
+          </a:p>
+        </p:txBody>
+      </p:sp>
+    </p:spTree>
+    <p:extLst>
+      <p:ext uri="{BB962C8B-B14F-4D97-AF65-F5344CB8AC3E}">
+        <p14:creationId xmlns:p14="http://schemas.microsoft.com/office/powerpoint/2010/main" val="105629918"/>
+      </p:ext>
+    </p:extLst>
+  </p:cSld>
+  <p:clrMapOvr>
+    <a:masterClrMapping/>
+  </p:clrMapOvr>
+</p:sld>
+</file>
+
+<file path=ppt/slides/slide52.xml><?xml version="1.0" encoding="utf-8"?>
+<p:sld xmlns:a="http://schemas.openxmlformats.org/drawingml/2006/main" xmlns:r="http://schemas.openxmlformats.org/officeDocument/2006/relationships" xmlns:p="http://schemas.openxmlformats.org/presentationml/2006/main">
+  <p:cSld>
+    <p:spTree>
+      <p:nvGrpSpPr>
+        <p:cNvPr id="1" name=""/>
+        <p:cNvGrpSpPr/>
+        <p:nvPr/>
+      </p:nvGrpSpPr>
+      <p:grpSpPr>
+        <a:xfrm>
+          <a:off x="0" y="0"/>
+          <a:ext cx="0" cy="0"/>
+          <a:chOff x="0" y="0"/>
+          <a:chExt cx="0" cy="0"/>
+        </a:xfrm>
+      </p:grpSpPr>
+      <p:sp>
+        <p:nvSpPr>
+          <p:cNvPr id="4" name="Title 3">
+            <a:extLst>
+              <a:ext uri="{FF2B5EF4-FFF2-40B4-BE49-F238E27FC236}">
+                <a16:creationId xmlns:a16="http://schemas.microsoft.com/office/drawing/2014/main" id="{2E9A7C78-91FD-4B88-953D-5A4363761BD1}"/>
+              </a:ext>
+            </a:extLst>
+          </p:cNvPr>
+          <p:cNvSpPr>
+            <a:spLocks noGrp="1"/>
+          </p:cNvSpPr>
+          <p:nvPr>
+            <p:ph type="ctrTitle"/>
+          </p:nvPr>
+        </p:nvSpPr>
+        <p:spPr>
+          <a:xfrm>
+            <a:off x="73891" y="120073"/>
+            <a:ext cx="12044217" cy="895927"/>
+          </a:xfrm>
+        </p:spPr>
+        <p:txBody>
+          <a:bodyPr anchor="b" anchorCtr="0">
+            <a:normAutofit fontScale="90000"/>
+          </a:bodyPr>
+          <a:lstStyle/>
+          <a:p>
+            <a:pPr algn="ctr">
+              <a:lnSpc>
+                <a:spcPts val="9748"/>
+              </a:lnSpc>
+            </a:pPr>
+            <a:br>
+              <a:rPr lang="en-US" sz="5400" spc="692" dirty="0">
+                <a:latin typeface="Oswald Bold"/>
+              </a:rPr>
+            </a:br>
+            <a:br>
+              <a:rPr lang="en-US" sz="5400" spc="692" dirty="0">
+                <a:latin typeface="Oswald Bold"/>
+              </a:rPr>
+            </a:br>
+            <a:br>
+              <a:rPr lang="en-US" sz="5400" spc="692" dirty="0">
+                <a:solidFill>
+                  <a:srgbClr val="231F20"/>
+                </a:solidFill>
+                <a:latin typeface="Oswald Bold"/>
+              </a:rPr>
+            </a:br>
+            <a:r>
+              <a:rPr lang="en-US" sz="4900" spc="692" dirty="0">
+                <a:latin typeface="Oswald Bold"/>
+              </a:rPr>
+              <a:t>RECOMMENDATION</a:t>
+            </a:r>
+            <a:endParaRPr lang="en-US" sz="4900" spc="692" dirty="0">
+              <a:solidFill>
+                <a:srgbClr val="231F20"/>
+              </a:solidFill>
+              <a:latin typeface="Oswald Bold"/>
+            </a:endParaRPr>
+          </a:p>
+        </p:txBody>
+      </p:sp>
+      <p:sp>
+        <p:nvSpPr>
+          <p:cNvPr id="5" name="Subtitle 4">
+            <a:extLst>
+              <a:ext uri="{FF2B5EF4-FFF2-40B4-BE49-F238E27FC236}">
+                <a16:creationId xmlns:a16="http://schemas.microsoft.com/office/drawing/2014/main" id="{AD04BED3-CF2E-4CAD-8CE8-ED3ED12AEBD6}"/>
+              </a:ext>
+            </a:extLst>
+          </p:cNvPr>
+          <p:cNvSpPr>
+            <a:spLocks noGrp="1"/>
+          </p:cNvSpPr>
+          <p:nvPr>
+            <p:ph type="body" sz="quarter" idx="15"/>
+          </p:nvPr>
+        </p:nvSpPr>
+        <p:spPr>
+          <a:xfrm>
+            <a:off x="73892" y="1182255"/>
+            <a:ext cx="12044216" cy="5555672"/>
+          </a:xfrm>
+        </p:spPr>
+        <p:txBody>
+          <a:bodyPr>
+            <a:normAutofit fontScale="62500" lnSpcReduction="20000"/>
+          </a:bodyPr>
+          <a:lstStyle/>
+          <a:p>
+            <a:pPr marL="267858" lvl="1" indent="0">
+              <a:lnSpc>
+                <a:spcPts val="3424"/>
+              </a:lnSpc>
+              <a:buNone/>
+            </a:pPr>
+            <a:r>
+              <a:rPr lang="en-US" sz="2600" spc="243" dirty="0">
+                <a:solidFill>
+                  <a:schemeClr val="bg1"/>
+                </a:solidFill>
+                <a:latin typeface="Montserrat Classic Bold" panose="020B0604020202020204" charset="0"/>
+              </a:rPr>
+              <a:t>Target specific customer segments</a:t>
+            </a:r>
+            <a:r>
+              <a:rPr lang="en-US" sz="1800" spc="243" dirty="0">
+                <a:solidFill>
+                  <a:schemeClr val="bg1"/>
+                </a:solidFill>
+                <a:latin typeface="Montserrat Classic Bold" panose="020B0604020202020204" charset="0"/>
+              </a:rPr>
+              <a:t> </a:t>
+            </a:r>
+          </a:p>
+          <a:p>
+            <a:pPr marL="470948" lvl="1" indent="-235474">
+              <a:lnSpc>
+                <a:spcPts val="3010"/>
+              </a:lnSpc>
+              <a:buFont typeface="Arial"/>
+              <a:buChar char="•"/>
+            </a:pPr>
+            <a:r>
+              <a:rPr lang="en-US" sz="1900" spc="213" dirty="0">
+                <a:solidFill>
+                  <a:schemeClr val="bg1"/>
+                </a:solidFill>
+                <a:latin typeface="Montserrat Classic Bold" panose="020B0604020202020204" charset="0"/>
+              </a:rPr>
+              <a:t>Strategizing to target specific customer segments involves a systematic and customer-centric approach. The process commences with thorough market research and segmentation, identifying distinct groups with shared characteristics, needs, and behaviors. </a:t>
+            </a:r>
+          </a:p>
+          <a:p>
+            <a:pPr marL="470948" lvl="1" indent="-235474">
+              <a:lnSpc>
+                <a:spcPts val="3010"/>
+              </a:lnSpc>
+              <a:buFont typeface="Arial"/>
+              <a:buChar char="•"/>
+            </a:pPr>
+            <a:r>
+              <a:rPr lang="en-US" sz="1900" spc="213" dirty="0">
+                <a:solidFill>
+                  <a:schemeClr val="bg1"/>
+                </a:solidFill>
+                <a:latin typeface="Montserrat Classic Bold" panose="020B0604020202020204" charset="0"/>
+              </a:rPr>
+              <a:t>Creating detailed customer personas helps in understanding the unique preferences and challenges of each segment. </a:t>
+            </a:r>
+          </a:p>
+          <a:p>
+            <a:pPr marL="470948" lvl="1" indent="-235474">
+              <a:lnSpc>
+                <a:spcPts val="3010"/>
+              </a:lnSpc>
+              <a:buFont typeface="Arial"/>
+              <a:buChar char="•"/>
+            </a:pPr>
+            <a:r>
+              <a:rPr lang="en-US" sz="1900" spc="213" dirty="0">
+                <a:solidFill>
+                  <a:schemeClr val="bg1"/>
+                </a:solidFill>
+                <a:latin typeface="Montserrat Classic Bold" panose="020B0604020202020204" charset="0"/>
+              </a:rPr>
+              <a:t>Tailoring the value proposition to address the specific pain points of these segments is crucial, ensuring that marketing messages resonate authentically. </a:t>
+            </a:r>
+          </a:p>
+          <a:p>
+            <a:pPr marL="470948" lvl="1" indent="-235474">
+              <a:lnSpc>
+                <a:spcPts val="3010"/>
+              </a:lnSpc>
+              <a:buFont typeface="Arial"/>
+              <a:buChar char="•"/>
+            </a:pPr>
+            <a:r>
+              <a:rPr lang="en-US" sz="1900" spc="213" dirty="0">
+                <a:solidFill>
+                  <a:schemeClr val="bg1"/>
+                </a:solidFill>
+                <a:latin typeface="Montserrat Classic Bold" panose="020B0604020202020204" charset="0"/>
+              </a:rPr>
+              <a:t>Employing targeted marketing campaigns, personalized communication, and industry-specific content contributes to a more effective strategy. </a:t>
+            </a:r>
+          </a:p>
+          <a:p>
+            <a:pPr marL="470948" lvl="1" indent="-235474">
+              <a:lnSpc>
+                <a:spcPts val="3010"/>
+              </a:lnSpc>
+              <a:buFont typeface="Arial"/>
+              <a:buChar char="•"/>
+            </a:pPr>
+            <a:r>
+              <a:rPr lang="en-US" sz="1900" spc="213" dirty="0">
+                <a:solidFill>
+                  <a:schemeClr val="bg1"/>
+                </a:solidFill>
+                <a:latin typeface="Montserrat Classic Bold" panose="020B0604020202020204" charset="0"/>
+              </a:rPr>
+              <a:t>Utilizing analytics tools for continuous monitoring, gathering customer feedback, and staying abreast of market trends allows for ongoing optimization.</a:t>
+            </a:r>
+          </a:p>
+          <a:p>
+            <a:pPr marL="470948" lvl="1" indent="-235474">
+              <a:lnSpc>
+                <a:spcPts val="3010"/>
+              </a:lnSpc>
+              <a:buFont typeface="Arial"/>
+              <a:buChar char="•"/>
+            </a:pPr>
+            <a:r>
+              <a:rPr lang="en-US" sz="1900" spc="213" dirty="0">
+                <a:solidFill>
+                  <a:schemeClr val="bg1"/>
+                </a:solidFill>
+                <a:latin typeface="Montserrat Classic Bold" panose="020B0604020202020204" charset="0"/>
+              </a:rPr>
+              <a:t> This dynamic and iterative approach enables businesses to align their products, services, and marketing efforts with the   nuanced requirements of specific customer segments, fostering stronger connections and long-term relationships.</a:t>
+            </a:r>
+          </a:p>
+        </p:txBody>
+      </p:sp>
+    </p:spTree>
+    <p:extLst>
+      <p:ext uri="{BB962C8B-B14F-4D97-AF65-F5344CB8AC3E}">
+        <p14:creationId xmlns:p14="http://schemas.microsoft.com/office/powerpoint/2010/main" val="4199449180"/>
+      </p:ext>
+    </p:extLst>
+  </p:cSld>
+  <p:clrMapOvr>
+    <a:masterClrMapping/>
+  </p:clrMapOvr>
+</p:sld>
+</file>
+
+<file path=ppt/slides/slide53.xml><?xml version="1.0" encoding="utf-8"?>
+<p:sld xmlns:a="http://schemas.openxmlformats.org/drawingml/2006/main" xmlns:r="http://schemas.openxmlformats.org/officeDocument/2006/relationships" xmlns:p="http://schemas.openxmlformats.org/presentationml/2006/main">
+  <p:cSld>
+    <p:spTree>
+      <p:nvGrpSpPr>
+        <p:cNvPr id="1" name=""/>
+        <p:cNvGrpSpPr/>
+        <p:nvPr/>
+      </p:nvGrpSpPr>
+      <p:grpSpPr>
+        <a:xfrm>
+          <a:off x="0" y="0"/>
+          <a:ext cx="0" cy="0"/>
+          <a:chOff x="0" y="0"/>
+          <a:chExt cx="0" cy="0"/>
+        </a:xfrm>
+      </p:grpSpPr>
+      <p:sp>
+        <p:nvSpPr>
+          <p:cNvPr id="4" name="Title 3">
+            <a:extLst>
+              <a:ext uri="{FF2B5EF4-FFF2-40B4-BE49-F238E27FC236}">
+                <a16:creationId xmlns:a16="http://schemas.microsoft.com/office/drawing/2014/main" id="{2E9A7C78-91FD-4B88-953D-5A4363761BD1}"/>
+              </a:ext>
+            </a:extLst>
+          </p:cNvPr>
+          <p:cNvSpPr>
+            <a:spLocks noGrp="1"/>
+          </p:cNvSpPr>
+          <p:nvPr>
+            <p:ph type="ctrTitle"/>
+          </p:nvPr>
+        </p:nvSpPr>
+        <p:spPr>
+          <a:xfrm>
+            <a:off x="73891" y="120073"/>
+            <a:ext cx="12044217" cy="895927"/>
+          </a:xfrm>
+        </p:spPr>
+        <p:txBody>
+          <a:bodyPr anchor="b" anchorCtr="0">
+            <a:normAutofit fontScale="90000"/>
+          </a:bodyPr>
+          <a:lstStyle/>
+          <a:p>
+            <a:pPr algn="ctr">
+              <a:lnSpc>
+                <a:spcPts val="9748"/>
+              </a:lnSpc>
+            </a:pPr>
+            <a:br>
+              <a:rPr lang="en-US" sz="5400" spc="692" dirty="0">
+                <a:latin typeface="Oswald Bold"/>
+              </a:rPr>
+            </a:br>
+            <a:br>
+              <a:rPr lang="en-US" sz="5400" spc="692" dirty="0">
+                <a:latin typeface="Oswald Bold"/>
+              </a:rPr>
+            </a:br>
+            <a:br>
+              <a:rPr lang="en-US" sz="5400" spc="692" dirty="0">
+                <a:solidFill>
+                  <a:srgbClr val="231F20"/>
+                </a:solidFill>
+                <a:latin typeface="Oswald Bold"/>
+              </a:rPr>
+            </a:br>
+            <a:r>
+              <a:rPr lang="en-US" sz="4900" spc="692" dirty="0">
+                <a:latin typeface="Oswald Bold"/>
+              </a:rPr>
+              <a:t>RECOMMENDATION</a:t>
+            </a:r>
+            <a:endParaRPr lang="en-US" sz="4900" spc="692" dirty="0">
+              <a:solidFill>
+                <a:srgbClr val="231F20"/>
+              </a:solidFill>
+              <a:latin typeface="Oswald Bold"/>
+            </a:endParaRPr>
+          </a:p>
+        </p:txBody>
+      </p:sp>
+      <p:sp>
+        <p:nvSpPr>
+          <p:cNvPr id="5" name="Subtitle 4">
+            <a:extLst>
+              <a:ext uri="{FF2B5EF4-FFF2-40B4-BE49-F238E27FC236}">
+                <a16:creationId xmlns:a16="http://schemas.microsoft.com/office/drawing/2014/main" id="{AD04BED3-CF2E-4CAD-8CE8-ED3ED12AEBD6}"/>
+              </a:ext>
+            </a:extLst>
+          </p:cNvPr>
+          <p:cNvSpPr>
+            <a:spLocks noGrp="1"/>
+          </p:cNvSpPr>
+          <p:nvPr>
+            <p:ph type="body" sz="quarter" idx="15"/>
+          </p:nvPr>
+        </p:nvSpPr>
+        <p:spPr>
+          <a:xfrm>
+            <a:off x="73892" y="1182255"/>
+            <a:ext cx="12044216" cy="5555672"/>
+          </a:xfrm>
+        </p:spPr>
+        <p:txBody>
+          <a:bodyPr>
+            <a:normAutofit fontScale="62500" lnSpcReduction="20000"/>
+          </a:bodyPr>
+          <a:lstStyle/>
+          <a:p>
+            <a:pPr marL="267858" lvl="1" indent="0">
+              <a:lnSpc>
+                <a:spcPts val="3424"/>
+              </a:lnSpc>
+              <a:buNone/>
+            </a:pPr>
+            <a:r>
+              <a:rPr lang="en-US" sz="2600" spc="243" dirty="0">
+                <a:solidFill>
+                  <a:schemeClr val="bg1"/>
+                </a:solidFill>
+                <a:latin typeface="Montserrat Classic Bold" panose="020B0604020202020204" charset="0"/>
+              </a:rPr>
+              <a:t>Improve product offering </a:t>
+            </a:r>
+            <a:r>
+              <a:rPr lang="en-US" sz="1800" spc="243" dirty="0">
+                <a:solidFill>
+                  <a:schemeClr val="bg1"/>
+                </a:solidFill>
+                <a:latin typeface="Montserrat Classic Bold" panose="020B0604020202020204" charset="0"/>
+              </a:rPr>
+              <a:t> </a:t>
+            </a:r>
+          </a:p>
+          <a:p>
+            <a:pPr marL="470948" lvl="1" indent="-235474">
+              <a:lnSpc>
+                <a:spcPts val="3010"/>
+              </a:lnSpc>
+              <a:buFont typeface="Arial"/>
+              <a:buChar char="•"/>
+            </a:pPr>
+            <a:r>
+              <a:rPr lang="en-US" sz="2000" spc="213" dirty="0">
+                <a:solidFill>
+                  <a:schemeClr val="bg1"/>
+                </a:solidFill>
+                <a:latin typeface="Montserrat Classic Bold" panose="020B0604020202020204" charset="0"/>
+              </a:rPr>
+              <a:t>Strategizing the improvisation of product offerings is a dynamic process that involves a keen understanding of market demands and customer preferences. </a:t>
+            </a:r>
+          </a:p>
+          <a:p>
+            <a:pPr marL="470948" lvl="1" indent="-235474">
+              <a:lnSpc>
+                <a:spcPts val="3010"/>
+              </a:lnSpc>
+              <a:buFont typeface="Arial"/>
+              <a:buChar char="•"/>
+            </a:pPr>
+            <a:r>
+              <a:rPr lang="en-US" sz="2000" spc="213" dirty="0">
+                <a:solidFill>
+                  <a:schemeClr val="bg1"/>
+                </a:solidFill>
+                <a:latin typeface="Montserrat Classic Bold" panose="020B0604020202020204" charset="0"/>
+              </a:rPr>
+              <a:t>Businesses must first conduct a comprehensive analysis of their current product portfolio, considering factors like customer feedback, market trends, and competitor offerings.</a:t>
+            </a:r>
+          </a:p>
+          <a:p>
+            <a:pPr marL="470948" lvl="1" indent="-235474">
+              <a:lnSpc>
+                <a:spcPts val="3010"/>
+              </a:lnSpc>
+              <a:buFont typeface="Arial"/>
+              <a:buChar char="•"/>
+            </a:pPr>
+            <a:r>
+              <a:rPr lang="en-US" sz="2000" spc="213" dirty="0">
+                <a:solidFill>
+                  <a:schemeClr val="bg1"/>
+                </a:solidFill>
+                <a:latin typeface="Montserrat Classic Bold" panose="020B0604020202020204" charset="0"/>
+              </a:rPr>
+              <a:t>Identifying areas for enhancement or new features becomes crucial in aligning products with evolving consumer needs.</a:t>
+            </a:r>
+          </a:p>
+          <a:p>
+            <a:pPr marL="470948" lvl="1" indent="-235474">
+              <a:lnSpc>
+                <a:spcPts val="3010"/>
+              </a:lnSpc>
+              <a:buFont typeface="Arial"/>
+              <a:buChar char="•"/>
+            </a:pPr>
+            <a:r>
+              <a:rPr lang="en-US" sz="2000" spc="213" dirty="0">
+                <a:solidFill>
+                  <a:schemeClr val="bg1"/>
+                </a:solidFill>
+                <a:latin typeface="Montserrat Classic Bold" panose="020B0604020202020204" charset="0"/>
+              </a:rPr>
+              <a:t>Engaging with customer feedback, conducting surveys, and leveraging market research are integral steps in gaining insights into user expectations. The strategy may involve refining existing products, introducing new variants, or even exploring partnerships to complement the product range.</a:t>
+            </a:r>
+          </a:p>
+          <a:p>
+            <a:pPr marL="470948" lvl="1" indent="-235474">
+              <a:lnSpc>
+                <a:spcPts val="3010"/>
+              </a:lnSpc>
+              <a:buFont typeface="Arial"/>
+              <a:buChar char="•"/>
+            </a:pPr>
+            <a:r>
+              <a:rPr lang="en-US" sz="2000" spc="213" dirty="0">
+                <a:solidFill>
+                  <a:schemeClr val="bg1"/>
+                </a:solidFill>
+                <a:latin typeface="Montserrat Classic Bold" panose="020B0604020202020204" charset="0"/>
+              </a:rPr>
+              <a:t>Continuous monitoring of industry trends and competitor innovations helps ensure that the product improvisation strategy remains agile and responsive. Ultimately, a successful approach to improvising product offerings centers on adaptability, customer-centricity, and a commitment to delivering value in an ever-changing market landscape.</a:t>
+            </a:r>
+          </a:p>
+        </p:txBody>
+      </p:sp>
+    </p:spTree>
+    <p:extLst>
+      <p:ext uri="{BB962C8B-B14F-4D97-AF65-F5344CB8AC3E}">
+        <p14:creationId xmlns:p14="http://schemas.microsoft.com/office/powerpoint/2010/main" val="2007238659"/>
+      </p:ext>
+    </p:extLst>
+  </p:cSld>
+  <p:clrMapOvr>
+    <a:masterClrMapping/>
+  </p:clrMapOvr>
+</p:sld>
+</file>
+
+<file path=ppt/slides/slide54.xml><?xml version="1.0" encoding="utf-8"?>
+<p:sld xmlns:a="http://schemas.openxmlformats.org/drawingml/2006/main" xmlns:r="http://schemas.openxmlformats.org/officeDocument/2006/relationships" xmlns:p="http://schemas.openxmlformats.org/presentationml/2006/main">
+  <p:cSld>
+    <p:spTree>
+      <p:nvGrpSpPr>
+        <p:cNvPr id="1" name=""/>
+        <p:cNvGrpSpPr/>
+        <p:nvPr/>
+      </p:nvGrpSpPr>
+      <p:grpSpPr>
+        <a:xfrm>
+          <a:off x="0" y="0"/>
+          <a:ext cx="0" cy="0"/>
+          <a:chOff x="0" y="0"/>
+          <a:chExt cx="0" cy="0"/>
+        </a:xfrm>
+      </p:grpSpPr>
+      <p:sp>
+        <p:nvSpPr>
+          <p:cNvPr id="4" name="Title 3">
+            <a:extLst>
+              <a:ext uri="{FF2B5EF4-FFF2-40B4-BE49-F238E27FC236}">
+                <a16:creationId xmlns:a16="http://schemas.microsoft.com/office/drawing/2014/main" id="{2E9A7C78-91FD-4B88-953D-5A4363761BD1}"/>
+              </a:ext>
+            </a:extLst>
+          </p:cNvPr>
+          <p:cNvSpPr>
+            <a:spLocks noGrp="1"/>
+          </p:cNvSpPr>
+          <p:nvPr>
+            <p:ph type="ctrTitle"/>
+          </p:nvPr>
+        </p:nvSpPr>
+        <p:spPr>
+          <a:xfrm>
+            <a:off x="73891" y="120073"/>
+            <a:ext cx="12044217" cy="895927"/>
+          </a:xfrm>
+        </p:spPr>
+        <p:txBody>
+          <a:bodyPr anchor="b" anchorCtr="0">
+            <a:normAutofit fontScale="90000"/>
+          </a:bodyPr>
+          <a:lstStyle/>
+          <a:p>
+            <a:pPr algn="ctr">
+              <a:lnSpc>
+                <a:spcPts val="9748"/>
+              </a:lnSpc>
+            </a:pPr>
+            <a:br>
+              <a:rPr lang="en-US" sz="5400" spc="692" dirty="0">
+                <a:latin typeface="Oswald Bold"/>
+              </a:rPr>
+            </a:br>
+            <a:br>
+              <a:rPr lang="en-US" sz="5400" spc="692" dirty="0">
+                <a:latin typeface="Oswald Bold"/>
+              </a:rPr>
+            </a:br>
+            <a:br>
+              <a:rPr lang="en-US" sz="5400" spc="692" dirty="0">
+                <a:solidFill>
+                  <a:srgbClr val="231F20"/>
+                </a:solidFill>
+                <a:latin typeface="Oswald Bold"/>
+              </a:rPr>
+            </a:br>
+            <a:r>
+              <a:rPr lang="en-US" sz="4900" spc="692" dirty="0">
+                <a:latin typeface="Oswald Bold"/>
+              </a:rPr>
+              <a:t>RECOMMENDATION</a:t>
+            </a:r>
+            <a:endParaRPr lang="en-US" sz="4900" spc="692" dirty="0">
+              <a:solidFill>
+                <a:srgbClr val="231F20"/>
+              </a:solidFill>
+              <a:latin typeface="Oswald Bold"/>
+            </a:endParaRPr>
+          </a:p>
+        </p:txBody>
+      </p:sp>
+      <p:sp>
+        <p:nvSpPr>
+          <p:cNvPr id="5" name="Subtitle 4">
+            <a:extLst>
+              <a:ext uri="{FF2B5EF4-FFF2-40B4-BE49-F238E27FC236}">
+                <a16:creationId xmlns:a16="http://schemas.microsoft.com/office/drawing/2014/main" id="{AD04BED3-CF2E-4CAD-8CE8-ED3ED12AEBD6}"/>
+              </a:ext>
+            </a:extLst>
+          </p:cNvPr>
+          <p:cNvSpPr>
+            <a:spLocks noGrp="1"/>
+          </p:cNvSpPr>
+          <p:nvPr>
+            <p:ph type="body" sz="quarter" idx="15"/>
+          </p:nvPr>
+        </p:nvSpPr>
+        <p:spPr>
+          <a:xfrm>
+            <a:off x="83128" y="1182255"/>
+            <a:ext cx="12044216" cy="5555672"/>
+          </a:xfrm>
+        </p:spPr>
+        <p:txBody>
+          <a:bodyPr>
+            <a:normAutofit fontScale="70000" lnSpcReduction="20000"/>
+          </a:bodyPr>
+          <a:lstStyle/>
+          <a:p>
+            <a:pPr marL="267858" lvl="1" indent="0">
+              <a:lnSpc>
+                <a:spcPts val="3424"/>
+              </a:lnSpc>
+              <a:buNone/>
+            </a:pPr>
+            <a:r>
+              <a:rPr lang="en-US" sz="2600" spc="243" dirty="0">
+                <a:solidFill>
+                  <a:schemeClr val="bg1"/>
+                </a:solidFill>
+                <a:latin typeface="Montserrat Classic Bold" panose="020B0604020202020204" charset="0"/>
+              </a:rPr>
+              <a:t>Modifying market strategy  </a:t>
+            </a:r>
+            <a:r>
+              <a:rPr lang="en-US" sz="1800" spc="243" dirty="0">
+                <a:solidFill>
+                  <a:schemeClr val="bg1"/>
+                </a:solidFill>
+                <a:latin typeface="Montserrat Classic Bold" panose="020B0604020202020204" charset="0"/>
+              </a:rPr>
+              <a:t> </a:t>
+            </a:r>
+          </a:p>
+          <a:p>
+            <a:pPr marL="470948" lvl="1" indent="-235474">
+              <a:lnSpc>
+                <a:spcPts val="3010"/>
+              </a:lnSpc>
+              <a:buFont typeface="Arial"/>
+              <a:buChar char="•"/>
+            </a:pPr>
+            <a:r>
+              <a:rPr lang="en-US" sz="2000" spc="213" dirty="0">
+                <a:solidFill>
+                  <a:schemeClr val="bg1"/>
+                </a:solidFill>
+                <a:latin typeface="Montserrat Classic Bold" panose="020B0604020202020204" charset="0"/>
+              </a:rPr>
+              <a:t>Strategizing the modification of a market strategy requires a comprehensive and flexible approach. </a:t>
+            </a:r>
+          </a:p>
+          <a:p>
+            <a:pPr marL="470948" lvl="1" indent="-235474">
+              <a:lnSpc>
+                <a:spcPts val="3010"/>
+              </a:lnSpc>
+              <a:buFont typeface="Arial"/>
+              <a:buChar char="•"/>
+            </a:pPr>
+            <a:r>
+              <a:rPr lang="en-US" sz="2000" spc="213" dirty="0">
+                <a:solidFill>
+                  <a:schemeClr val="bg1"/>
+                </a:solidFill>
+                <a:latin typeface="Montserrat Classic Bold" panose="020B0604020202020204" charset="0"/>
+              </a:rPr>
+              <a:t>It begins with a thorough evaluation of current market conditions, competitor landscapes, and customer feedback. Identifying areas for improvement or shifts in customer preferences becomes pivotal in the modification process. Utilizing data analytics and market research, businesses can gain valuable insights into emerging trends and evolving consumer behaviors.</a:t>
+            </a:r>
+          </a:p>
+          <a:p>
+            <a:pPr marL="470948" lvl="1" indent="-235474">
+              <a:lnSpc>
+                <a:spcPts val="3010"/>
+              </a:lnSpc>
+              <a:buFont typeface="Arial"/>
+              <a:buChar char="•"/>
+            </a:pPr>
+            <a:r>
+              <a:rPr lang="en-US" sz="2000" spc="213" dirty="0">
+                <a:solidFill>
+                  <a:schemeClr val="bg1"/>
+                </a:solidFill>
+                <a:latin typeface="Montserrat Classic Bold" panose="020B0604020202020204" charset="0"/>
+              </a:rPr>
+              <a:t>The strategy modification should align with the overarching business goals, and adjustments may involve refining target demographics, optimizing product positioning, or enhancing marketing channels. </a:t>
+            </a:r>
+          </a:p>
+          <a:p>
+            <a:pPr marL="470948" lvl="1" indent="-235474">
+              <a:lnSpc>
+                <a:spcPts val="3010"/>
+              </a:lnSpc>
+              <a:buFont typeface="Arial"/>
+              <a:buChar char="•"/>
+            </a:pPr>
+            <a:r>
+              <a:rPr lang="en-US" sz="2000" spc="213" dirty="0">
+                <a:solidFill>
+                  <a:schemeClr val="bg1"/>
+                </a:solidFill>
+                <a:latin typeface="Montserrat Classic Bold" panose="020B0604020202020204" charset="0"/>
+              </a:rPr>
+              <a:t>Regularly monitoring key performance indicators (KPIs) allows for real-time assessment of the modified strategy's impact, facilitating further adjustments for optimal outcomes. </a:t>
+            </a:r>
+          </a:p>
+          <a:p>
+            <a:pPr marL="470948" lvl="1" indent="-235474">
+              <a:lnSpc>
+                <a:spcPts val="3010"/>
+              </a:lnSpc>
+              <a:buFont typeface="Arial"/>
+              <a:buChar char="•"/>
+            </a:pPr>
+            <a:r>
+              <a:rPr lang="en-US" sz="2000" spc="213" dirty="0">
+                <a:solidFill>
+                  <a:schemeClr val="bg1"/>
+                </a:solidFill>
+                <a:latin typeface="Montserrat Classic Bold" panose="020B0604020202020204" charset="0"/>
+              </a:rPr>
+              <a:t>A successful modification strategy embraces adaptability, responsiveness to market dynamics, and a commitment to meeting the changing needs of the target audience.</a:t>
+            </a:r>
+          </a:p>
+        </p:txBody>
+      </p:sp>
+    </p:spTree>
+    <p:extLst>
+      <p:ext uri="{BB962C8B-B14F-4D97-AF65-F5344CB8AC3E}">
+        <p14:creationId xmlns:p14="http://schemas.microsoft.com/office/powerpoint/2010/main" val="1879132824"/>
+      </p:ext>
+    </p:extLst>
+  </p:cSld>
+  <p:clrMapOvr>
+    <a:masterClrMapping/>
+  </p:clrMapOvr>
+</p:sld>
+</file>
+
+<file path=ppt/slides/slide55.xml><?xml version="1.0" encoding="utf-8"?>
+<p:sld xmlns:a="http://schemas.openxmlformats.org/drawingml/2006/main" xmlns:r="http://schemas.openxmlformats.org/officeDocument/2006/relationships" xmlns:p="http://schemas.openxmlformats.org/presentationml/2006/main">
+  <p:cSld>
+    <p:spTree>
+      <p:nvGrpSpPr>
+        <p:cNvPr id="1" name=""/>
+        <p:cNvGrpSpPr/>
+        <p:nvPr/>
+      </p:nvGrpSpPr>
+      <p:grpSpPr>
+        <a:xfrm>
+          <a:off x="0" y="0"/>
+          <a:ext cx="0" cy="0"/>
+          <a:chOff x="0" y="0"/>
+          <a:chExt cx="0" cy="0"/>
+        </a:xfrm>
+      </p:grpSpPr>
+      <p:sp>
+        <p:nvSpPr>
+          <p:cNvPr id="4" name="Title 3">
+            <a:extLst>
+              <a:ext uri="{FF2B5EF4-FFF2-40B4-BE49-F238E27FC236}">
+                <a16:creationId xmlns:a16="http://schemas.microsoft.com/office/drawing/2014/main" id="{2E9A7C78-91FD-4B88-953D-5A4363761BD1}"/>
+              </a:ext>
+            </a:extLst>
+          </p:cNvPr>
+          <p:cNvSpPr>
+            <a:spLocks noGrp="1"/>
+          </p:cNvSpPr>
+          <p:nvPr>
+            <p:ph type="ctrTitle"/>
+          </p:nvPr>
+        </p:nvSpPr>
+        <p:spPr>
+          <a:xfrm>
+            <a:off x="1524000" y="2607223"/>
+            <a:ext cx="9144000" cy="1290522"/>
+          </a:xfrm>
+        </p:spPr>
+        <p:txBody>
+          <a:bodyPr anchor="b" anchorCtr="0">
+            <a:normAutofit/>
+          </a:bodyPr>
+          <a:lstStyle/>
+          <a:p>
+            <a:pPr algn="ctr">
+              <a:lnSpc>
+                <a:spcPts val="9748"/>
+              </a:lnSpc>
+            </a:pPr>
+            <a:r>
+              <a:rPr lang="en-US" sz="5400" spc="692" dirty="0">
+                <a:latin typeface="Oswald Bold"/>
+              </a:rPr>
+              <a:t>THANK YOU</a:t>
+            </a:r>
+            <a:endParaRPr lang="en-US" sz="5400" spc="692" dirty="0">
+              <a:solidFill>
+                <a:srgbClr val="231F20"/>
+              </a:solidFill>
+              <a:latin typeface="Oswald Bold"/>
+            </a:endParaRPr>
+          </a:p>
+        </p:txBody>
+      </p:sp>
+    </p:spTree>
+    <p:extLst>
+      <p:ext uri="{BB962C8B-B14F-4D97-AF65-F5344CB8AC3E}">
+        <p14:creationId xmlns:p14="http://schemas.microsoft.com/office/powerpoint/2010/main" val="1126566311"/>
       </p:ext>
     </p:extLst>
   </p:cSld>
@@ -21924,6 +29228,34 @@
 </file>
 
 <file path=customXml/item1.xml><?xml version="1.0" encoding="utf-8"?>
+<p:properties xmlns:p="http://schemas.microsoft.com/office/2006/metadata/properties" xmlns:xsi="http://www.w3.org/2001/XMLSchema-instance" xmlns:pc="http://schemas.microsoft.com/office/infopath/2007/PartnerControls">
+  <documentManagement>
+    <Status xmlns="71af3243-3dd4-4a8d-8c0d-dd76da1f02a5">Not started</Status>
+    <_ip_UnifiedCompliancePolicyUIAction xmlns="http://schemas.microsoft.com/sharepoint/v3" xsi:nil="true"/>
+    <Image xmlns="71af3243-3dd4-4a8d-8c0d-dd76da1f02a5">
+      <Url xsi:nil="true"/>
+      <Description xsi:nil="true"/>
+    </Image>
+    <_ip_UnifiedCompliancePolicyProperties xmlns="http://schemas.microsoft.com/sharepoint/v3" xsi:nil="true"/>
+    <lcf76f155ced4ddcb4097134ff3c332f xmlns="71af3243-3dd4-4a8d-8c0d-dd76da1f02a5">
+      <Terms xmlns="http://schemas.microsoft.com/office/infopath/2007/PartnerControls"/>
+    </lcf76f155ced4ddcb4097134ff3c332f>
+    <TaxCatchAll xmlns="230e9df3-be65-4c73-a93b-d1236ebd677e"/>
+    <MediaServiceKeyPoints xmlns="71af3243-3dd4-4a8d-8c0d-dd76da1f02a5" xsi:nil="true"/>
+  </documentManagement>
+</p:properties>
+</file>
+
+<file path=customXml/item2.xml><?xml version="1.0" encoding="utf-8"?>
+<?mso-contentType ?>
+<FormTemplates xmlns="http://schemas.microsoft.com/sharepoint/v3/contenttype/forms">
+  <Display>DocumentLibraryForm</Display>
+  <Edit>DocumentLibraryForm</Edit>
+  <New>DocumentLibraryForm</New>
+</FormTemplates>
+</file>
+
+<file path=customXml/item3.xml><?xml version="1.0" encoding="utf-8"?>
 <ct:contentTypeSchema xmlns:ct="http://schemas.microsoft.com/office/2006/metadata/contentType" xmlns:ma="http://schemas.microsoft.com/office/2006/metadata/properties/metaAttributes" ct:_="" ma:_="" ma:contentTypeName="Document" ma:contentTypeID="0x01010079F111ED35F8CC479449609E8A0923A6" ma:contentTypeVersion="18" ma:contentTypeDescription="Create a new document." ma:contentTypeScope="" ma:versionID="22a266b9fa9a230c5a512669d8b298c3">
   <xsd:schema xmlns:xsd="http://www.w3.org/2001/XMLSchema" xmlns:xs="http://www.w3.org/2001/XMLSchema" xmlns:p="http://schemas.microsoft.com/office/2006/metadata/properties" xmlns:ns1="http://schemas.microsoft.com/sharepoint/v3" xmlns:ns2="71af3243-3dd4-4a8d-8c0d-dd76da1f02a5" xmlns:ns3="16c05727-aa75-4e4a-9b5f-8a80a1165891" xmlns:ns4="230e9df3-be65-4c73-a93b-d1236ebd677e" targetNamespace="http://schemas.microsoft.com/office/2006/metadata/properties" ma:root="true" ma:fieldsID="eddc33fff6b14141ee5c74a0d29ea6a1" ns1:_="" ns2:_="" ns3:_="" ns4:_="">
     <xsd:import namespace="http://schemas.microsoft.com/sharepoint/v3"/>
@@ -22199,35 +29531,27 @@
 </ct:contentTypeSchema>
 </file>
 
-<file path=customXml/item2.xml><?xml version="1.0" encoding="utf-8"?>
-<?mso-contentType ?>
-<FormTemplates xmlns="http://schemas.microsoft.com/sharepoint/v3/contenttype/forms">
-  <Display>DocumentLibraryForm</Display>
-  <Edit>DocumentLibraryForm</Edit>
-  <New>DocumentLibraryForm</New>
-</FormTemplates>
+<file path=customXml/itemProps1.xml><?xml version="1.0" encoding="utf-8"?>
+<ds:datastoreItem xmlns:ds="http://schemas.openxmlformats.org/officeDocument/2006/customXml" ds:itemID="{DAAFE2A1-77F8-441E-9B9F-DD61C354F4FE}">
+  <ds:schemaRefs>
+    <ds:schemaRef ds:uri="http://schemas.microsoft.com/office/2006/metadata/properties"/>
+    <ds:schemaRef ds:uri="http://schemas.microsoft.com/office/infopath/2007/PartnerControls"/>
+    <ds:schemaRef ds:uri="71af3243-3dd4-4a8d-8c0d-dd76da1f02a5"/>
+    <ds:schemaRef ds:uri="http://schemas.microsoft.com/sharepoint/v3"/>
+    <ds:schemaRef ds:uri="230e9df3-be65-4c73-a93b-d1236ebd677e"/>
+  </ds:schemaRefs>
+</ds:datastoreItem>
 </file>
 
-<file path=customXml/item3.xml><?xml version="1.0" encoding="utf-8"?>
-<p:properties xmlns:p="http://schemas.microsoft.com/office/2006/metadata/properties" xmlns:xsi="http://www.w3.org/2001/XMLSchema-instance" xmlns:pc="http://schemas.microsoft.com/office/infopath/2007/PartnerControls">
-  <documentManagement>
-    <Status xmlns="71af3243-3dd4-4a8d-8c0d-dd76da1f02a5">Not started</Status>
-    <_ip_UnifiedCompliancePolicyUIAction xmlns="http://schemas.microsoft.com/sharepoint/v3" xsi:nil="true"/>
-    <Image xmlns="71af3243-3dd4-4a8d-8c0d-dd76da1f02a5">
-      <Url xsi:nil="true"/>
-      <Description xsi:nil="true"/>
-    </Image>
-    <_ip_UnifiedCompliancePolicyProperties xmlns="http://schemas.microsoft.com/sharepoint/v3" xsi:nil="true"/>
-    <lcf76f155ced4ddcb4097134ff3c332f xmlns="71af3243-3dd4-4a8d-8c0d-dd76da1f02a5">
-      <Terms xmlns="http://schemas.microsoft.com/office/infopath/2007/PartnerControls"/>
-    </lcf76f155ced4ddcb4097134ff3c332f>
-    <TaxCatchAll xmlns="230e9df3-be65-4c73-a93b-d1236ebd677e"/>
-    <MediaServiceKeyPoints xmlns="71af3243-3dd4-4a8d-8c0d-dd76da1f02a5" xsi:nil="true"/>
-  </documentManagement>
-</p:properties>
+<file path=customXml/itemProps2.xml><?xml version="1.0" encoding="utf-8"?>
+<ds:datastoreItem xmlns:ds="http://schemas.openxmlformats.org/officeDocument/2006/customXml" ds:itemID="{5CF4B188-9E41-4609-81DC-EA2587D009AE}">
+  <ds:schemaRefs>
+    <ds:schemaRef ds:uri="http://schemas.microsoft.com/sharepoint/v3/contenttype/forms"/>
+  </ds:schemaRefs>
+</ds:datastoreItem>
 </file>
 
-<file path=customXml/itemProps1.xml><?xml version="1.0" encoding="utf-8"?>
+<file path=customXml/itemProps3.xml><?xml version="1.0" encoding="utf-8"?>
 <ds:datastoreItem xmlns:ds="http://schemas.openxmlformats.org/officeDocument/2006/customXml" ds:itemID="{56052644-F409-493B-8E91-969D43897F27}">
   <ds:schemaRefs>
     <ds:schemaRef ds:uri="http://schemas.microsoft.com/office/2006/metadata/contentType"/>
@@ -22246,24 +29570,4 @@
     <ds:schemaRef ds:uri="http://schemas.microsoft.com/internal/obd"/>
   </ds:schemaRefs>
 </ds:datastoreItem>
-</file>
-
-<file path=customXml/itemProps2.xml><?xml version="1.0" encoding="utf-8"?>
-<ds:datastoreItem xmlns:ds="http://schemas.openxmlformats.org/officeDocument/2006/customXml" ds:itemID="{5CF4B188-9E41-4609-81DC-EA2587D009AE}">
-  <ds:schemaRefs>
-    <ds:schemaRef ds:uri="http://schemas.microsoft.com/sharepoint/v3/contenttype/forms"/>
-  </ds:schemaRefs>
-</ds:datastoreItem>
-</file>
-
-<file path=customXml/itemProps3.xml><?xml version="1.0" encoding="utf-8"?>
-<ds:datastoreItem xmlns:ds="http://schemas.openxmlformats.org/officeDocument/2006/customXml" ds:itemID="{DAAFE2A1-77F8-441E-9B9F-DD61C354F4FE}">
-  <ds:schemaRefs>
-    <ds:schemaRef ds:uri="http://schemas.microsoft.com/office/2006/metadata/properties"/>
-    <ds:schemaRef ds:uri="http://schemas.microsoft.com/office/infopath/2007/PartnerControls"/>
-    <ds:schemaRef ds:uri="71af3243-3dd4-4a8d-8c0d-dd76da1f02a5"/>
-    <ds:schemaRef ds:uri="http://schemas.microsoft.com/sharepoint/v3"/>
-    <ds:schemaRef ds:uri="230e9df3-be65-4c73-a93b-d1236ebd677e"/>
-  </ds:schemaRefs>
-</ds:datastoreItem>
 </file>